--- a/Capstone Presentation.pptx
+++ b/Capstone Presentation.pptx
@@ -135,6 +135,4566 @@
 </p:presentation>
 </file>
 
+<file path=ppt/charts/chart1.xml><?xml version="1.0" encoding="utf-8"?>
+<c:chartSpace xmlns:c="http://schemas.openxmlformats.org/drawingml/2006/chart" xmlns:a="http://schemas.openxmlformats.org/drawingml/2006/main" xmlns:r="http://schemas.openxmlformats.org/officeDocument/2006/relationships" xmlns:c16r2="http://schemas.microsoft.com/office/drawing/2015/06/chart">
+  <c:date1904 val="0"/>
+  <c:lang val="en-US"/>
+  <c:roundedCorners val="0"/>
+  <mc:AlternateContent xmlns:mc="http://schemas.openxmlformats.org/markup-compatibility/2006">
+    <mc:Choice xmlns:c14="http://schemas.microsoft.com/office/drawing/2007/8/2/chart" Requires="c14">
+      <c14:style val="103"/>
+    </mc:Choice>
+    <mc:Fallback>
+      <c:style val="3"/>
+    </mc:Fallback>
+  </mc:AlternateContent>
+  <c:clrMapOvr bg1="lt1" tx1="dk1" bg2="lt2" tx2="dk2" accent1="accent1" accent2="accent2" accent3="accent3" accent4="accent4" accent5="accent5" accent6="accent6" hlink="hlink" folHlink="folHlink"/>
+  <c:chart>
+    <c:title>
+      <c:tx>
+        <c:rich>
+          <a:bodyPr rot="0" spcFirstLastPara="1" vertOverflow="ellipsis" vert="horz" wrap="square" anchor="ctr" anchorCtr="1"/>
+          <a:lstStyle/>
+          <a:p>
+            <a:pPr>
+              <a:defRPr sz="2000" b="0" i="0" u="none" strike="noStrike" kern="1200" spc="0" baseline="0">
+                <a:solidFill>
+                  <a:schemeClr val="accent4"/>
+                </a:solidFill>
+                <a:latin typeface="Open Sans" panose="020B0606030504020204" pitchFamily="34" charset="0"/>
+                <a:ea typeface="Open Sans" panose="020B0606030504020204" pitchFamily="34" charset="0"/>
+                <a:cs typeface="Open Sans" panose="020B0606030504020204" pitchFamily="34" charset="0"/>
+              </a:defRPr>
+            </a:pPr>
+            <a:r>
+              <a:rPr lang="en-US" sz="2000" b="1" dirty="0">
+                <a:solidFill>
+                  <a:schemeClr val="accent4"/>
+                </a:solidFill>
+                <a:latin typeface="Open Sans" panose="020B0606030504020204" pitchFamily="34" charset="0"/>
+                <a:ea typeface="Open Sans" panose="020B0606030504020204" pitchFamily="34" charset="0"/>
+                <a:cs typeface="Open Sans" panose="020B0606030504020204" pitchFamily="34" charset="0"/>
+              </a:rPr>
+              <a:t>General</a:t>
+            </a:r>
+            <a:r>
+              <a:rPr lang="en-US" sz="2000" b="1" baseline="0" dirty="0">
+                <a:solidFill>
+                  <a:schemeClr val="accent4"/>
+                </a:solidFill>
+                <a:latin typeface="Open Sans" panose="020B0606030504020204" pitchFamily="34" charset="0"/>
+                <a:ea typeface="Open Sans" panose="020B0606030504020204" pitchFamily="34" charset="0"/>
+                <a:cs typeface="Open Sans" panose="020B0606030504020204" pitchFamily="34" charset="0"/>
+              </a:rPr>
+              <a:t> </a:t>
+            </a:r>
+            <a:r>
+              <a:rPr lang="en-US" sz="2000" b="1" dirty="0">
+                <a:solidFill>
+                  <a:schemeClr val="accent4"/>
+                </a:solidFill>
+                <a:latin typeface="Open Sans" panose="020B0606030504020204" pitchFamily="34" charset="0"/>
+                <a:ea typeface="Open Sans" panose="020B0606030504020204" pitchFamily="34" charset="0"/>
+                <a:cs typeface="Open Sans" panose="020B0606030504020204" pitchFamily="34" charset="0"/>
+              </a:rPr>
+              <a:t>Unemployment Rate</a:t>
+            </a:r>
+          </a:p>
+        </c:rich>
+      </c:tx>
+      <c:layout>
+        <c:manualLayout>
+          <c:xMode val="edge"/>
+          <c:yMode val="edge"/>
+          <c:x val="0.353463227973702"/>
+          <c:y val="2.6287328619539366E-2"/>
+        </c:manualLayout>
+      </c:layout>
+      <c:overlay val="0"/>
+      <c:spPr>
+        <a:noFill/>
+        <a:ln>
+          <a:noFill/>
+        </a:ln>
+        <a:effectLst/>
+      </c:spPr>
+      <c:txPr>
+        <a:bodyPr rot="0" spcFirstLastPara="1" vertOverflow="ellipsis" vert="horz" wrap="square" anchor="ctr" anchorCtr="1"/>
+        <a:lstStyle/>
+        <a:p>
+          <a:pPr>
+            <a:defRPr sz="2000" b="0" i="0" u="none" strike="noStrike" kern="1200" spc="0" baseline="0">
+              <a:solidFill>
+                <a:schemeClr val="accent4"/>
+              </a:solidFill>
+              <a:latin typeface="Open Sans" panose="020B0606030504020204" pitchFamily="34" charset="0"/>
+              <a:ea typeface="Open Sans" panose="020B0606030504020204" pitchFamily="34" charset="0"/>
+              <a:cs typeface="Open Sans" panose="020B0606030504020204" pitchFamily="34" charset="0"/>
+            </a:defRPr>
+          </a:pPr>
+          <a:endParaRPr lang="en-US"/>
+        </a:p>
+      </c:txPr>
+    </c:title>
+    <c:autoTitleDeleted val="0"/>
+    <c:plotArea>
+      <c:layout>
+        <c:manualLayout>
+          <c:layoutTarget val="inner"/>
+          <c:xMode val="edge"/>
+          <c:yMode val="edge"/>
+          <c:x val="6.80154405861957E-2"/>
+          <c:y val="0.14142568930733021"/>
+          <c:w val="0.91631813376907068"/>
+          <c:h val="0.73271874349039701"/>
+        </c:manualLayout>
+      </c:layout>
+      <c:lineChart>
+        <c:grouping val="standard"/>
+        <c:varyColors val="0"/>
+        <c:ser>
+          <c:idx val="0"/>
+          <c:order val="0"/>
+          <c:tx>
+            <c:strRef>
+              <c:f>Sheet3!$B$1</c:f>
+              <c:strCache>
+                <c:ptCount val="1"/>
+                <c:pt idx="0">
+                  <c:v>Total</c:v>
+                </c:pt>
+              </c:strCache>
+            </c:strRef>
+          </c:tx>
+          <c:spPr>
+            <a:ln w="38100" cap="rnd">
+              <a:solidFill>
+                <a:srgbClr val="FCBF49"/>
+              </a:solidFill>
+              <a:round/>
+            </a:ln>
+            <a:effectLst/>
+          </c:spPr>
+          <c:marker>
+            <c:symbol val="none"/>
+          </c:marker>
+          <c:dLbls>
+            <c:dLbl>
+              <c:idx val="101"/>
+              <c:layout>
+                <c:manualLayout>
+                  <c:x val="-9.2720472206266918E-2"/>
+                  <c:y val="-4.4212390844540789E-2"/>
+                </c:manualLayout>
+              </c:layout>
+              <c:spPr>
+                <a:solidFill>
+                  <a:sysClr val="window" lastClr="FFFFFF">
+                    <a:alpha val="25000"/>
+                  </a:sysClr>
+                </a:solidFill>
+                <a:ln>
+                  <a:solidFill>
+                    <a:srgbClr val="BFBFBF">
+                      <a:alpha val="59000"/>
+                    </a:srgbClr>
+                  </a:solidFill>
+                </a:ln>
+                <a:effectLst/>
+              </c:spPr>
+              <c:txPr>
+                <a:bodyPr rot="0" spcFirstLastPara="1" vertOverflow="clip" horzOverflow="clip" vert="horz" wrap="square" lIns="38100" tIns="19050" rIns="38100" bIns="19050" anchor="ctr" anchorCtr="1">
+                  <a:noAutofit/>
+                </a:bodyPr>
+                <a:lstStyle/>
+                <a:p>
+                  <a:pPr>
+                    <a:defRPr sz="900" b="0" i="0" u="none" strike="noStrike" kern="1200" baseline="0">
+                      <a:solidFill>
+                        <a:schemeClr val="bg1"/>
+                      </a:solidFill>
+                      <a:latin typeface="Open Sans" panose="020B0606030504020204" pitchFamily="34" charset="0"/>
+                      <a:ea typeface="Open Sans" panose="020B0606030504020204" pitchFamily="34" charset="0"/>
+                      <a:cs typeface="Open Sans" panose="020B0606030504020204" pitchFamily="34" charset="0"/>
+                    </a:defRPr>
+                  </a:pPr>
+                  <a:endParaRPr lang="en-US"/>
+                </a:p>
+              </c:txPr>
+              <c:dLblPos val="r"/>
+              <c:showLegendKey val="0"/>
+              <c:showVal val="1"/>
+              <c:showCatName val="1"/>
+              <c:showSerName val="0"/>
+              <c:showPercent val="0"/>
+              <c:showBubbleSize val="0"/>
+              <c:extLst>
+                <c:ext xmlns:c15="http://schemas.microsoft.com/office/drawing/2012/chart" uri="{CE6537A1-D6FC-4f65-9D91-7224C49458BB}">
+                  <c15:spPr xmlns:c15="http://schemas.microsoft.com/office/drawing/2012/chart">
+                    <a:prstGeom prst="wedgeRectCallout">
+                      <a:avLst/>
+                    </a:prstGeom>
+                    <a:noFill/>
+                    <a:ln>
+                      <a:noFill/>
+                    </a:ln>
+                  </c15:spPr>
+                  <c15:layout>
+                    <c:manualLayout>
+                      <c:w val="7.9392340057275926E-2"/>
+                      <c:h val="5.8555424351377734E-2"/>
+                    </c:manualLayout>
+                  </c15:layout>
+                </c:ext>
+                <c:ext xmlns:c16="http://schemas.microsoft.com/office/drawing/2014/chart" uri="{C3380CC4-5D6E-409C-BE32-E72D297353CC}">
+                  <c16:uniqueId val="{00000000-A890-4831-822D-9C0CB65957CB}"/>
+                </c:ext>
+              </c:extLst>
+            </c:dLbl>
+            <c:dLbl>
+              <c:idx val="114"/>
+              <c:layout>
+                <c:manualLayout>
+                  <c:x val="-2.0691599744167222E-2"/>
+                  <c:y val="-4.3087508901105964E-2"/>
+                </c:manualLayout>
+              </c:layout>
+              <c:spPr>
+                <a:noFill/>
+                <a:ln>
+                  <a:solidFill>
+                    <a:srgbClr val="BFBFBF">
+                      <a:alpha val="59000"/>
+                    </a:srgbClr>
+                  </a:solidFill>
+                </a:ln>
+                <a:effectLst/>
+              </c:spPr>
+              <c:txPr>
+                <a:bodyPr rot="0" spcFirstLastPara="1" vertOverflow="ellipsis" vert="horz" wrap="square" lIns="38100" tIns="19050" rIns="38100" bIns="19050" anchor="ctr" anchorCtr="1">
+                  <a:noAutofit/>
+                </a:bodyPr>
+                <a:lstStyle/>
+                <a:p>
+                  <a:pPr>
+                    <a:defRPr sz="900" b="0" i="0" u="none" strike="noStrike" kern="1200" baseline="0">
+                      <a:solidFill>
+                        <a:schemeClr val="bg1"/>
+                      </a:solidFill>
+                      <a:latin typeface="Open Sans" panose="020B0606030504020204" pitchFamily="34" charset="0"/>
+                      <a:ea typeface="Open Sans" panose="020B0606030504020204" pitchFamily="34" charset="0"/>
+                      <a:cs typeface="Open Sans" panose="020B0606030504020204" pitchFamily="34" charset="0"/>
+                    </a:defRPr>
+                  </a:pPr>
+                  <a:endParaRPr lang="en-US"/>
+                </a:p>
+              </c:txPr>
+              <c:dLblPos val="r"/>
+              <c:showLegendKey val="0"/>
+              <c:showVal val="1"/>
+              <c:showCatName val="0"/>
+              <c:showSerName val="0"/>
+              <c:showPercent val="0"/>
+              <c:showBubbleSize val="0"/>
+              <c:extLst>
+                <c:ext xmlns:c15="http://schemas.microsoft.com/office/drawing/2012/chart" uri="{CE6537A1-D6FC-4f65-9D91-7224C49458BB}">
+                  <c15:layout>
+                    <c:manualLayout>
+                      <c:w val="3.8011944290182599E-2"/>
+                      <c:h val="4.4074977185859815E-2"/>
+                    </c:manualLayout>
+                  </c15:layout>
+                </c:ext>
+                <c:ext xmlns:c16="http://schemas.microsoft.com/office/drawing/2014/chart" uri="{C3380CC4-5D6E-409C-BE32-E72D297353CC}">
+                  <c16:uniqueId val="{00000001-A890-4831-822D-9C0CB65957CB}"/>
+                </c:ext>
+              </c:extLst>
+            </c:dLbl>
+            <c:dLbl>
+              <c:idx val="227"/>
+              <c:layout>
+                <c:manualLayout>
+                  <c:x val="-2.7116817827272675E-2"/>
+                  <c:y val="-7.6352359115836821E-2"/>
+                </c:manualLayout>
+              </c:layout>
+              <c:spPr>
+                <a:solidFill>
+                  <a:sysClr val="window" lastClr="FFFFFF">
+                    <a:alpha val="25000"/>
+                  </a:sysClr>
+                </a:solidFill>
+                <a:ln>
+                  <a:solidFill>
+                    <a:srgbClr val="BFBFBF">
+                      <a:alpha val="59000"/>
+                    </a:srgbClr>
+                  </a:solidFill>
+                </a:ln>
+                <a:effectLst/>
+              </c:spPr>
+              <c:txPr>
+                <a:bodyPr rot="0" spcFirstLastPara="1" vertOverflow="clip" horzOverflow="clip" vert="horz" wrap="square" lIns="38100" tIns="19050" rIns="38100" bIns="19050" anchor="ctr" anchorCtr="1">
+                  <a:noAutofit/>
+                </a:bodyPr>
+                <a:lstStyle/>
+                <a:p>
+                  <a:pPr>
+                    <a:defRPr sz="900" b="0" i="0" u="none" strike="noStrike" kern="1200" baseline="0">
+                      <a:solidFill>
+                        <a:schemeClr val="bg1"/>
+                      </a:solidFill>
+                      <a:latin typeface="Open Sans" panose="020B0606030504020204" pitchFamily="34" charset="0"/>
+                      <a:ea typeface="Open Sans" panose="020B0606030504020204" pitchFamily="34" charset="0"/>
+                      <a:cs typeface="Open Sans" panose="020B0606030504020204" pitchFamily="34" charset="0"/>
+                    </a:defRPr>
+                  </a:pPr>
+                  <a:endParaRPr lang="en-US"/>
+                </a:p>
+              </c:txPr>
+              <c:dLblPos val="r"/>
+              <c:showLegendKey val="0"/>
+              <c:showVal val="1"/>
+              <c:showCatName val="1"/>
+              <c:showSerName val="0"/>
+              <c:showPercent val="0"/>
+              <c:showBubbleSize val="0"/>
+              <c:extLst>
+                <c:ext xmlns:c15="http://schemas.microsoft.com/office/drawing/2012/chart" uri="{CE6537A1-D6FC-4f65-9D91-7224C49458BB}">
+                  <c15:spPr xmlns:c15="http://schemas.microsoft.com/office/drawing/2012/chart">
+                    <a:prstGeom prst="wedgeRectCallout">
+                      <a:avLst/>
+                    </a:prstGeom>
+                    <a:noFill/>
+                    <a:ln>
+                      <a:noFill/>
+                    </a:ln>
+                  </c15:spPr>
+                  <c15:layout>
+                    <c:manualLayout>
+                      <c:w val="8.2167603236146441E-2"/>
+                      <c:h val="6.5280373914256007E-2"/>
+                    </c:manualLayout>
+                  </c15:layout>
+                </c:ext>
+                <c:ext xmlns:c16="http://schemas.microsoft.com/office/drawing/2014/chart" uri="{C3380CC4-5D6E-409C-BE32-E72D297353CC}">
+                  <c16:uniqueId val="{00000002-A890-4831-822D-9C0CB65957CB}"/>
+                </c:ext>
+              </c:extLst>
+            </c:dLbl>
+            <c:dLbl>
+              <c:idx val="240"/>
+              <c:layout>
+                <c:manualLayout>
+                  <c:x val="-6.816770024555505E-3"/>
+                  <c:y val="-6.1130530031553915E-2"/>
+                </c:manualLayout>
+              </c:layout>
+              <c:dLblPos val="r"/>
+              <c:showLegendKey val="0"/>
+              <c:showVal val="1"/>
+              <c:showCatName val="0"/>
+              <c:showSerName val="0"/>
+              <c:showPercent val="0"/>
+              <c:showBubbleSize val="0"/>
+              <c:extLst>
+                <c:ext xmlns:c15="http://schemas.microsoft.com/office/drawing/2012/chart" uri="{CE6537A1-D6FC-4f65-9D91-7224C49458BB}"/>
+                <c:ext xmlns:c16="http://schemas.microsoft.com/office/drawing/2014/chart" uri="{C3380CC4-5D6E-409C-BE32-E72D297353CC}">
+                  <c16:uniqueId val="{00000003-A890-4831-822D-9C0CB65957CB}"/>
+                </c:ext>
+              </c:extLst>
+            </c:dLbl>
+            <c:spPr>
+              <a:noFill/>
+              <a:ln>
+                <a:solidFill>
+                  <a:srgbClr val="BFBFBF">
+                    <a:alpha val="59000"/>
+                  </a:srgbClr>
+                </a:solidFill>
+              </a:ln>
+              <a:effectLst/>
+            </c:spPr>
+            <c:txPr>
+              <a:bodyPr rot="0" spcFirstLastPara="1" vertOverflow="ellipsis" vert="horz" wrap="square" lIns="38100" tIns="19050" rIns="38100" bIns="19050" anchor="ctr" anchorCtr="1">
+                <a:spAutoFit/>
+              </a:bodyPr>
+              <a:lstStyle/>
+              <a:p>
+                <a:pPr>
+                  <a:defRPr sz="900" b="0" i="0" u="none" strike="noStrike" kern="1200" baseline="0">
+                    <a:solidFill>
+                      <a:schemeClr val="bg1"/>
+                    </a:solidFill>
+                    <a:latin typeface="Open Sans" panose="020B0606030504020204" pitchFamily="34" charset="0"/>
+                    <a:ea typeface="Open Sans" panose="020B0606030504020204" pitchFamily="34" charset="0"/>
+                    <a:cs typeface="Open Sans" panose="020B0606030504020204" pitchFamily="34" charset="0"/>
+                  </a:defRPr>
+                </a:pPr>
+                <a:endParaRPr lang="en-US"/>
+              </a:p>
+            </c:txPr>
+            <c:showLegendKey val="0"/>
+            <c:showVal val="0"/>
+            <c:showCatName val="0"/>
+            <c:showSerName val="0"/>
+            <c:showPercent val="0"/>
+            <c:showBubbleSize val="0"/>
+            <c:extLst>
+              <c:ext xmlns:c15="http://schemas.microsoft.com/office/drawing/2012/chart" uri="{CE6537A1-D6FC-4f65-9D91-7224C49458BB}">
+                <c15:showLeaderLines val="0"/>
+              </c:ext>
+            </c:extLst>
+          </c:dLbls>
+          <c:cat>
+            <c:numRef>
+              <c:f>Sheet3!$A$2:$A$242</c:f>
+              <c:numCache>
+                <c:formatCode>mmm\-yy</c:formatCode>
+                <c:ptCount val="241"/>
+                <c:pt idx="0">
+                  <c:v>37012</c:v>
+                </c:pt>
+                <c:pt idx="1">
+                  <c:v>37043</c:v>
+                </c:pt>
+                <c:pt idx="2">
+                  <c:v>37073</c:v>
+                </c:pt>
+                <c:pt idx="3">
+                  <c:v>37104</c:v>
+                </c:pt>
+                <c:pt idx="4">
+                  <c:v>37135</c:v>
+                </c:pt>
+                <c:pt idx="5">
+                  <c:v>37165</c:v>
+                </c:pt>
+                <c:pt idx="6">
+                  <c:v>37196</c:v>
+                </c:pt>
+                <c:pt idx="7">
+                  <c:v>37226</c:v>
+                </c:pt>
+                <c:pt idx="8">
+                  <c:v>37257</c:v>
+                </c:pt>
+                <c:pt idx="9">
+                  <c:v>37288</c:v>
+                </c:pt>
+                <c:pt idx="10">
+                  <c:v>37316</c:v>
+                </c:pt>
+                <c:pt idx="11">
+                  <c:v>37347</c:v>
+                </c:pt>
+                <c:pt idx="12">
+                  <c:v>37377</c:v>
+                </c:pt>
+                <c:pt idx="13">
+                  <c:v>37408</c:v>
+                </c:pt>
+                <c:pt idx="14">
+                  <c:v>37438</c:v>
+                </c:pt>
+                <c:pt idx="15">
+                  <c:v>37469</c:v>
+                </c:pt>
+                <c:pt idx="16">
+                  <c:v>37500</c:v>
+                </c:pt>
+                <c:pt idx="17">
+                  <c:v>37530</c:v>
+                </c:pt>
+                <c:pt idx="18">
+                  <c:v>37561</c:v>
+                </c:pt>
+                <c:pt idx="19">
+                  <c:v>37591</c:v>
+                </c:pt>
+                <c:pt idx="20">
+                  <c:v>37622</c:v>
+                </c:pt>
+                <c:pt idx="21">
+                  <c:v>37653</c:v>
+                </c:pt>
+                <c:pt idx="22">
+                  <c:v>37681</c:v>
+                </c:pt>
+                <c:pt idx="23">
+                  <c:v>37712</c:v>
+                </c:pt>
+                <c:pt idx="24">
+                  <c:v>37742</c:v>
+                </c:pt>
+                <c:pt idx="25">
+                  <c:v>37773</c:v>
+                </c:pt>
+                <c:pt idx="26">
+                  <c:v>37803</c:v>
+                </c:pt>
+                <c:pt idx="27">
+                  <c:v>37834</c:v>
+                </c:pt>
+                <c:pt idx="28">
+                  <c:v>37865</c:v>
+                </c:pt>
+                <c:pt idx="29">
+                  <c:v>37895</c:v>
+                </c:pt>
+                <c:pt idx="30">
+                  <c:v>37926</c:v>
+                </c:pt>
+                <c:pt idx="31">
+                  <c:v>37956</c:v>
+                </c:pt>
+                <c:pt idx="32">
+                  <c:v>37987</c:v>
+                </c:pt>
+                <c:pt idx="33">
+                  <c:v>38018</c:v>
+                </c:pt>
+                <c:pt idx="34">
+                  <c:v>38047</c:v>
+                </c:pt>
+                <c:pt idx="35">
+                  <c:v>38078</c:v>
+                </c:pt>
+                <c:pt idx="36">
+                  <c:v>38108</c:v>
+                </c:pt>
+                <c:pt idx="37">
+                  <c:v>38139</c:v>
+                </c:pt>
+                <c:pt idx="38">
+                  <c:v>38169</c:v>
+                </c:pt>
+                <c:pt idx="39">
+                  <c:v>38200</c:v>
+                </c:pt>
+                <c:pt idx="40">
+                  <c:v>38231</c:v>
+                </c:pt>
+                <c:pt idx="41">
+                  <c:v>38261</c:v>
+                </c:pt>
+                <c:pt idx="42">
+                  <c:v>38292</c:v>
+                </c:pt>
+                <c:pt idx="43">
+                  <c:v>38322</c:v>
+                </c:pt>
+                <c:pt idx="44">
+                  <c:v>38353</c:v>
+                </c:pt>
+                <c:pt idx="45">
+                  <c:v>38384</c:v>
+                </c:pt>
+                <c:pt idx="46">
+                  <c:v>38412</c:v>
+                </c:pt>
+                <c:pt idx="47">
+                  <c:v>38443</c:v>
+                </c:pt>
+                <c:pt idx="48">
+                  <c:v>38473</c:v>
+                </c:pt>
+                <c:pt idx="49">
+                  <c:v>38504</c:v>
+                </c:pt>
+                <c:pt idx="50">
+                  <c:v>38534</c:v>
+                </c:pt>
+                <c:pt idx="51">
+                  <c:v>38565</c:v>
+                </c:pt>
+                <c:pt idx="52">
+                  <c:v>38596</c:v>
+                </c:pt>
+                <c:pt idx="53">
+                  <c:v>38626</c:v>
+                </c:pt>
+                <c:pt idx="54">
+                  <c:v>38657</c:v>
+                </c:pt>
+                <c:pt idx="55">
+                  <c:v>38687</c:v>
+                </c:pt>
+                <c:pt idx="56">
+                  <c:v>38718</c:v>
+                </c:pt>
+                <c:pt idx="57">
+                  <c:v>38749</c:v>
+                </c:pt>
+                <c:pt idx="58">
+                  <c:v>38777</c:v>
+                </c:pt>
+                <c:pt idx="59">
+                  <c:v>38808</c:v>
+                </c:pt>
+                <c:pt idx="60">
+                  <c:v>38838</c:v>
+                </c:pt>
+                <c:pt idx="61">
+                  <c:v>38869</c:v>
+                </c:pt>
+                <c:pt idx="62">
+                  <c:v>38899</c:v>
+                </c:pt>
+                <c:pt idx="63">
+                  <c:v>38930</c:v>
+                </c:pt>
+                <c:pt idx="64">
+                  <c:v>38961</c:v>
+                </c:pt>
+                <c:pt idx="65">
+                  <c:v>38991</c:v>
+                </c:pt>
+                <c:pt idx="66">
+                  <c:v>39022</c:v>
+                </c:pt>
+                <c:pt idx="67">
+                  <c:v>39052</c:v>
+                </c:pt>
+                <c:pt idx="68">
+                  <c:v>39083</c:v>
+                </c:pt>
+                <c:pt idx="69">
+                  <c:v>39114</c:v>
+                </c:pt>
+                <c:pt idx="70">
+                  <c:v>39142</c:v>
+                </c:pt>
+                <c:pt idx="71">
+                  <c:v>39173</c:v>
+                </c:pt>
+                <c:pt idx="72">
+                  <c:v>39203</c:v>
+                </c:pt>
+                <c:pt idx="73">
+                  <c:v>39234</c:v>
+                </c:pt>
+                <c:pt idx="74">
+                  <c:v>39264</c:v>
+                </c:pt>
+                <c:pt idx="75">
+                  <c:v>39295</c:v>
+                </c:pt>
+                <c:pt idx="76">
+                  <c:v>39326</c:v>
+                </c:pt>
+                <c:pt idx="77">
+                  <c:v>39356</c:v>
+                </c:pt>
+                <c:pt idx="78">
+                  <c:v>39387</c:v>
+                </c:pt>
+                <c:pt idx="79">
+                  <c:v>39417</c:v>
+                </c:pt>
+                <c:pt idx="80">
+                  <c:v>39448</c:v>
+                </c:pt>
+                <c:pt idx="81">
+                  <c:v>39479</c:v>
+                </c:pt>
+                <c:pt idx="82">
+                  <c:v>39508</c:v>
+                </c:pt>
+                <c:pt idx="83">
+                  <c:v>39539</c:v>
+                </c:pt>
+                <c:pt idx="84">
+                  <c:v>39569</c:v>
+                </c:pt>
+                <c:pt idx="85">
+                  <c:v>39600</c:v>
+                </c:pt>
+                <c:pt idx="86">
+                  <c:v>39630</c:v>
+                </c:pt>
+                <c:pt idx="87">
+                  <c:v>39661</c:v>
+                </c:pt>
+                <c:pt idx="88">
+                  <c:v>39692</c:v>
+                </c:pt>
+                <c:pt idx="89">
+                  <c:v>39722</c:v>
+                </c:pt>
+                <c:pt idx="90">
+                  <c:v>39753</c:v>
+                </c:pt>
+                <c:pt idx="91">
+                  <c:v>39783</c:v>
+                </c:pt>
+                <c:pt idx="92">
+                  <c:v>39814</c:v>
+                </c:pt>
+                <c:pt idx="93">
+                  <c:v>39845</c:v>
+                </c:pt>
+                <c:pt idx="94">
+                  <c:v>39873</c:v>
+                </c:pt>
+                <c:pt idx="95">
+                  <c:v>39904</c:v>
+                </c:pt>
+                <c:pt idx="96">
+                  <c:v>39934</c:v>
+                </c:pt>
+                <c:pt idx="97">
+                  <c:v>39965</c:v>
+                </c:pt>
+                <c:pt idx="98">
+                  <c:v>39995</c:v>
+                </c:pt>
+                <c:pt idx="99">
+                  <c:v>40026</c:v>
+                </c:pt>
+                <c:pt idx="100">
+                  <c:v>40057</c:v>
+                </c:pt>
+                <c:pt idx="101">
+                  <c:v>40087</c:v>
+                </c:pt>
+                <c:pt idx="102">
+                  <c:v>40118</c:v>
+                </c:pt>
+                <c:pt idx="103">
+                  <c:v>40148</c:v>
+                </c:pt>
+                <c:pt idx="104">
+                  <c:v>40179</c:v>
+                </c:pt>
+                <c:pt idx="105">
+                  <c:v>40210</c:v>
+                </c:pt>
+                <c:pt idx="106">
+                  <c:v>40238</c:v>
+                </c:pt>
+                <c:pt idx="107">
+                  <c:v>40269</c:v>
+                </c:pt>
+                <c:pt idx="108">
+                  <c:v>40299</c:v>
+                </c:pt>
+                <c:pt idx="109">
+                  <c:v>40330</c:v>
+                </c:pt>
+                <c:pt idx="110">
+                  <c:v>40360</c:v>
+                </c:pt>
+                <c:pt idx="111">
+                  <c:v>40391</c:v>
+                </c:pt>
+                <c:pt idx="112">
+                  <c:v>40422</c:v>
+                </c:pt>
+                <c:pt idx="113">
+                  <c:v>40452</c:v>
+                </c:pt>
+                <c:pt idx="114">
+                  <c:v>40483</c:v>
+                </c:pt>
+                <c:pt idx="115">
+                  <c:v>40513</c:v>
+                </c:pt>
+                <c:pt idx="116">
+                  <c:v>40544</c:v>
+                </c:pt>
+                <c:pt idx="117">
+                  <c:v>40575</c:v>
+                </c:pt>
+                <c:pt idx="118">
+                  <c:v>40603</c:v>
+                </c:pt>
+                <c:pt idx="119">
+                  <c:v>40634</c:v>
+                </c:pt>
+                <c:pt idx="120">
+                  <c:v>40664</c:v>
+                </c:pt>
+                <c:pt idx="121">
+                  <c:v>40695</c:v>
+                </c:pt>
+                <c:pt idx="122">
+                  <c:v>40725</c:v>
+                </c:pt>
+                <c:pt idx="123">
+                  <c:v>40756</c:v>
+                </c:pt>
+                <c:pt idx="124">
+                  <c:v>40787</c:v>
+                </c:pt>
+                <c:pt idx="125">
+                  <c:v>40817</c:v>
+                </c:pt>
+                <c:pt idx="126">
+                  <c:v>40848</c:v>
+                </c:pt>
+                <c:pt idx="127">
+                  <c:v>40878</c:v>
+                </c:pt>
+                <c:pt idx="128">
+                  <c:v>40909</c:v>
+                </c:pt>
+                <c:pt idx="129">
+                  <c:v>40940</c:v>
+                </c:pt>
+                <c:pt idx="130">
+                  <c:v>40969</c:v>
+                </c:pt>
+                <c:pt idx="131">
+                  <c:v>41000</c:v>
+                </c:pt>
+                <c:pt idx="132">
+                  <c:v>41030</c:v>
+                </c:pt>
+                <c:pt idx="133">
+                  <c:v>41061</c:v>
+                </c:pt>
+                <c:pt idx="134">
+                  <c:v>41091</c:v>
+                </c:pt>
+                <c:pt idx="135">
+                  <c:v>41122</c:v>
+                </c:pt>
+                <c:pt idx="136">
+                  <c:v>41153</c:v>
+                </c:pt>
+                <c:pt idx="137">
+                  <c:v>41183</c:v>
+                </c:pt>
+                <c:pt idx="138">
+                  <c:v>41214</c:v>
+                </c:pt>
+                <c:pt idx="139">
+                  <c:v>41244</c:v>
+                </c:pt>
+                <c:pt idx="140">
+                  <c:v>41275</c:v>
+                </c:pt>
+                <c:pt idx="141">
+                  <c:v>41306</c:v>
+                </c:pt>
+                <c:pt idx="142">
+                  <c:v>41334</c:v>
+                </c:pt>
+                <c:pt idx="143">
+                  <c:v>41365</c:v>
+                </c:pt>
+                <c:pt idx="144">
+                  <c:v>41395</c:v>
+                </c:pt>
+                <c:pt idx="145">
+                  <c:v>41426</c:v>
+                </c:pt>
+                <c:pt idx="146">
+                  <c:v>41456</c:v>
+                </c:pt>
+                <c:pt idx="147">
+                  <c:v>41487</c:v>
+                </c:pt>
+                <c:pt idx="148">
+                  <c:v>41518</c:v>
+                </c:pt>
+                <c:pt idx="149">
+                  <c:v>41548</c:v>
+                </c:pt>
+                <c:pt idx="150">
+                  <c:v>41579</c:v>
+                </c:pt>
+                <c:pt idx="151">
+                  <c:v>41609</c:v>
+                </c:pt>
+                <c:pt idx="152">
+                  <c:v>41640</c:v>
+                </c:pt>
+                <c:pt idx="153">
+                  <c:v>41671</c:v>
+                </c:pt>
+                <c:pt idx="154">
+                  <c:v>41699</c:v>
+                </c:pt>
+                <c:pt idx="155">
+                  <c:v>41730</c:v>
+                </c:pt>
+                <c:pt idx="156">
+                  <c:v>41760</c:v>
+                </c:pt>
+                <c:pt idx="157">
+                  <c:v>41791</c:v>
+                </c:pt>
+                <c:pt idx="158">
+                  <c:v>41821</c:v>
+                </c:pt>
+                <c:pt idx="159">
+                  <c:v>41852</c:v>
+                </c:pt>
+                <c:pt idx="160">
+                  <c:v>41883</c:v>
+                </c:pt>
+                <c:pt idx="161">
+                  <c:v>41913</c:v>
+                </c:pt>
+                <c:pt idx="162">
+                  <c:v>41944</c:v>
+                </c:pt>
+                <c:pt idx="163">
+                  <c:v>41974</c:v>
+                </c:pt>
+                <c:pt idx="164">
+                  <c:v>42005</c:v>
+                </c:pt>
+                <c:pt idx="165">
+                  <c:v>42036</c:v>
+                </c:pt>
+                <c:pt idx="166">
+                  <c:v>42064</c:v>
+                </c:pt>
+                <c:pt idx="167">
+                  <c:v>42095</c:v>
+                </c:pt>
+                <c:pt idx="168">
+                  <c:v>42125</c:v>
+                </c:pt>
+                <c:pt idx="169">
+                  <c:v>42156</c:v>
+                </c:pt>
+                <c:pt idx="170">
+                  <c:v>42186</c:v>
+                </c:pt>
+                <c:pt idx="171">
+                  <c:v>42217</c:v>
+                </c:pt>
+                <c:pt idx="172">
+                  <c:v>42248</c:v>
+                </c:pt>
+                <c:pt idx="173">
+                  <c:v>42278</c:v>
+                </c:pt>
+                <c:pt idx="174">
+                  <c:v>42309</c:v>
+                </c:pt>
+                <c:pt idx="175">
+                  <c:v>42339</c:v>
+                </c:pt>
+                <c:pt idx="176">
+                  <c:v>42370</c:v>
+                </c:pt>
+                <c:pt idx="177">
+                  <c:v>42401</c:v>
+                </c:pt>
+                <c:pt idx="178">
+                  <c:v>42430</c:v>
+                </c:pt>
+                <c:pt idx="179">
+                  <c:v>42461</c:v>
+                </c:pt>
+                <c:pt idx="180">
+                  <c:v>42491</c:v>
+                </c:pt>
+                <c:pt idx="181">
+                  <c:v>42522</c:v>
+                </c:pt>
+                <c:pt idx="182">
+                  <c:v>42552</c:v>
+                </c:pt>
+                <c:pt idx="183">
+                  <c:v>42583</c:v>
+                </c:pt>
+                <c:pt idx="184">
+                  <c:v>42614</c:v>
+                </c:pt>
+                <c:pt idx="185">
+                  <c:v>42644</c:v>
+                </c:pt>
+                <c:pt idx="186">
+                  <c:v>42675</c:v>
+                </c:pt>
+                <c:pt idx="187">
+                  <c:v>42705</c:v>
+                </c:pt>
+                <c:pt idx="188">
+                  <c:v>42736</c:v>
+                </c:pt>
+                <c:pt idx="189">
+                  <c:v>42767</c:v>
+                </c:pt>
+                <c:pt idx="190">
+                  <c:v>42795</c:v>
+                </c:pt>
+                <c:pt idx="191">
+                  <c:v>42826</c:v>
+                </c:pt>
+                <c:pt idx="192">
+                  <c:v>42856</c:v>
+                </c:pt>
+                <c:pt idx="193">
+                  <c:v>42887</c:v>
+                </c:pt>
+                <c:pt idx="194">
+                  <c:v>42917</c:v>
+                </c:pt>
+                <c:pt idx="195">
+                  <c:v>42948</c:v>
+                </c:pt>
+                <c:pt idx="196">
+                  <c:v>42979</c:v>
+                </c:pt>
+                <c:pt idx="197">
+                  <c:v>43009</c:v>
+                </c:pt>
+                <c:pt idx="198">
+                  <c:v>43040</c:v>
+                </c:pt>
+                <c:pt idx="199">
+                  <c:v>43070</c:v>
+                </c:pt>
+                <c:pt idx="200">
+                  <c:v>43101</c:v>
+                </c:pt>
+                <c:pt idx="201">
+                  <c:v>43132</c:v>
+                </c:pt>
+                <c:pt idx="202">
+                  <c:v>43160</c:v>
+                </c:pt>
+                <c:pt idx="203">
+                  <c:v>43191</c:v>
+                </c:pt>
+                <c:pt idx="204">
+                  <c:v>43221</c:v>
+                </c:pt>
+                <c:pt idx="205">
+                  <c:v>43252</c:v>
+                </c:pt>
+                <c:pt idx="206">
+                  <c:v>43282</c:v>
+                </c:pt>
+                <c:pt idx="207">
+                  <c:v>43313</c:v>
+                </c:pt>
+                <c:pt idx="208">
+                  <c:v>43344</c:v>
+                </c:pt>
+                <c:pt idx="209">
+                  <c:v>43374</c:v>
+                </c:pt>
+                <c:pt idx="210">
+                  <c:v>43405</c:v>
+                </c:pt>
+                <c:pt idx="211">
+                  <c:v>43435</c:v>
+                </c:pt>
+                <c:pt idx="212">
+                  <c:v>43466</c:v>
+                </c:pt>
+                <c:pt idx="213">
+                  <c:v>43497</c:v>
+                </c:pt>
+                <c:pt idx="214">
+                  <c:v>43525</c:v>
+                </c:pt>
+                <c:pt idx="215">
+                  <c:v>43556</c:v>
+                </c:pt>
+                <c:pt idx="216">
+                  <c:v>43586</c:v>
+                </c:pt>
+                <c:pt idx="217">
+                  <c:v>43617</c:v>
+                </c:pt>
+                <c:pt idx="218">
+                  <c:v>43647</c:v>
+                </c:pt>
+                <c:pt idx="219">
+                  <c:v>43678</c:v>
+                </c:pt>
+                <c:pt idx="220">
+                  <c:v>43709</c:v>
+                </c:pt>
+                <c:pt idx="221">
+                  <c:v>43739</c:v>
+                </c:pt>
+                <c:pt idx="222">
+                  <c:v>43770</c:v>
+                </c:pt>
+                <c:pt idx="223">
+                  <c:v>43800</c:v>
+                </c:pt>
+                <c:pt idx="224">
+                  <c:v>43831</c:v>
+                </c:pt>
+                <c:pt idx="225">
+                  <c:v>43862</c:v>
+                </c:pt>
+                <c:pt idx="226">
+                  <c:v>43891</c:v>
+                </c:pt>
+                <c:pt idx="227">
+                  <c:v>43922</c:v>
+                </c:pt>
+                <c:pt idx="228">
+                  <c:v>43952</c:v>
+                </c:pt>
+                <c:pt idx="229">
+                  <c:v>43983</c:v>
+                </c:pt>
+                <c:pt idx="230">
+                  <c:v>44013</c:v>
+                </c:pt>
+                <c:pt idx="231">
+                  <c:v>44044</c:v>
+                </c:pt>
+                <c:pt idx="232">
+                  <c:v>44075</c:v>
+                </c:pt>
+                <c:pt idx="233">
+                  <c:v>44105</c:v>
+                </c:pt>
+                <c:pt idx="234">
+                  <c:v>44136</c:v>
+                </c:pt>
+                <c:pt idx="235">
+                  <c:v>44166</c:v>
+                </c:pt>
+                <c:pt idx="236">
+                  <c:v>44197</c:v>
+                </c:pt>
+                <c:pt idx="237">
+                  <c:v>44228</c:v>
+                </c:pt>
+                <c:pt idx="238">
+                  <c:v>44256</c:v>
+                </c:pt>
+                <c:pt idx="239">
+                  <c:v>44287</c:v>
+                </c:pt>
+                <c:pt idx="240">
+                  <c:v>44317</c:v>
+                </c:pt>
+              </c:numCache>
+            </c:numRef>
+          </c:cat>
+          <c:val>
+            <c:numRef>
+              <c:f>Sheet3!$B$2:$B$242</c:f>
+              <c:numCache>
+                <c:formatCode>0.0%</c:formatCode>
+                <c:ptCount val="241"/>
+                <c:pt idx="0">
+                  <c:v>4.2999999999999997E-2</c:v>
+                </c:pt>
+                <c:pt idx="1">
+                  <c:v>4.4999999999999998E-2</c:v>
+                </c:pt>
+                <c:pt idx="2">
+                  <c:v>4.5999999999999999E-2</c:v>
+                </c:pt>
+                <c:pt idx="3">
+                  <c:v>4.9000000000000002E-2</c:v>
+                </c:pt>
+                <c:pt idx="4">
+                  <c:v>0.05</c:v>
+                </c:pt>
+                <c:pt idx="5">
+                  <c:v>5.2999999999999999E-2</c:v>
+                </c:pt>
+                <c:pt idx="6">
+                  <c:v>5.5E-2</c:v>
+                </c:pt>
+                <c:pt idx="7">
+                  <c:v>5.7000000000000002E-2</c:v>
+                </c:pt>
+                <c:pt idx="8">
+                  <c:v>5.7000000000000002E-2</c:v>
+                </c:pt>
+                <c:pt idx="9">
+                  <c:v>5.7000000000000002E-2</c:v>
+                </c:pt>
+                <c:pt idx="10">
+                  <c:v>5.7000000000000002E-2</c:v>
+                </c:pt>
+                <c:pt idx="11">
+                  <c:v>5.9000000000000004E-2</c:v>
+                </c:pt>
+                <c:pt idx="12">
+                  <c:v>5.7999999999999996E-2</c:v>
+                </c:pt>
+                <c:pt idx="13">
+                  <c:v>5.7999999999999996E-2</c:v>
+                </c:pt>
+                <c:pt idx="14">
+                  <c:v>5.7999999999999996E-2</c:v>
+                </c:pt>
+                <c:pt idx="15">
+                  <c:v>5.7000000000000002E-2</c:v>
+                </c:pt>
+                <c:pt idx="16">
+                  <c:v>5.7000000000000002E-2</c:v>
+                </c:pt>
+                <c:pt idx="17">
+                  <c:v>5.7000000000000002E-2</c:v>
+                </c:pt>
+                <c:pt idx="18">
+                  <c:v>5.9000000000000004E-2</c:v>
+                </c:pt>
+                <c:pt idx="19">
+                  <c:v>0.06</c:v>
+                </c:pt>
+                <c:pt idx="20">
+                  <c:v>5.7999999999999996E-2</c:v>
+                </c:pt>
+                <c:pt idx="21">
+                  <c:v>5.9000000000000004E-2</c:v>
+                </c:pt>
+                <c:pt idx="22">
+                  <c:v>5.9000000000000004E-2</c:v>
+                </c:pt>
+                <c:pt idx="23">
+                  <c:v>0.06</c:v>
+                </c:pt>
+                <c:pt idx="24">
+                  <c:v>6.0999999999999999E-2</c:v>
+                </c:pt>
+                <c:pt idx="25">
+                  <c:v>6.3E-2</c:v>
+                </c:pt>
+                <c:pt idx="26">
+                  <c:v>6.2E-2</c:v>
+                </c:pt>
+                <c:pt idx="27">
+                  <c:v>6.0999999999999999E-2</c:v>
+                </c:pt>
+                <c:pt idx="28">
+                  <c:v>6.0999999999999999E-2</c:v>
+                </c:pt>
+                <c:pt idx="29">
+                  <c:v>0.06</c:v>
+                </c:pt>
+                <c:pt idx="30">
+                  <c:v>5.7999999999999996E-2</c:v>
+                </c:pt>
+                <c:pt idx="31">
+                  <c:v>5.7000000000000002E-2</c:v>
+                </c:pt>
+                <c:pt idx="32">
+                  <c:v>5.7000000000000002E-2</c:v>
+                </c:pt>
+                <c:pt idx="33">
+                  <c:v>5.5999999999999994E-2</c:v>
+                </c:pt>
+                <c:pt idx="34">
+                  <c:v>5.7999999999999996E-2</c:v>
+                </c:pt>
+                <c:pt idx="35">
+                  <c:v>5.5999999999999994E-2</c:v>
+                </c:pt>
+                <c:pt idx="36">
+                  <c:v>5.5999999999999994E-2</c:v>
+                </c:pt>
+                <c:pt idx="37">
+                  <c:v>5.5999999999999994E-2</c:v>
+                </c:pt>
+                <c:pt idx="38">
+                  <c:v>5.5E-2</c:v>
+                </c:pt>
+                <c:pt idx="39">
+                  <c:v>5.4000000000000006E-2</c:v>
+                </c:pt>
+                <c:pt idx="40">
+                  <c:v>5.4000000000000006E-2</c:v>
+                </c:pt>
+                <c:pt idx="41">
+                  <c:v>5.5E-2</c:v>
+                </c:pt>
+                <c:pt idx="42">
+                  <c:v>5.4000000000000006E-2</c:v>
+                </c:pt>
+                <c:pt idx="43">
+                  <c:v>5.4000000000000006E-2</c:v>
+                </c:pt>
+                <c:pt idx="44">
+                  <c:v>5.2999999999999999E-2</c:v>
+                </c:pt>
+                <c:pt idx="45">
+                  <c:v>5.4000000000000006E-2</c:v>
+                </c:pt>
+                <c:pt idx="46">
+                  <c:v>5.2000000000000005E-2</c:v>
+                </c:pt>
+                <c:pt idx="47">
+                  <c:v>5.2000000000000005E-2</c:v>
+                </c:pt>
+                <c:pt idx="48">
+                  <c:v>5.0999999999999997E-2</c:v>
+                </c:pt>
+                <c:pt idx="49">
+                  <c:v>0.05</c:v>
+                </c:pt>
+                <c:pt idx="50">
+                  <c:v>0.05</c:v>
+                </c:pt>
+                <c:pt idx="51">
+                  <c:v>4.9000000000000002E-2</c:v>
+                </c:pt>
+                <c:pt idx="52">
+                  <c:v>0.05</c:v>
+                </c:pt>
+                <c:pt idx="53">
+                  <c:v>0.05</c:v>
+                </c:pt>
+                <c:pt idx="54">
+                  <c:v>0.05</c:v>
+                </c:pt>
+                <c:pt idx="55">
+                  <c:v>4.9000000000000002E-2</c:v>
+                </c:pt>
+                <c:pt idx="56">
+                  <c:v>4.7E-2</c:v>
+                </c:pt>
+                <c:pt idx="57">
+                  <c:v>4.8000000000000001E-2</c:v>
+                </c:pt>
+                <c:pt idx="58">
+                  <c:v>4.7E-2</c:v>
+                </c:pt>
+                <c:pt idx="59">
+                  <c:v>4.7E-2</c:v>
+                </c:pt>
+                <c:pt idx="60">
+                  <c:v>4.5999999999999999E-2</c:v>
+                </c:pt>
+                <c:pt idx="61">
+                  <c:v>4.5999999999999999E-2</c:v>
+                </c:pt>
+                <c:pt idx="62">
+                  <c:v>4.7E-2</c:v>
+                </c:pt>
+                <c:pt idx="63">
+                  <c:v>4.7E-2</c:v>
+                </c:pt>
+                <c:pt idx="64">
+                  <c:v>4.4999999999999998E-2</c:v>
+                </c:pt>
+                <c:pt idx="65">
+                  <c:v>4.4000000000000004E-2</c:v>
+                </c:pt>
+                <c:pt idx="66">
+                  <c:v>4.4999999999999998E-2</c:v>
+                </c:pt>
+                <c:pt idx="67">
+                  <c:v>4.4000000000000004E-2</c:v>
+                </c:pt>
+                <c:pt idx="68">
+                  <c:v>4.5999999999999999E-2</c:v>
+                </c:pt>
+                <c:pt idx="69">
+                  <c:v>4.4999999999999998E-2</c:v>
+                </c:pt>
+                <c:pt idx="70">
+                  <c:v>4.4000000000000004E-2</c:v>
+                </c:pt>
+                <c:pt idx="71">
+                  <c:v>4.4999999999999998E-2</c:v>
+                </c:pt>
+                <c:pt idx="72">
+                  <c:v>4.4000000000000004E-2</c:v>
+                </c:pt>
+                <c:pt idx="73">
+                  <c:v>4.5999999999999999E-2</c:v>
+                </c:pt>
+                <c:pt idx="74">
+                  <c:v>4.7E-2</c:v>
+                </c:pt>
+                <c:pt idx="75">
+                  <c:v>4.5999999999999999E-2</c:v>
+                </c:pt>
+                <c:pt idx="76">
+                  <c:v>4.7E-2</c:v>
+                </c:pt>
+                <c:pt idx="77">
+                  <c:v>4.7E-2</c:v>
+                </c:pt>
+                <c:pt idx="78">
+                  <c:v>4.7E-2</c:v>
+                </c:pt>
+                <c:pt idx="79">
+                  <c:v>0.05</c:v>
+                </c:pt>
+                <c:pt idx="80">
+                  <c:v>0.05</c:v>
+                </c:pt>
+                <c:pt idx="81">
+                  <c:v>4.9000000000000002E-2</c:v>
+                </c:pt>
+                <c:pt idx="82">
+                  <c:v>5.0999999999999997E-2</c:v>
+                </c:pt>
+                <c:pt idx="83">
+                  <c:v>0.05</c:v>
+                </c:pt>
+                <c:pt idx="84">
+                  <c:v>5.4000000000000006E-2</c:v>
+                </c:pt>
+                <c:pt idx="85">
+                  <c:v>5.5999999999999994E-2</c:v>
+                </c:pt>
+                <c:pt idx="86">
+                  <c:v>5.7999999999999996E-2</c:v>
+                </c:pt>
+                <c:pt idx="87">
+                  <c:v>6.0999999999999999E-2</c:v>
+                </c:pt>
+                <c:pt idx="88">
+                  <c:v>6.0999999999999999E-2</c:v>
+                </c:pt>
+                <c:pt idx="89">
+                  <c:v>6.5000000000000002E-2</c:v>
+                </c:pt>
+                <c:pt idx="90">
+                  <c:v>6.8000000000000005E-2</c:v>
+                </c:pt>
+                <c:pt idx="91">
+                  <c:v>7.2999999999999995E-2</c:v>
+                </c:pt>
+                <c:pt idx="92">
+                  <c:v>7.8E-2</c:v>
+                </c:pt>
+                <c:pt idx="93">
+                  <c:v>8.3000000000000004E-2</c:v>
+                </c:pt>
+                <c:pt idx="94">
+                  <c:v>8.6999999999999994E-2</c:v>
+                </c:pt>
+                <c:pt idx="95">
+                  <c:v>0.09</c:v>
+                </c:pt>
+                <c:pt idx="96">
+                  <c:v>9.4E-2</c:v>
+                </c:pt>
+                <c:pt idx="97">
+                  <c:v>9.5000000000000001E-2</c:v>
+                </c:pt>
+                <c:pt idx="98">
+                  <c:v>9.5000000000000001E-2</c:v>
+                </c:pt>
+                <c:pt idx="99">
+                  <c:v>9.6000000000000002E-2</c:v>
+                </c:pt>
+                <c:pt idx="100">
+                  <c:v>9.8000000000000004E-2</c:v>
+                </c:pt>
+                <c:pt idx="101">
+                  <c:v>0.1</c:v>
+                </c:pt>
+                <c:pt idx="102">
+                  <c:v>9.9000000000000005E-2</c:v>
+                </c:pt>
+                <c:pt idx="103">
+                  <c:v>9.9000000000000005E-2</c:v>
+                </c:pt>
+                <c:pt idx="104">
+                  <c:v>9.8000000000000004E-2</c:v>
+                </c:pt>
+                <c:pt idx="105">
+                  <c:v>9.8000000000000004E-2</c:v>
+                </c:pt>
+                <c:pt idx="106">
+                  <c:v>9.9000000000000005E-2</c:v>
+                </c:pt>
+                <c:pt idx="107">
+                  <c:v>9.9000000000000005E-2</c:v>
+                </c:pt>
+                <c:pt idx="108">
+                  <c:v>9.6000000000000002E-2</c:v>
+                </c:pt>
+                <c:pt idx="109">
+                  <c:v>9.4E-2</c:v>
+                </c:pt>
+                <c:pt idx="110">
+                  <c:v>9.4E-2</c:v>
+                </c:pt>
+                <c:pt idx="111">
+                  <c:v>9.5000000000000001E-2</c:v>
+                </c:pt>
+                <c:pt idx="112">
+                  <c:v>9.5000000000000001E-2</c:v>
+                </c:pt>
+                <c:pt idx="113">
+                  <c:v>9.4E-2</c:v>
+                </c:pt>
+                <c:pt idx="114">
+                  <c:v>9.8000000000000004E-2</c:v>
+                </c:pt>
+                <c:pt idx="115">
+                  <c:v>9.3000000000000013E-2</c:v>
+                </c:pt>
+                <c:pt idx="116">
+                  <c:v>9.0999999999999998E-2</c:v>
+                </c:pt>
+                <c:pt idx="117">
+                  <c:v>0.09</c:v>
+                </c:pt>
+                <c:pt idx="118">
+                  <c:v>0.09</c:v>
+                </c:pt>
+                <c:pt idx="119">
+                  <c:v>9.0999999999999998E-2</c:v>
+                </c:pt>
+                <c:pt idx="120">
+                  <c:v>0.09</c:v>
+                </c:pt>
+                <c:pt idx="121">
+                  <c:v>9.0999999999999998E-2</c:v>
+                </c:pt>
+                <c:pt idx="122">
+                  <c:v>0.09</c:v>
+                </c:pt>
+                <c:pt idx="123">
+                  <c:v>0.09</c:v>
+                </c:pt>
+                <c:pt idx="124">
+                  <c:v>0.09</c:v>
+                </c:pt>
+                <c:pt idx="125">
+                  <c:v>8.8000000000000009E-2</c:v>
+                </c:pt>
+                <c:pt idx="126">
+                  <c:v>8.5999999999999993E-2</c:v>
+                </c:pt>
+                <c:pt idx="127">
+                  <c:v>8.5000000000000006E-2</c:v>
+                </c:pt>
+                <c:pt idx="128">
+                  <c:v>8.3000000000000004E-2</c:v>
+                </c:pt>
+                <c:pt idx="129">
+                  <c:v>8.3000000000000004E-2</c:v>
+                </c:pt>
+                <c:pt idx="130">
+                  <c:v>8.199999999999999E-2</c:v>
+                </c:pt>
+                <c:pt idx="131">
+                  <c:v>8.199999999999999E-2</c:v>
+                </c:pt>
+                <c:pt idx="132">
+                  <c:v>8.199999999999999E-2</c:v>
+                </c:pt>
+                <c:pt idx="133">
+                  <c:v>8.199999999999999E-2</c:v>
+                </c:pt>
+                <c:pt idx="134">
+                  <c:v>8.199999999999999E-2</c:v>
+                </c:pt>
+                <c:pt idx="135">
+                  <c:v>8.1000000000000003E-2</c:v>
+                </c:pt>
+                <c:pt idx="136">
+                  <c:v>7.8E-2</c:v>
+                </c:pt>
+                <c:pt idx="137">
+                  <c:v>7.8E-2</c:v>
+                </c:pt>
+                <c:pt idx="138">
+                  <c:v>7.6999999999999999E-2</c:v>
+                </c:pt>
+                <c:pt idx="139">
+                  <c:v>7.9000000000000001E-2</c:v>
+                </c:pt>
+                <c:pt idx="140">
+                  <c:v>0.08</c:v>
+                </c:pt>
+                <c:pt idx="141">
+                  <c:v>7.6999999999999999E-2</c:v>
+                </c:pt>
+                <c:pt idx="142">
+                  <c:v>7.4999999999999997E-2</c:v>
+                </c:pt>
+                <c:pt idx="143">
+                  <c:v>7.5999999999999998E-2</c:v>
+                </c:pt>
+                <c:pt idx="144">
+                  <c:v>7.4999999999999997E-2</c:v>
+                </c:pt>
+                <c:pt idx="145">
+                  <c:v>7.4999999999999997E-2</c:v>
+                </c:pt>
+                <c:pt idx="146">
+                  <c:v>7.2999999999999995E-2</c:v>
+                </c:pt>
+                <c:pt idx="147">
+                  <c:v>7.2000000000000008E-2</c:v>
+                </c:pt>
+                <c:pt idx="148">
+                  <c:v>7.2000000000000008E-2</c:v>
+                </c:pt>
+                <c:pt idx="149">
+                  <c:v>7.2000000000000008E-2</c:v>
+                </c:pt>
+                <c:pt idx="150">
+                  <c:v>6.9000000000000006E-2</c:v>
+                </c:pt>
+                <c:pt idx="151">
+                  <c:v>6.7000000000000004E-2</c:v>
+                </c:pt>
+                <c:pt idx="152">
+                  <c:v>6.6000000000000003E-2</c:v>
+                </c:pt>
+                <c:pt idx="153">
+                  <c:v>6.7000000000000004E-2</c:v>
+                </c:pt>
+                <c:pt idx="154">
+                  <c:v>6.7000000000000004E-2</c:v>
+                </c:pt>
+                <c:pt idx="155">
+                  <c:v>6.2E-2</c:v>
+                </c:pt>
+                <c:pt idx="156">
+                  <c:v>6.3E-2</c:v>
+                </c:pt>
+                <c:pt idx="157">
+                  <c:v>6.0999999999999999E-2</c:v>
+                </c:pt>
+                <c:pt idx="158">
+                  <c:v>6.2E-2</c:v>
+                </c:pt>
+                <c:pt idx="159">
+                  <c:v>6.0999999999999999E-2</c:v>
+                </c:pt>
+                <c:pt idx="160">
+                  <c:v>5.9000000000000004E-2</c:v>
+                </c:pt>
+                <c:pt idx="161">
+                  <c:v>5.7000000000000002E-2</c:v>
+                </c:pt>
+                <c:pt idx="162">
+                  <c:v>5.7999999999999996E-2</c:v>
+                </c:pt>
+                <c:pt idx="163">
+                  <c:v>5.5999999999999994E-2</c:v>
+                </c:pt>
+                <c:pt idx="164">
+                  <c:v>5.7000000000000002E-2</c:v>
+                </c:pt>
+                <c:pt idx="165">
+                  <c:v>5.5E-2</c:v>
+                </c:pt>
+                <c:pt idx="166">
+                  <c:v>5.4000000000000006E-2</c:v>
+                </c:pt>
+                <c:pt idx="167">
+                  <c:v>5.4000000000000006E-2</c:v>
+                </c:pt>
+                <c:pt idx="168">
+                  <c:v>5.5999999999999994E-2</c:v>
+                </c:pt>
+                <c:pt idx="169">
+                  <c:v>5.2999999999999999E-2</c:v>
+                </c:pt>
+                <c:pt idx="170">
+                  <c:v>5.2000000000000005E-2</c:v>
+                </c:pt>
+                <c:pt idx="171">
+                  <c:v>5.0999999999999997E-2</c:v>
+                </c:pt>
+                <c:pt idx="172">
+                  <c:v>0.05</c:v>
+                </c:pt>
+                <c:pt idx="173">
+                  <c:v>0.05</c:v>
+                </c:pt>
+                <c:pt idx="174">
+                  <c:v>5.0999999999999997E-2</c:v>
+                </c:pt>
+                <c:pt idx="175">
+                  <c:v>0.05</c:v>
+                </c:pt>
+                <c:pt idx="176">
+                  <c:v>4.8000000000000001E-2</c:v>
+                </c:pt>
+                <c:pt idx="177">
+                  <c:v>4.9000000000000002E-2</c:v>
+                </c:pt>
+                <c:pt idx="178">
+                  <c:v>0.05</c:v>
+                </c:pt>
+                <c:pt idx="179">
+                  <c:v>5.0999999999999997E-2</c:v>
+                </c:pt>
+                <c:pt idx="180">
+                  <c:v>4.8000000000000001E-2</c:v>
+                </c:pt>
+                <c:pt idx="181">
+                  <c:v>4.9000000000000002E-2</c:v>
+                </c:pt>
+                <c:pt idx="182">
+                  <c:v>4.8000000000000001E-2</c:v>
+                </c:pt>
+                <c:pt idx="183">
+                  <c:v>4.9000000000000002E-2</c:v>
+                </c:pt>
+                <c:pt idx="184">
+                  <c:v>0.05</c:v>
+                </c:pt>
+                <c:pt idx="185">
+                  <c:v>4.9000000000000002E-2</c:v>
+                </c:pt>
+                <c:pt idx="186">
+                  <c:v>4.7E-2</c:v>
+                </c:pt>
+                <c:pt idx="187">
+                  <c:v>4.7E-2</c:v>
+                </c:pt>
+                <c:pt idx="188">
+                  <c:v>4.7E-2</c:v>
+                </c:pt>
+                <c:pt idx="189">
+                  <c:v>4.5999999999999999E-2</c:v>
+                </c:pt>
+                <c:pt idx="190">
+                  <c:v>4.4000000000000004E-2</c:v>
+                </c:pt>
+                <c:pt idx="191">
+                  <c:v>4.4999999999999998E-2</c:v>
+                </c:pt>
+                <c:pt idx="192">
+                  <c:v>4.4000000000000004E-2</c:v>
+                </c:pt>
+                <c:pt idx="193">
+                  <c:v>4.2999999999999997E-2</c:v>
+                </c:pt>
+                <c:pt idx="194">
+                  <c:v>4.2999999999999997E-2</c:v>
+                </c:pt>
+                <c:pt idx="195">
+                  <c:v>4.4000000000000004E-2</c:v>
+                </c:pt>
+                <c:pt idx="196">
+                  <c:v>4.2000000000000003E-2</c:v>
+                </c:pt>
+                <c:pt idx="197">
+                  <c:v>4.0999999999999995E-2</c:v>
+                </c:pt>
+                <c:pt idx="198">
+                  <c:v>4.2000000000000003E-2</c:v>
+                </c:pt>
+                <c:pt idx="199">
+                  <c:v>4.0999999999999995E-2</c:v>
+                </c:pt>
+                <c:pt idx="200">
+                  <c:v>0.04</c:v>
+                </c:pt>
+                <c:pt idx="201">
+                  <c:v>4.0999999999999995E-2</c:v>
+                </c:pt>
+                <c:pt idx="202">
+                  <c:v>0.04</c:v>
+                </c:pt>
+                <c:pt idx="203">
+                  <c:v>0.04</c:v>
+                </c:pt>
+                <c:pt idx="204">
+                  <c:v>3.7999999999999999E-2</c:v>
+                </c:pt>
+                <c:pt idx="205">
+                  <c:v>0.04</c:v>
+                </c:pt>
+                <c:pt idx="206">
+                  <c:v>3.7999999999999999E-2</c:v>
+                </c:pt>
+                <c:pt idx="207">
+                  <c:v>3.7999999999999999E-2</c:v>
+                </c:pt>
+                <c:pt idx="208">
+                  <c:v>3.7000000000000005E-2</c:v>
+                </c:pt>
+                <c:pt idx="209">
+                  <c:v>3.7999999999999999E-2</c:v>
+                </c:pt>
+                <c:pt idx="210">
+                  <c:v>3.7999999999999999E-2</c:v>
+                </c:pt>
+                <c:pt idx="211">
+                  <c:v>3.9E-2</c:v>
+                </c:pt>
+                <c:pt idx="212">
+                  <c:v>0.04</c:v>
+                </c:pt>
+                <c:pt idx="213">
+                  <c:v>3.7999999999999999E-2</c:v>
+                </c:pt>
+                <c:pt idx="214">
+                  <c:v>3.7999999999999999E-2</c:v>
+                </c:pt>
+                <c:pt idx="215">
+                  <c:v>3.7000000000000005E-2</c:v>
+                </c:pt>
+                <c:pt idx="216">
+                  <c:v>3.7000000000000005E-2</c:v>
+                </c:pt>
+                <c:pt idx="217">
+                  <c:v>3.6000000000000004E-2</c:v>
+                </c:pt>
+                <c:pt idx="218">
+                  <c:v>3.6000000000000004E-2</c:v>
+                </c:pt>
+                <c:pt idx="219">
+                  <c:v>3.7000000000000005E-2</c:v>
+                </c:pt>
+                <c:pt idx="220">
+                  <c:v>3.5000000000000003E-2</c:v>
+                </c:pt>
+                <c:pt idx="221">
+                  <c:v>3.6000000000000004E-2</c:v>
+                </c:pt>
+                <c:pt idx="222">
+                  <c:v>3.6000000000000004E-2</c:v>
+                </c:pt>
+                <c:pt idx="223">
+                  <c:v>3.6000000000000004E-2</c:v>
+                </c:pt>
+                <c:pt idx="224">
+                  <c:v>3.5000000000000003E-2</c:v>
+                </c:pt>
+                <c:pt idx="225">
+                  <c:v>3.5000000000000003E-2</c:v>
+                </c:pt>
+                <c:pt idx="226">
+                  <c:v>4.4000000000000004E-2</c:v>
+                </c:pt>
+                <c:pt idx="227">
+                  <c:v>0.14800000000000002</c:v>
+                </c:pt>
+                <c:pt idx="228">
+                  <c:v>0.13300000000000001</c:v>
+                </c:pt>
+                <c:pt idx="229">
+                  <c:v>0.111</c:v>
+                </c:pt>
+                <c:pt idx="230">
+                  <c:v>0.10199999999999999</c:v>
+                </c:pt>
+                <c:pt idx="231">
+                  <c:v>8.4000000000000005E-2</c:v>
+                </c:pt>
+                <c:pt idx="232">
+                  <c:v>7.8E-2</c:v>
+                </c:pt>
+                <c:pt idx="233">
+                  <c:v>6.9000000000000006E-2</c:v>
+                </c:pt>
+                <c:pt idx="234">
+                  <c:v>6.7000000000000004E-2</c:v>
+                </c:pt>
+                <c:pt idx="235">
+                  <c:v>6.7000000000000004E-2</c:v>
+                </c:pt>
+                <c:pt idx="236">
+                  <c:v>6.3E-2</c:v>
+                </c:pt>
+                <c:pt idx="237">
+                  <c:v>6.2E-2</c:v>
+                </c:pt>
+                <c:pt idx="238">
+                  <c:v>0.06</c:v>
+                </c:pt>
+                <c:pt idx="239">
+                  <c:v>6.0999999999999999E-2</c:v>
+                </c:pt>
+                <c:pt idx="240">
+                  <c:v>5.7999999999999996E-2</c:v>
+                </c:pt>
+              </c:numCache>
+            </c:numRef>
+          </c:val>
+          <c:smooth val="0"/>
+          <c:extLst>
+            <c:ext xmlns:c16="http://schemas.microsoft.com/office/drawing/2014/chart" uri="{C3380CC4-5D6E-409C-BE32-E72D297353CC}">
+              <c16:uniqueId val="{00000004-A890-4831-822D-9C0CB65957CB}"/>
+            </c:ext>
+          </c:extLst>
+        </c:ser>
+        <c:dLbls>
+          <c:showLegendKey val="0"/>
+          <c:showVal val="0"/>
+          <c:showCatName val="0"/>
+          <c:showSerName val="0"/>
+          <c:showPercent val="0"/>
+          <c:showBubbleSize val="0"/>
+        </c:dLbls>
+        <c:smooth val="0"/>
+        <c:axId val="490697199"/>
+        <c:axId val="490692623"/>
+      </c:lineChart>
+      <c:dateAx>
+        <c:axId val="490697199"/>
+        <c:scaling>
+          <c:orientation val="minMax"/>
+        </c:scaling>
+        <c:delete val="0"/>
+        <c:axPos val="b"/>
+        <c:numFmt formatCode="mmm\-yy" sourceLinked="1"/>
+        <c:majorTickMark val="out"/>
+        <c:minorTickMark val="none"/>
+        <c:tickLblPos val="nextTo"/>
+        <c:spPr>
+          <a:noFill/>
+          <a:ln w="9525" cap="flat" cmpd="sng" algn="ctr">
+            <a:solidFill>
+              <a:schemeClr val="tx1">
+                <a:lumMod val="15000"/>
+                <a:lumOff val="85000"/>
+              </a:schemeClr>
+            </a:solidFill>
+            <a:round/>
+          </a:ln>
+          <a:effectLst/>
+        </c:spPr>
+        <c:txPr>
+          <a:bodyPr rot="-60000000" spcFirstLastPara="1" vertOverflow="ellipsis" vert="horz" wrap="square" anchor="ctr" anchorCtr="1"/>
+          <a:lstStyle/>
+          <a:p>
+            <a:pPr>
+              <a:defRPr sz="900" b="0" i="0" u="none" strike="noStrike" kern="1200" baseline="0">
+                <a:solidFill>
+                  <a:schemeClr val="bg1"/>
+                </a:solidFill>
+                <a:latin typeface="Open Sans" panose="020B0606030504020204" pitchFamily="34" charset="0"/>
+                <a:ea typeface="Open Sans" panose="020B0606030504020204" pitchFamily="34" charset="0"/>
+                <a:cs typeface="Open Sans" panose="020B0606030504020204" pitchFamily="34" charset="0"/>
+              </a:defRPr>
+            </a:pPr>
+            <a:endParaRPr lang="en-US"/>
+          </a:p>
+        </c:txPr>
+        <c:crossAx val="490692623"/>
+        <c:crosses val="autoZero"/>
+        <c:auto val="1"/>
+        <c:lblOffset val="100"/>
+        <c:baseTimeUnit val="months"/>
+      </c:dateAx>
+      <c:valAx>
+        <c:axId val="490692623"/>
+        <c:scaling>
+          <c:orientation val="minMax"/>
+        </c:scaling>
+        <c:delete val="0"/>
+        <c:axPos val="l"/>
+        <c:majorGridlines>
+          <c:spPr>
+            <a:ln w="9525" cap="flat" cmpd="sng" algn="ctr">
+              <a:solidFill>
+                <a:schemeClr val="tx1">
+                  <a:lumMod val="15000"/>
+                  <a:lumOff val="85000"/>
+                </a:schemeClr>
+              </a:solidFill>
+              <a:round/>
+            </a:ln>
+            <a:effectLst/>
+          </c:spPr>
+        </c:majorGridlines>
+        <c:numFmt formatCode="0.0%" sourceLinked="1"/>
+        <c:majorTickMark val="none"/>
+        <c:minorTickMark val="none"/>
+        <c:tickLblPos val="nextTo"/>
+        <c:spPr>
+          <a:noFill/>
+          <a:ln>
+            <a:noFill/>
+          </a:ln>
+          <a:effectLst/>
+        </c:spPr>
+        <c:txPr>
+          <a:bodyPr rot="-60000000" spcFirstLastPara="1" vertOverflow="ellipsis" vert="horz" wrap="square" anchor="ctr" anchorCtr="1"/>
+          <a:lstStyle/>
+          <a:p>
+            <a:pPr>
+              <a:defRPr sz="1000" b="0" i="0" u="none" strike="noStrike" kern="1200" baseline="0">
+                <a:solidFill>
+                  <a:schemeClr val="bg1"/>
+                </a:solidFill>
+                <a:latin typeface="Open Sans" panose="020B0606030504020204" pitchFamily="34" charset="0"/>
+                <a:ea typeface="Open Sans" panose="020B0606030504020204" pitchFamily="34" charset="0"/>
+                <a:cs typeface="Open Sans" panose="020B0606030504020204" pitchFamily="34" charset="0"/>
+              </a:defRPr>
+            </a:pPr>
+            <a:endParaRPr lang="en-US"/>
+          </a:p>
+        </c:txPr>
+        <c:crossAx val="490697199"/>
+        <c:crosses val="autoZero"/>
+        <c:crossBetween val="between"/>
+      </c:valAx>
+      <c:spPr>
+        <a:noFill/>
+        <a:ln>
+          <a:noFill/>
+        </a:ln>
+        <a:effectLst/>
+      </c:spPr>
+    </c:plotArea>
+    <c:plotVisOnly val="1"/>
+    <c:dispBlanksAs val="gap"/>
+    <c:extLst>
+      <c:ext xmlns:c16r3="http://schemas.microsoft.com/office/drawing/2017/03/chart" uri="{56B9EC1D-385E-4148-901F-78D8002777C0}">
+        <c16r3:dataDisplayOptions16>
+          <c16r3:dispNaAsBlank val="1"/>
+        </c16r3:dataDisplayOptions16>
+      </c:ext>
+    </c:extLst>
+    <c:showDLblsOverMax val="0"/>
+  </c:chart>
+  <c:spPr>
+    <a:noFill/>
+    <a:ln>
+      <a:noFill/>
+    </a:ln>
+    <a:effectLst/>
+  </c:spPr>
+  <c:txPr>
+    <a:bodyPr/>
+    <a:lstStyle/>
+    <a:p>
+      <a:pPr>
+        <a:defRPr/>
+      </a:pPr>
+      <a:endParaRPr lang="en-US"/>
+    </a:p>
+  </c:txPr>
+  <c:externalData r:id="rId4">
+    <c:autoUpdate val="0"/>
+  </c:externalData>
+</c:chartSpace>
+</file>
+
+<file path=ppt/charts/chart2.xml><?xml version="1.0" encoding="utf-8"?>
+<c:chartSpace xmlns:c="http://schemas.openxmlformats.org/drawingml/2006/chart" xmlns:a="http://schemas.openxmlformats.org/drawingml/2006/main" xmlns:r="http://schemas.openxmlformats.org/officeDocument/2006/relationships" xmlns:c16r2="http://schemas.microsoft.com/office/drawing/2015/06/chart">
+  <c:date1904 val="0"/>
+  <c:lang val="en-US"/>
+  <c:roundedCorners val="0"/>
+  <mc:AlternateContent xmlns:mc="http://schemas.openxmlformats.org/markup-compatibility/2006">
+    <mc:Choice xmlns:c14="http://schemas.microsoft.com/office/drawing/2007/8/2/chart" Requires="c14">
+      <c14:style val="102"/>
+    </mc:Choice>
+    <mc:Fallback>
+      <c:style val="2"/>
+    </mc:Fallback>
+  </mc:AlternateContent>
+  <c:clrMapOvr bg1="lt1" tx1="dk1" bg2="lt2" tx2="dk2" accent1="accent1" accent2="accent2" accent3="accent3" accent4="accent4" accent5="accent5" accent6="accent6" hlink="hlink" folHlink="folHlink"/>
+  <c:chart>
+    <c:title>
+      <c:tx>
+        <c:rich>
+          <a:bodyPr rot="0" spcFirstLastPara="1" vertOverflow="ellipsis" vert="horz" wrap="square" anchor="ctr" anchorCtr="1"/>
+          <a:lstStyle/>
+          <a:p>
+            <a:pPr>
+              <a:defRPr sz="1400" b="1" i="0" u="none" strike="noStrike" kern="1200" spc="0" baseline="0">
+                <a:solidFill>
+                  <a:schemeClr val="accent4"/>
+                </a:solidFill>
+                <a:latin typeface="Open Sans" panose="020B0606030504020204" pitchFamily="34" charset="0"/>
+                <a:ea typeface="Open Sans" panose="020B0606030504020204" pitchFamily="34" charset="0"/>
+                <a:cs typeface="Open Sans" panose="020B0606030504020204" pitchFamily="34" charset="0"/>
+              </a:defRPr>
+            </a:pPr>
+            <a:r>
+              <a:rPr lang="en-US" sz="2000" b="1" dirty="0">
+                <a:solidFill>
+                  <a:schemeClr val="accent4"/>
+                </a:solidFill>
+                <a:latin typeface="Open Sans" panose="020B0606030504020204" pitchFamily="34" charset="0"/>
+                <a:ea typeface="Open Sans" panose="020B0606030504020204" pitchFamily="34" charset="0"/>
+                <a:cs typeface="Open Sans" panose="020B0606030504020204" pitchFamily="34" charset="0"/>
+              </a:rPr>
+              <a:t>Foodservice</a:t>
+            </a:r>
+            <a:r>
+              <a:rPr lang="en-US" b="1" baseline="0" dirty="0">
+                <a:solidFill>
+                  <a:schemeClr val="accent4"/>
+                </a:solidFill>
+                <a:latin typeface="Open Sans" panose="020B0606030504020204" pitchFamily="34" charset="0"/>
+                <a:ea typeface="Open Sans" panose="020B0606030504020204" pitchFamily="34" charset="0"/>
+                <a:cs typeface="Open Sans" panose="020B0606030504020204" pitchFamily="34" charset="0"/>
+              </a:rPr>
+              <a:t> </a:t>
+            </a:r>
+            <a:r>
+              <a:rPr lang="en-US" sz="2000" b="1" baseline="0" dirty="0">
+                <a:solidFill>
+                  <a:schemeClr val="accent4"/>
+                </a:solidFill>
+                <a:latin typeface="Open Sans" panose="020B0606030504020204" pitchFamily="34" charset="0"/>
+                <a:ea typeface="Open Sans" panose="020B0606030504020204" pitchFamily="34" charset="0"/>
+                <a:cs typeface="Open Sans" panose="020B0606030504020204" pitchFamily="34" charset="0"/>
+              </a:rPr>
+              <a:t>Unemployment Rate</a:t>
+            </a:r>
+            <a:endParaRPr lang="en-US" b="1" baseline="0" dirty="0">
+              <a:solidFill>
+                <a:schemeClr val="accent4"/>
+              </a:solidFill>
+              <a:latin typeface="Open Sans" panose="020B0606030504020204" pitchFamily="34" charset="0"/>
+              <a:ea typeface="Open Sans" panose="020B0606030504020204" pitchFamily="34" charset="0"/>
+              <a:cs typeface="Open Sans" panose="020B0606030504020204" pitchFamily="34" charset="0"/>
+            </a:endParaRPr>
+          </a:p>
+        </c:rich>
+      </c:tx>
+      <c:layout>
+        <c:manualLayout>
+          <c:xMode val="edge"/>
+          <c:yMode val="edge"/>
+          <c:x val="0.32576041666666666"/>
+          <c:y val="2.0370370370370372E-2"/>
+        </c:manualLayout>
+      </c:layout>
+      <c:overlay val="0"/>
+      <c:spPr>
+        <a:noFill/>
+        <a:ln>
+          <a:noFill/>
+        </a:ln>
+        <a:effectLst/>
+      </c:spPr>
+      <c:txPr>
+        <a:bodyPr rot="0" spcFirstLastPara="1" vertOverflow="ellipsis" vert="horz" wrap="square" anchor="ctr" anchorCtr="1"/>
+        <a:lstStyle/>
+        <a:p>
+          <a:pPr>
+            <a:defRPr sz="1400" b="1" i="0" u="none" strike="noStrike" kern="1200" spc="0" baseline="0">
+              <a:solidFill>
+                <a:schemeClr val="accent4"/>
+              </a:solidFill>
+              <a:latin typeface="Open Sans" panose="020B0606030504020204" pitchFamily="34" charset="0"/>
+              <a:ea typeface="Open Sans" panose="020B0606030504020204" pitchFamily="34" charset="0"/>
+              <a:cs typeface="Open Sans" panose="020B0606030504020204" pitchFamily="34" charset="0"/>
+            </a:defRPr>
+          </a:pPr>
+          <a:endParaRPr lang="en-US"/>
+        </a:p>
+      </c:txPr>
+    </c:title>
+    <c:autoTitleDeleted val="0"/>
+    <c:plotArea>
+      <c:layout>
+        <c:manualLayout>
+          <c:layoutTarget val="inner"/>
+          <c:xMode val="edge"/>
+          <c:yMode val="edge"/>
+          <c:x val="6.3943282205643923E-2"/>
+          <c:y val="0.10828979449669106"/>
+          <c:w val="0.91716611157762928"/>
+          <c:h val="0.73123167597780681"/>
+        </c:manualLayout>
+      </c:layout>
+      <c:lineChart>
+        <c:grouping val="standard"/>
+        <c:varyColors val="0"/>
+        <c:ser>
+          <c:idx val="0"/>
+          <c:order val="0"/>
+          <c:tx>
+            <c:strRef>
+              <c:f>'Unemployment Rate'!$K$1</c:f>
+              <c:strCache>
+                <c:ptCount val="1"/>
+                <c:pt idx="0">
+                  <c:v>2020</c:v>
+                </c:pt>
+              </c:strCache>
+            </c:strRef>
+          </c:tx>
+          <c:spPr>
+            <a:ln w="38100" cap="rnd">
+              <a:solidFill>
+                <a:srgbClr val="FCBF49"/>
+              </a:solidFill>
+              <a:round/>
+            </a:ln>
+            <a:effectLst/>
+          </c:spPr>
+          <c:marker>
+            <c:symbol val="none"/>
+          </c:marker>
+          <c:dLbls>
+            <c:dLbl>
+              <c:idx val="3"/>
+              <c:layout>
+                <c:manualLayout>
+                  <c:x val="-6.6447741173002561E-2"/>
+                  <c:y val="-8.6817125915687032E-3"/>
+                </c:manualLayout>
+              </c:layout>
+              <c:dLblPos val="r"/>
+              <c:showLegendKey val="0"/>
+              <c:showVal val="1"/>
+              <c:showCatName val="0"/>
+              <c:showSerName val="0"/>
+              <c:showPercent val="0"/>
+              <c:showBubbleSize val="0"/>
+              <c:extLst>
+                <c:ext xmlns:c15="http://schemas.microsoft.com/office/drawing/2012/chart" uri="{CE6537A1-D6FC-4f65-9D91-7224C49458BB}"/>
+                <c:ext xmlns:c16="http://schemas.microsoft.com/office/drawing/2014/chart" uri="{C3380CC4-5D6E-409C-BE32-E72D297353CC}">
+                  <c16:uniqueId val="{00000000-0AA5-4E36-822C-FB8754852EEE}"/>
+                </c:ext>
+              </c:extLst>
+            </c:dLbl>
+            <c:dLbl>
+              <c:idx val="11"/>
+              <c:layout>
+                <c:manualLayout>
+                  <c:x val="-1.6666666666666666E-2"/>
+                  <c:y val="-2.5925925925925925E-2"/>
+                </c:manualLayout>
+              </c:layout>
+              <c:showLegendKey val="0"/>
+              <c:showVal val="1"/>
+              <c:showCatName val="0"/>
+              <c:showSerName val="0"/>
+              <c:showPercent val="0"/>
+              <c:showBubbleSize val="0"/>
+              <c:extLst>
+                <c:ext xmlns:c15="http://schemas.microsoft.com/office/drawing/2012/chart" uri="{CE6537A1-D6FC-4f65-9D91-7224C49458BB}"/>
+                <c:ext xmlns:c16="http://schemas.microsoft.com/office/drawing/2014/chart" uri="{C3380CC4-5D6E-409C-BE32-E72D297353CC}">
+                  <c16:uniqueId val="{00000005-0AA5-4E36-822C-FB8754852EEE}"/>
+                </c:ext>
+              </c:extLst>
+            </c:dLbl>
+            <c:spPr>
+              <a:noFill/>
+              <a:ln>
+                <a:noFill/>
+              </a:ln>
+              <a:effectLst/>
+            </c:spPr>
+            <c:txPr>
+              <a:bodyPr rot="0" spcFirstLastPara="1" vertOverflow="ellipsis" vert="horz" wrap="square" lIns="38100" tIns="19050" rIns="38100" bIns="19050" anchor="ctr" anchorCtr="1">
+                <a:spAutoFit/>
+              </a:bodyPr>
+              <a:lstStyle/>
+              <a:p>
+                <a:pPr>
+                  <a:defRPr sz="900" b="0" i="0" u="none" strike="noStrike" kern="1200" baseline="0">
+                    <a:solidFill>
+                      <a:schemeClr val="bg1"/>
+                    </a:solidFill>
+                    <a:latin typeface="+mn-lt"/>
+                    <a:ea typeface="+mn-ea"/>
+                    <a:cs typeface="+mn-cs"/>
+                  </a:defRPr>
+                </a:pPr>
+                <a:endParaRPr lang="en-US"/>
+              </a:p>
+            </c:txPr>
+            <c:showLegendKey val="0"/>
+            <c:showVal val="0"/>
+            <c:showCatName val="0"/>
+            <c:showSerName val="0"/>
+            <c:showPercent val="0"/>
+            <c:showBubbleSize val="0"/>
+            <c:extLst>
+              <c:ext xmlns:c15="http://schemas.microsoft.com/office/drawing/2012/chart" uri="{CE6537A1-D6FC-4f65-9D91-7224C49458BB}">
+                <c15:showLeaderLines val="1"/>
+                <c15:leaderLines>
+                  <c:spPr>
+                    <a:ln w="9525" cap="flat" cmpd="sng" algn="ctr">
+                      <a:solidFill>
+                        <a:schemeClr val="tx1">
+                          <a:lumMod val="35000"/>
+                          <a:lumOff val="65000"/>
+                        </a:schemeClr>
+                      </a:solidFill>
+                      <a:round/>
+                    </a:ln>
+                    <a:effectLst/>
+                  </c:spPr>
+                </c15:leaderLines>
+              </c:ext>
+            </c:extLst>
+          </c:dLbls>
+          <c:cat>
+            <c:strRef>
+              <c:f>'Unemployment Rate'!$A$2:$A$13</c:f>
+              <c:strCache>
+                <c:ptCount val="12"/>
+                <c:pt idx="0">
+                  <c:v>Jan</c:v>
+                </c:pt>
+                <c:pt idx="1">
+                  <c:v>Feb</c:v>
+                </c:pt>
+                <c:pt idx="2">
+                  <c:v>Mar</c:v>
+                </c:pt>
+                <c:pt idx="3">
+                  <c:v>Apr</c:v>
+                </c:pt>
+                <c:pt idx="4">
+                  <c:v>May</c:v>
+                </c:pt>
+                <c:pt idx="5">
+                  <c:v>Jun</c:v>
+                </c:pt>
+                <c:pt idx="6">
+                  <c:v>Jul</c:v>
+                </c:pt>
+                <c:pt idx="7">
+                  <c:v>Aug</c:v>
+                </c:pt>
+                <c:pt idx="8">
+                  <c:v>Sep</c:v>
+                </c:pt>
+                <c:pt idx="9">
+                  <c:v>Oct</c:v>
+                </c:pt>
+                <c:pt idx="10">
+                  <c:v>Nov</c:v>
+                </c:pt>
+                <c:pt idx="11">
+                  <c:v>Dec</c:v>
+                </c:pt>
+              </c:strCache>
+            </c:strRef>
+          </c:cat>
+          <c:val>
+            <c:numRef>
+              <c:f>'Unemployment Rate'!$K$2:$K$13</c:f>
+              <c:numCache>
+                <c:formatCode>0.0%</c:formatCode>
+                <c:ptCount val="12"/>
+                <c:pt idx="0">
+                  <c:v>6.2E-2</c:v>
+                </c:pt>
+                <c:pt idx="1">
+                  <c:v>5.9000000000000004E-2</c:v>
+                </c:pt>
+                <c:pt idx="2">
+                  <c:v>7.9000000000000001E-2</c:v>
+                </c:pt>
+                <c:pt idx="3">
+                  <c:v>0.373</c:v>
+                </c:pt>
+                <c:pt idx="4">
+                  <c:v>0.33899999999999997</c:v>
+                </c:pt>
+                <c:pt idx="5">
+                  <c:v>0.26600000000000001</c:v>
+                </c:pt>
+                <c:pt idx="6">
+                  <c:v>0.23899999999999999</c:v>
+                </c:pt>
+                <c:pt idx="7">
+                  <c:v>0.20800000000000002</c:v>
+                </c:pt>
+                <c:pt idx="8">
+                  <c:v>0.18</c:v>
+                </c:pt>
+                <c:pt idx="9">
+                  <c:v>0.159</c:v>
+                </c:pt>
+                <c:pt idx="10">
+                  <c:v>0.14599999999999999</c:v>
+                </c:pt>
+                <c:pt idx="11">
+                  <c:v>0.16399999999999998</c:v>
+                </c:pt>
+              </c:numCache>
+            </c:numRef>
+          </c:val>
+          <c:smooth val="0"/>
+          <c:extLst>
+            <c:ext xmlns:c16="http://schemas.microsoft.com/office/drawing/2014/chart" uri="{C3380CC4-5D6E-409C-BE32-E72D297353CC}">
+              <c16:uniqueId val="{00000001-0AA5-4E36-822C-FB8754852EEE}"/>
+            </c:ext>
+          </c:extLst>
+        </c:ser>
+        <c:ser>
+          <c:idx val="1"/>
+          <c:order val="1"/>
+          <c:tx>
+            <c:strRef>
+              <c:f>'Unemployment Rate'!$L$1</c:f>
+              <c:strCache>
+                <c:ptCount val="1"/>
+                <c:pt idx="0">
+                  <c:v>2021</c:v>
+                </c:pt>
+              </c:strCache>
+            </c:strRef>
+          </c:tx>
+          <c:spPr>
+            <a:ln w="38100" cap="rnd">
+              <a:solidFill>
+                <a:srgbClr val="D62828"/>
+              </a:solidFill>
+              <a:round/>
+            </a:ln>
+            <a:effectLst/>
+          </c:spPr>
+          <c:marker>
+            <c:symbol val="none"/>
+          </c:marker>
+          <c:dLbls>
+            <c:dLbl>
+              <c:idx val="4"/>
+              <c:layout>
+                <c:manualLayout>
+                  <c:x val="-2.9903004782825704E-2"/>
+                  <c:y val="-4.0389653039247998E-2"/>
+                </c:manualLayout>
+              </c:layout>
+              <c:dLblPos val="r"/>
+              <c:showLegendKey val="0"/>
+              <c:showVal val="1"/>
+              <c:showCatName val="0"/>
+              <c:showSerName val="0"/>
+              <c:showPercent val="0"/>
+              <c:showBubbleSize val="0"/>
+              <c:extLst>
+                <c:ext xmlns:c15="http://schemas.microsoft.com/office/drawing/2012/chart" uri="{CE6537A1-D6FC-4f65-9D91-7224C49458BB}"/>
+                <c:ext xmlns:c16="http://schemas.microsoft.com/office/drawing/2014/chart" uri="{C3380CC4-5D6E-409C-BE32-E72D297353CC}">
+                  <c16:uniqueId val="{00000002-0AA5-4E36-822C-FB8754852EEE}"/>
+                </c:ext>
+              </c:extLst>
+            </c:dLbl>
+            <c:spPr>
+              <a:noFill/>
+              <a:ln>
+                <a:noFill/>
+              </a:ln>
+              <a:effectLst/>
+            </c:spPr>
+            <c:txPr>
+              <a:bodyPr rot="0" spcFirstLastPara="1" vertOverflow="ellipsis" vert="horz" wrap="square" lIns="38100" tIns="19050" rIns="38100" bIns="19050" anchor="ctr" anchorCtr="1">
+                <a:spAutoFit/>
+              </a:bodyPr>
+              <a:lstStyle/>
+              <a:p>
+                <a:pPr>
+                  <a:defRPr sz="900" b="0" i="0" u="none" strike="noStrike" kern="1200" baseline="0">
+                    <a:solidFill>
+                      <a:schemeClr val="bg1"/>
+                    </a:solidFill>
+                    <a:latin typeface="+mn-lt"/>
+                    <a:ea typeface="+mn-ea"/>
+                    <a:cs typeface="+mn-cs"/>
+                  </a:defRPr>
+                </a:pPr>
+                <a:endParaRPr lang="en-US"/>
+              </a:p>
+            </c:txPr>
+            <c:showLegendKey val="0"/>
+            <c:showVal val="0"/>
+            <c:showCatName val="0"/>
+            <c:showSerName val="0"/>
+            <c:showPercent val="0"/>
+            <c:showBubbleSize val="0"/>
+            <c:extLst>
+              <c:ext xmlns:c15="http://schemas.microsoft.com/office/drawing/2012/chart" uri="{CE6537A1-D6FC-4f65-9D91-7224C49458BB}">
+                <c15:showLeaderLines val="1"/>
+                <c15:leaderLines>
+                  <c:spPr>
+                    <a:ln w="9525" cap="flat" cmpd="sng" algn="ctr">
+                      <a:solidFill>
+                        <a:schemeClr val="tx1">
+                          <a:lumMod val="35000"/>
+                          <a:lumOff val="65000"/>
+                        </a:schemeClr>
+                      </a:solidFill>
+                      <a:round/>
+                    </a:ln>
+                    <a:effectLst/>
+                  </c:spPr>
+                </c15:leaderLines>
+              </c:ext>
+            </c:extLst>
+          </c:dLbls>
+          <c:cat>
+            <c:strRef>
+              <c:f>'Unemployment Rate'!$A$2:$A$13</c:f>
+              <c:strCache>
+                <c:ptCount val="12"/>
+                <c:pt idx="0">
+                  <c:v>Jan</c:v>
+                </c:pt>
+                <c:pt idx="1">
+                  <c:v>Feb</c:v>
+                </c:pt>
+                <c:pt idx="2">
+                  <c:v>Mar</c:v>
+                </c:pt>
+                <c:pt idx="3">
+                  <c:v>Apr</c:v>
+                </c:pt>
+                <c:pt idx="4">
+                  <c:v>May</c:v>
+                </c:pt>
+                <c:pt idx="5">
+                  <c:v>Jun</c:v>
+                </c:pt>
+                <c:pt idx="6">
+                  <c:v>Jul</c:v>
+                </c:pt>
+                <c:pt idx="7">
+                  <c:v>Aug</c:v>
+                </c:pt>
+                <c:pt idx="8">
+                  <c:v>Sep</c:v>
+                </c:pt>
+                <c:pt idx="9">
+                  <c:v>Oct</c:v>
+                </c:pt>
+                <c:pt idx="10">
+                  <c:v>Nov</c:v>
+                </c:pt>
+                <c:pt idx="11">
+                  <c:v>Dec</c:v>
+                </c:pt>
+              </c:strCache>
+            </c:strRef>
+          </c:cat>
+          <c:val>
+            <c:numRef>
+              <c:f>'Unemployment Rate'!$L$2:$L$13</c:f>
+              <c:numCache>
+                <c:formatCode>0.0%</c:formatCode>
+                <c:ptCount val="12"/>
+                <c:pt idx="0">
+                  <c:v>0.153</c:v>
+                </c:pt>
+                <c:pt idx="1">
+                  <c:v>0.127</c:v>
+                </c:pt>
+                <c:pt idx="2">
+                  <c:v>0.127</c:v>
+                </c:pt>
+                <c:pt idx="3">
+                  <c:v>0.107</c:v>
+                </c:pt>
+                <c:pt idx="4">
+                  <c:v>9.9000000000000005E-2</c:v>
+                </c:pt>
+                <c:pt idx="5">
+                  <c:v>0</c:v>
+                </c:pt>
+                <c:pt idx="6">
+                  <c:v>0</c:v>
+                </c:pt>
+                <c:pt idx="7">
+                  <c:v>0</c:v>
+                </c:pt>
+                <c:pt idx="8">
+                  <c:v>0</c:v>
+                </c:pt>
+                <c:pt idx="9">
+                  <c:v>0</c:v>
+                </c:pt>
+                <c:pt idx="10">
+                  <c:v>0</c:v>
+                </c:pt>
+                <c:pt idx="11">
+                  <c:v>0</c:v>
+                </c:pt>
+              </c:numCache>
+            </c:numRef>
+          </c:val>
+          <c:smooth val="0"/>
+          <c:extLst>
+            <c:ext xmlns:c16="http://schemas.microsoft.com/office/drawing/2014/chart" uri="{C3380CC4-5D6E-409C-BE32-E72D297353CC}">
+              <c16:uniqueId val="{00000003-0AA5-4E36-822C-FB8754852EEE}"/>
+            </c:ext>
+          </c:extLst>
+        </c:ser>
+        <c:dLbls>
+          <c:showLegendKey val="0"/>
+          <c:showVal val="0"/>
+          <c:showCatName val="0"/>
+          <c:showSerName val="0"/>
+          <c:showPercent val="0"/>
+          <c:showBubbleSize val="0"/>
+        </c:dLbls>
+        <c:smooth val="0"/>
+        <c:axId val="1909859519"/>
+        <c:axId val="1909857023"/>
+      </c:lineChart>
+      <c:catAx>
+        <c:axId val="1909859519"/>
+        <c:scaling>
+          <c:orientation val="minMax"/>
+        </c:scaling>
+        <c:delete val="0"/>
+        <c:axPos val="b"/>
+        <c:numFmt formatCode="General" sourceLinked="1"/>
+        <c:majorTickMark val="none"/>
+        <c:minorTickMark val="none"/>
+        <c:tickLblPos val="nextTo"/>
+        <c:spPr>
+          <a:noFill/>
+          <a:ln w="9525" cap="flat" cmpd="sng" algn="ctr">
+            <a:solidFill>
+              <a:schemeClr val="tx1">
+                <a:lumMod val="15000"/>
+                <a:lumOff val="85000"/>
+              </a:schemeClr>
+            </a:solidFill>
+            <a:round/>
+          </a:ln>
+          <a:effectLst/>
+        </c:spPr>
+        <c:txPr>
+          <a:bodyPr rot="-60000000" spcFirstLastPara="1" vertOverflow="ellipsis" vert="horz" wrap="square" anchor="ctr" anchorCtr="1"/>
+          <a:lstStyle/>
+          <a:p>
+            <a:pPr>
+              <a:defRPr sz="1000" b="0" i="0" u="none" strike="noStrike" kern="1200" baseline="0">
+                <a:solidFill>
+                  <a:schemeClr val="bg1"/>
+                </a:solidFill>
+                <a:latin typeface="+mn-lt"/>
+                <a:ea typeface="+mn-ea"/>
+                <a:cs typeface="+mn-cs"/>
+              </a:defRPr>
+            </a:pPr>
+            <a:endParaRPr lang="en-US"/>
+          </a:p>
+        </c:txPr>
+        <c:crossAx val="1909857023"/>
+        <c:crosses val="autoZero"/>
+        <c:auto val="1"/>
+        <c:lblAlgn val="ctr"/>
+        <c:lblOffset val="100"/>
+        <c:noMultiLvlLbl val="0"/>
+      </c:catAx>
+      <c:valAx>
+        <c:axId val="1909857023"/>
+        <c:scaling>
+          <c:orientation val="minMax"/>
+        </c:scaling>
+        <c:delete val="0"/>
+        <c:axPos val="l"/>
+        <c:majorGridlines>
+          <c:spPr>
+            <a:ln w="9525" cap="flat" cmpd="sng" algn="ctr">
+              <a:solidFill>
+                <a:schemeClr val="tx1">
+                  <a:lumMod val="15000"/>
+                  <a:lumOff val="85000"/>
+                </a:schemeClr>
+              </a:solidFill>
+              <a:round/>
+            </a:ln>
+            <a:effectLst/>
+          </c:spPr>
+        </c:majorGridlines>
+        <c:numFmt formatCode="0.0%" sourceLinked="1"/>
+        <c:majorTickMark val="none"/>
+        <c:minorTickMark val="none"/>
+        <c:tickLblPos val="nextTo"/>
+        <c:spPr>
+          <a:noFill/>
+          <a:ln>
+            <a:noFill/>
+          </a:ln>
+          <a:effectLst/>
+        </c:spPr>
+        <c:txPr>
+          <a:bodyPr rot="-60000000" spcFirstLastPara="1" vertOverflow="ellipsis" vert="horz" wrap="square" anchor="ctr" anchorCtr="1"/>
+          <a:lstStyle/>
+          <a:p>
+            <a:pPr>
+              <a:defRPr sz="1000" b="0" i="0" u="none" strike="noStrike" kern="1200" baseline="0">
+                <a:solidFill>
+                  <a:schemeClr val="bg1"/>
+                </a:solidFill>
+                <a:latin typeface="Open Sans" panose="020B0606030504020204" pitchFamily="34" charset="0"/>
+                <a:ea typeface="Open Sans" panose="020B0606030504020204" pitchFamily="34" charset="0"/>
+                <a:cs typeface="Open Sans" panose="020B0606030504020204" pitchFamily="34" charset="0"/>
+              </a:defRPr>
+            </a:pPr>
+            <a:endParaRPr lang="en-US"/>
+          </a:p>
+        </c:txPr>
+        <c:crossAx val="1909859519"/>
+        <c:crosses val="autoZero"/>
+        <c:crossBetween val="between"/>
+      </c:valAx>
+      <c:spPr>
+        <a:noFill/>
+        <a:ln>
+          <a:noFill/>
+        </a:ln>
+        <a:effectLst/>
+      </c:spPr>
+    </c:plotArea>
+    <c:legend>
+      <c:legendPos val="b"/>
+      <c:legendEntry>
+        <c:idx val="0"/>
+        <c:txPr>
+          <a:bodyPr rot="0" spcFirstLastPara="1" vertOverflow="ellipsis" vert="horz" wrap="square" anchor="ctr" anchorCtr="1"/>
+          <a:lstStyle/>
+          <a:p>
+            <a:pPr>
+              <a:defRPr sz="1800" b="0" i="0" u="none" strike="noStrike" kern="1200" baseline="0">
+                <a:solidFill>
+                  <a:schemeClr val="bg1"/>
+                </a:solidFill>
+                <a:latin typeface="+mn-lt"/>
+                <a:ea typeface="+mn-ea"/>
+                <a:cs typeface="+mn-cs"/>
+              </a:defRPr>
+            </a:pPr>
+            <a:endParaRPr lang="en-US"/>
+          </a:p>
+        </c:txPr>
+      </c:legendEntry>
+      <c:legendEntry>
+        <c:idx val="1"/>
+        <c:txPr>
+          <a:bodyPr rot="0" spcFirstLastPara="1" vertOverflow="ellipsis" vert="horz" wrap="square" anchor="ctr" anchorCtr="1"/>
+          <a:lstStyle/>
+          <a:p>
+            <a:pPr>
+              <a:defRPr sz="1800" b="0" i="0" u="none" strike="noStrike" kern="1200" baseline="0">
+                <a:solidFill>
+                  <a:schemeClr val="bg1"/>
+                </a:solidFill>
+                <a:latin typeface="+mn-lt"/>
+                <a:ea typeface="+mn-ea"/>
+                <a:cs typeface="+mn-cs"/>
+              </a:defRPr>
+            </a:pPr>
+            <a:endParaRPr lang="en-US"/>
+          </a:p>
+        </c:txPr>
+      </c:legendEntry>
+      <c:layout>
+        <c:manualLayout>
+          <c:xMode val="edge"/>
+          <c:yMode val="edge"/>
+          <c:x val="0.77378781167979005"/>
+          <c:y val="3.3704758777121743E-2"/>
+          <c:w val="0.18763746719160104"/>
+          <c:h val="5.4559062755370903E-2"/>
+        </c:manualLayout>
+      </c:layout>
+      <c:overlay val="0"/>
+      <c:spPr>
+        <a:noFill/>
+        <a:ln>
+          <a:noFill/>
+        </a:ln>
+        <a:effectLst/>
+      </c:spPr>
+      <c:txPr>
+        <a:bodyPr rot="0" spcFirstLastPara="1" vertOverflow="ellipsis" vert="horz" wrap="square" anchor="ctr" anchorCtr="1"/>
+        <a:lstStyle/>
+        <a:p>
+          <a:pPr>
+            <a:defRPr sz="1800" b="0" i="0" u="none" strike="noStrike" kern="1200" baseline="0">
+              <a:solidFill>
+                <a:schemeClr val="tx1">
+                  <a:lumMod val="65000"/>
+                  <a:lumOff val="35000"/>
+                </a:schemeClr>
+              </a:solidFill>
+              <a:latin typeface="+mn-lt"/>
+              <a:ea typeface="+mn-ea"/>
+              <a:cs typeface="+mn-cs"/>
+            </a:defRPr>
+          </a:pPr>
+          <a:endParaRPr lang="en-US"/>
+        </a:p>
+      </c:txPr>
+    </c:legend>
+    <c:plotVisOnly val="1"/>
+    <c:dispBlanksAs val="gap"/>
+    <c:showDLblsOverMax val="0"/>
+  </c:chart>
+  <c:spPr>
+    <a:noFill/>
+    <a:ln>
+      <a:noFill/>
+    </a:ln>
+    <a:effectLst/>
+  </c:spPr>
+  <c:txPr>
+    <a:bodyPr/>
+    <a:lstStyle/>
+    <a:p>
+      <a:pPr>
+        <a:defRPr/>
+      </a:pPr>
+      <a:endParaRPr lang="en-US"/>
+    </a:p>
+  </c:txPr>
+  <c:externalData r:id="rId4">
+    <c:autoUpdate val="0"/>
+  </c:externalData>
+  <c:userShapes r:id="rId5"/>
+</c:chartSpace>
+</file>
+
+<file path=ppt/charts/colors1.xml><?xml version="1.0" encoding="utf-8"?>
+<cs:colorStyle xmlns:cs="http://schemas.microsoft.com/office/drawing/2012/chartStyle" xmlns:a="http://schemas.openxmlformats.org/drawingml/2006/main" meth="withinLinear" id="14">
+  <a:schemeClr val="accent1"/>
+</cs:colorStyle>
+</file>
+
+<file path=ppt/charts/colors2.xml><?xml version="1.0" encoding="utf-8"?>
+<cs:colorStyle xmlns:cs="http://schemas.microsoft.com/office/drawing/2012/chartStyle" xmlns:a="http://schemas.openxmlformats.org/drawingml/2006/main" meth="cycle" id="10">
+  <a:schemeClr val="accent1"/>
+  <a:schemeClr val="accent2"/>
+  <a:schemeClr val="accent3"/>
+  <a:schemeClr val="accent4"/>
+  <a:schemeClr val="accent5"/>
+  <a:schemeClr val="accent6"/>
+  <cs:variation/>
+  <cs:variation>
+    <a:lumMod val="60000"/>
+  </cs:variation>
+  <cs:variation>
+    <a:lumMod val="80000"/>
+    <a:lumOff val="20000"/>
+  </cs:variation>
+  <cs:variation>
+    <a:lumMod val="80000"/>
+  </cs:variation>
+  <cs:variation>
+    <a:lumMod val="60000"/>
+    <a:lumOff val="40000"/>
+  </cs:variation>
+  <cs:variation>
+    <a:lumMod val="50000"/>
+  </cs:variation>
+  <cs:variation>
+    <a:lumMod val="70000"/>
+    <a:lumOff val="30000"/>
+  </cs:variation>
+  <cs:variation>
+    <a:lumMod val="70000"/>
+  </cs:variation>
+  <cs:variation>
+    <a:lumMod val="50000"/>
+    <a:lumOff val="50000"/>
+  </cs:variation>
+</cs:colorStyle>
+</file>
+
+<file path=ppt/charts/style1.xml><?xml version="1.0" encoding="utf-8"?>
+<cs:chartStyle xmlns:cs="http://schemas.microsoft.com/office/drawing/2012/chartStyle" xmlns:a="http://schemas.openxmlformats.org/drawingml/2006/main" id="227">
+  <cs:axisTitle>
+    <cs:lnRef idx="0"/>
+    <cs:fillRef idx="0"/>
+    <cs:effectRef idx="0"/>
+    <cs:fontRef idx="minor">
+      <a:schemeClr val="tx1">
+        <a:lumMod val="65000"/>
+        <a:lumOff val="35000"/>
+      </a:schemeClr>
+    </cs:fontRef>
+    <cs:defRPr sz="1000" kern="1200"/>
+  </cs:axisTitle>
+  <cs:categoryAxis>
+    <cs:lnRef idx="0"/>
+    <cs:fillRef idx="0"/>
+    <cs:effectRef idx="0"/>
+    <cs:fontRef idx="minor">
+      <a:schemeClr val="tx1">
+        <a:lumMod val="65000"/>
+        <a:lumOff val="35000"/>
+      </a:schemeClr>
+    </cs:fontRef>
+    <cs:spPr>
+      <a:ln w="9525" cap="flat" cmpd="sng" algn="ctr">
+        <a:solidFill>
+          <a:schemeClr val="tx1">
+            <a:lumMod val="15000"/>
+            <a:lumOff val="85000"/>
+          </a:schemeClr>
+        </a:solidFill>
+        <a:round/>
+      </a:ln>
+    </cs:spPr>
+    <cs:defRPr sz="900" kern="1200"/>
+  </cs:categoryAxis>
+  <cs:chartArea mods="allowNoFillOverride allowNoLineOverride">
+    <cs:lnRef idx="0"/>
+    <cs:fillRef idx="0"/>
+    <cs:effectRef idx="0"/>
+    <cs:fontRef idx="minor">
+      <a:schemeClr val="tx1"/>
+    </cs:fontRef>
+    <cs:spPr>
+      <a:solidFill>
+        <a:schemeClr val="bg1"/>
+      </a:solidFill>
+      <a:ln w="9525" cap="flat" cmpd="sng" algn="ctr">
+        <a:solidFill>
+          <a:schemeClr val="tx1">
+            <a:lumMod val="15000"/>
+            <a:lumOff val="85000"/>
+          </a:schemeClr>
+        </a:solidFill>
+        <a:round/>
+      </a:ln>
+    </cs:spPr>
+    <cs:defRPr sz="1000" kern="1200"/>
+  </cs:chartArea>
+  <cs:dataLabel>
+    <cs:lnRef idx="0"/>
+    <cs:fillRef idx="0"/>
+    <cs:effectRef idx="0"/>
+    <cs:fontRef idx="minor">
+      <a:schemeClr val="tx1">
+        <a:lumMod val="75000"/>
+        <a:lumOff val="25000"/>
+      </a:schemeClr>
+    </cs:fontRef>
+    <cs:defRPr sz="900" kern="1200"/>
+  </cs:dataLabel>
+  <cs:dataLabelCallout>
+    <cs:lnRef idx="0"/>
+    <cs:fillRef idx="0"/>
+    <cs:effectRef idx="0"/>
+    <cs:fontRef idx="minor">
+      <a:schemeClr val="dk1">
+        <a:lumMod val="65000"/>
+        <a:lumOff val="35000"/>
+      </a:schemeClr>
+    </cs:fontRef>
+    <cs:spPr>
+      <a:solidFill>
+        <a:schemeClr val="lt1"/>
+      </a:solidFill>
+      <a:ln>
+        <a:solidFill>
+          <a:schemeClr val="dk1">
+            <a:lumMod val="25000"/>
+            <a:lumOff val="75000"/>
+          </a:schemeClr>
+        </a:solidFill>
+      </a:ln>
+    </cs:spPr>
+    <cs:defRPr sz="900" kern="1200"/>
+    <cs:bodyPr rot="0" spcFirstLastPara="1" vertOverflow="clip" horzOverflow="clip" vert="horz" wrap="square" lIns="36576" tIns="18288" rIns="36576" bIns="18288" anchor="ctr" anchorCtr="1">
+      <a:spAutoFit/>
+    </cs:bodyPr>
+  </cs:dataLabelCallout>
+  <cs:dataPoint>
+    <cs:lnRef idx="0"/>
+    <cs:fillRef idx="1">
+      <cs:styleClr val="auto"/>
+    </cs:fillRef>
+    <cs:effectRef idx="0"/>
+    <cs:fontRef idx="minor">
+      <a:schemeClr val="tx1"/>
+    </cs:fontRef>
+    <cs:spPr>
+      <a:solidFill>
+        <a:schemeClr val="phClr"/>
+      </a:solidFill>
+    </cs:spPr>
+  </cs:dataPoint>
+  <cs:dataPoint3D>
+    <cs:lnRef idx="0"/>
+    <cs:fillRef idx="1">
+      <cs:styleClr val="auto"/>
+    </cs:fillRef>
+    <cs:effectRef idx="0"/>
+    <cs:fontRef idx="minor">
+      <a:schemeClr val="tx1"/>
+    </cs:fontRef>
+    <cs:spPr>
+      <a:solidFill>
+        <a:schemeClr val="phClr"/>
+      </a:solidFill>
+    </cs:spPr>
+  </cs:dataPoint3D>
+  <cs:dataPointLine>
+    <cs:lnRef idx="0">
+      <cs:styleClr val="auto"/>
+    </cs:lnRef>
+    <cs:fillRef idx="1"/>
+    <cs:effectRef idx="0"/>
+    <cs:fontRef idx="minor">
+      <a:schemeClr val="tx1"/>
+    </cs:fontRef>
+    <cs:spPr>
+      <a:ln w="28575" cap="rnd">
+        <a:solidFill>
+          <a:schemeClr val="phClr"/>
+        </a:solidFill>
+        <a:round/>
+      </a:ln>
+    </cs:spPr>
+  </cs:dataPointLine>
+  <cs:dataPointMarker>
+    <cs:lnRef idx="0">
+      <cs:styleClr val="auto"/>
+    </cs:lnRef>
+    <cs:fillRef idx="1">
+      <cs:styleClr val="auto"/>
+    </cs:fillRef>
+    <cs:effectRef idx="0"/>
+    <cs:fontRef idx="minor">
+      <a:schemeClr val="tx1"/>
+    </cs:fontRef>
+    <cs:spPr>
+      <a:solidFill>
+        <a:schemeClr val="phClr"/>
+      </a:solidFill>
+      <a:ln w="9525">
+        <a:solidFill>
+          <a:schemeClr val="phClr"/>
+        </a:solidFill>
+      </a:ln>
+    </cs:spPr>
+  </cs:dataPointMarker>
+  <cs:dataPointMarkerLayout symbol="circle" size="5"/>
+  <cs:dataPointWireframe>
+    <cs:lnRef idx="0">
+      <cs:styleClr val="auto"/>
+    </cs:lnRef>
+    <cs:fillRef idx="1"/>
+    <cs:effectRef idx="0"/>
+    <cs:fontRef idx="minor">
+      <a:schemeClr val="tx1"/>
+    </cs:fontRef>
+    <cs:spPr>
+      <a:ln w="9525" cap="rnd">
+        <a:solidFill>
+          <a:schemeClr val="phClr"/>
+        </a:solidFill>
+        <a:round/>
+      </a:ln>
+    </cs:spPr>
+  </cs:dataPointWireframe>
+  <cs:dataTable>
+    <cs:lnRef idx="0"/>
+    <cs:fillRef idx="0"/>
+    <cs:effectRef idx="0"/>
+    <cs:fontRef idx="minor">
+      <a:schemeClr val="tx1">
+        <a:lumMod val="65000"/>
+        <a:lumOff val="35000"/>
+      </a:schemeClr>
+    </cs:fontRef>
+    <cs:spPr>
+      <a:noFill/>
+      <a:ln w="9525" cap="flat" cmpd="sng" algn="ctr">
+        <a:solidFill>
+          <a:schemeClr val="tx1">
+            <a:lumMod val="15000"/>
+            <a:lumOff val="85000"/>
+          </a:schemeClr>
+        </a:solidFill>
+        <a:round/>
+      </a:ln>
+    </cs:spPr>
+    <cs:defRPr sz="900" kern="1200"/>
+  </cs:dataTable>
+  <cs:downBar>
+    <cs:lnRef idx="0"/>
+    <cs:fillRef idx="0"/>
+    <cs:effectRef idx="0"/>
+    <cs:fontRef idx="minor">
+      <a:schemeClr val="dk1"/>
+    </cs:fontRef>
+    <cs:spPr>
+      <a:solidFill>
+        <a:schemeClr val="dk1">
+          <a:lumMod val="65000"/>
+          <a:lumOff val="35000"/>
+        </a:schemeClr>
+      </a:solidFill>
+      <a:ln w="9525">
+        <a:solidFill>
+          <a:schemeClr val="tx1">
+            <a:lumMod val="65000"/>
+            <a:lumOff val="35000"/>
+          </a:schemeClr>
+        </a:solidFill>
+      </a:ln>
+    </cs:spPr>
+  </cs:downBar>
+  <cs:dropLine>
+    <cs:lnRef idx="0"/>
+    <cs:fillRef idx="0"/>
+    <cs:effectRef idx="0"/>
+    <cs:fontRef idx="minor">
+      <a:schemeClr val="tx1"/>
+    </cs:fontRef>
+    <cs:spPr>
+      <a:ln w="9525" cap="flat" cmpd="sng" algn="ctr">
+        <a:solidFill>
+          <a:schemeClr val="tx1">
+            <a:lumMod val="35000"/>
+            <a:lumOff val="65000"/>
+          </a:schemeClr>
+        </a:solidFill>
+        <a:round/>
+      </a:ln>
+    </cs:spPr>
+  </cs:dropLine>
+  <cs:errorBar>
+    <cs:lnRef idx="0"/>
+    <cs:fillRef idx="0"/>
+    <cs:effectRef idx="0"/>
+    <cs:fontRef idx="minor">
+      <a:schemeClr val="tx1"/>
+    </cs:fontRef>
+    <cs:spPr>
+      <a:ln w="9525" cap="flat" cmpd="sng" algn="ctr">
+        <a:solidFill>
+          <a:schemeClr val="tx1">
+            <a:lumMod val="65000"/>
+            <a:lumOff val="35000"/>
+          </a:schemeClr>
+        </a:solidFill>
+        <a:round/>
+      </a:ln>
+    </cs:spPr>
+  </cs:errorBar>
+  <cs:floor>
+    <cs:lnRef idx="0"/>
+    <cs:fillRef idx="0"/>
+    <cs:effectRef idx="0"/>
+    <cs:fontRef idx="minor">
+      <a:schemeClr val="tx1"/>
+    </cs:fontRef>
+    <cs:spPr>
+      <a:noFill/>
+      <a:ln>
+        <a:noFill/>
+      </a:ln>
+    </cs:spPr>
+  </cs:floor>
+  <cs:gridlineMajor>
+    <cs:lnRef idx="0"/>
+    <cs:fillRef idx="0"/>
+    <cs:effectRef idx="0"/>
+    <cs:fontRef idx="minor">
+      <a:schemeClr val="tx1"/>
+    </cs:fontRef>
+    <cs:spPr>
+      <a:ln w="9525" cap="flat" cmpd="sng" algn="ctr">
+        <a:solidFill>
+          <a:schemeClr val="tx1">
+            <a:lumMod val="15000"/>
+            <a:lumOff val="85000"/>
+          </a:schemeClr>
+        </a:solidFill>
+        <a:round/>
+      </a:ln>
+    </cs:spPr>
+  </cs:gridlineMajor>
+  <cs:gridlineMinor>
+    <cs:lnRef idx="0"/>
+    <cs:fillRef idx="0"/>
+    <cs:effectRef idx="0"/>
+    <cs:fontRef idx="minor">
+      <a:schemeClr val="tx1"/>
+    </cs:fontRef>
+    <cs:spPr>
+      <a:ln w="9525" cap="flat" cmpd="sng" algn="ctr">
+        <a:solidFill>
+          <a:schemeClr val="tx1">
+            <a:lumMod val="5000"/>
+            <a:lumOff val="95000"/>
+          </a:schemeClr>
+        </a:solidFill>
+        <a:round/>
+      </a:ln>
+    </cs:spPr>
+  </cs:gridlineMinor>
+  <cs:hiLoLine>
+    <cs:lnRef idx="0"/>
+    <cs:fillRef idx="0"/>
+    <cs:effectRef idx="0"/>
+    <cs:fontRef idx="minor">
+      <a:schemeClr val="tx1"/>
+    </cs:fontRef>
+    <cs:spPr>
+      <a:ln w="9525" cap="flat" cmpd="sng" algn="ctr">
+        <a:solidFill>
+          <a:schemeClr val="tx1">
+            <a:lumMod val="75000"/>
+            <a:lumOff val="25000"/>
+          </a:schemeClr>
+        </a:solidFill>
+        <a:round/>
+      </a:ln>
+    </cs:spPr>
+  </cs:hiLoLine>
+  <cs:leaderLine>
+    <cs:lnRef idx="0"/>
+    <cs:fillRef idx="0"/>
+    <cs:effectRef idx="0"/>
+    <cs:fontRef idx="minor">
+      <a:schemeClr val="tx1"/>
+    </cs:fontRef>
+    <cs:spPr>
+      <a:ln w="9525" cap="flat" cmpd="sng" algn="ctr">
+        <a:solidFill>
+          <a:schemeClr val="tx1">
+            <a:lumMod val="35000"/>
+            <a:lumOff val="65000"/>
+          </a:schemeClr>
+        </a:solidFill>
+        <a:round/>
+      </a:ln>
+    </cs:spPr>
+  </cs:leaderLine>
+  <cs:legend>
+    <cs:lnRef idx="0"/>
+    <cs:fillRef idx="0"/>
+    <cs:effectRef idx="0"/>
+    <cs:fontRef idx="minor">
+      <a:schemeClr val="tx1">
+        <a:lumMod val="65000"/>
+        <a:lumOff val="35000"/>
+      </a:schemeClr>
+    </cs:fontRef>
+    <cs:defRPr sz="900" kern="1200"/>
+  </cs:legend>
+  <cs:plotArea mods="allowNoFillOverride allowNoLineOverride">
+    <cs:lnRef idx="0"/>
+    <cs:fillRef idx="0"/>
+    <cs:effectRef idx="0"/>
+    <cs:fontRef idx="minor">
+      <a:schemeClr val="tx1"/>
+    </cs:fontRef>
+  </cs:plotArea>
+  <cs:plotArea3D mods="allowNoFillOverride allowNoLineOverride">
+    <cs:lnRef idx="0"/>
+    <cs:fillRef idx="0"/>
+    <cs:effectRef idx="0"/>
+    <cs:fontRef idx="minor">
+      <a:schemeClr val="tx1"/>
+    </cs:fontRef>
+  </cs:plotArea3D>
+  <cs:seriesAxis>
+    <cs:lnRef idx="0"/>
+    <cs:fillRef idx="0"/>
+    <cs:effectRef idx="0"/>
+    <cs:fontRef idx="minor">
+      <a:schemeClr val="tx1">
+        <a:lumMod val="65000"/>
+        <a:lumOff val="35000"/>
+      </a:schemeClr>
+    </cs:fontRef>
+    <cs:defRPr sz="900" kern="1200"/>
+  </cs:seriesAxis>
+  <cs:seriesLine>
+    <cs:lnRef idx="0"/>
+    <cs:fillRef idx="0"/>
+    <cs:effectRef idx="0"/>
+    <cs:fontRef idx="minor">
+      <a:schemeClr val="tx1"/>
+    </cs:fontRef>
+    <cs:spPr>
+      <a:ln w="9525" cap="flat" cmpd="sng" algn="ctr">
+        <a:solidFill>
+          <a:schemeClr val="tx1">
+            <a:lumMod val="35000"/>
+            <a:lumOff val="65000"/>
+          </a:schemeClr>
+        </a:solidFill>
+        <a:round/>
+      </a:ln>
+    </cs:spPr>
+  </cs:seriesLine>
+  <cs:title>
+    <cs:lnRef idx="0"/>
+    <cs:fillRef idx="0"/>
+    <cs:effectRef idx="0"/>
+    <cs:fontRef idx="minor">
+      <a:schemeClr val="tx1">
+        <a:lumMod val="65000"/>
+        <a:lumOff val="35000"/>
+      </a:schemeClr>
+    </cs:fontRef>
+    <cs:defRPr sz="1400" b="0" kern="1200" spc="0" baseline="0"/>
+  </cs:title>
+  <cs:trendline>
+    <cs:lnRef idx="0">
+      <cs:styleClr val="auto"/>
+    </cs:lnRef>
+    <cs:fillRef idx="0"/>
+    <cs:effectRef idx="0"/>
+    <cs:fontRef idx="minor">
+      <a:schemeClr val="tx1"/>
+    </cs:fontRef>
+    <cs:spPr>
+      <a:ln w="19050" cap="rnd">
+        <a:solidFill>
+          <a:schemeClr val="phClr"/>
+        </a:solidFill>
+        <a:prstDash val="sysDot"/>
+      </a:ln>
+    </cs:spPr>
+  </cs:trendline>
+  <cs:trendlineLabel>
+    <cs:lnRef idx="0"/>
+    <cs:fillRef idx="0"/>
+    <cs:effectRef idx="0"/>
+    <cs:fontRef idx="minor">
+      <a:schemeClr val="tx1">
+        <a:lumMod val="65000"/>
+        <a:lumOff val="35000"/>
+      </a:schemeClr>
+    </cs:fontRef>
+    <cs:defRPr sz="900" kern="1200"/>
+  </cs:trendlineLabel>
+  <cs:upBar>
+    <cs:lnRef idx="0"/>
+    <cs:fillRef idx="0"/>
+    <cs:effectRef idx="0"/>
+    <cs:fontRef idx="minor">
+      <a:schemeClr val="dk1"/>
+    </cs:fontRef>
+    <cs:spPr>
+      <a:solidFill>
+        <a:schemeClr val="lt1"/>
+      </a:solidFill>
+      <a:ln w="9525">
+        <a:solidFill>
+          <a:schemeClr val="tx1">
+            <a:lumMod val="15000"/>
+            <a:lumOff val="85000"/>
+          </a:schemeClr>
+        </a:solidFill>
+      </a:ln>
+    </cs:spPr>
+  </cs:upBar>
+  <cs:valueAxis>
+    <cs:lnRef idx="0"/>
+    <cs:fillRef idx="0"/>
+    <cs:effectRef idx="0"/>
+    <cs:fontRef idx="minor">
+      <a:schemeClr val="tx1">
+        <a:lumMod val="65000"/>
+        <a:lumOff val="35000"/>
+      </a:schemeClr>
+    </cs:fontRef>
+    <cs:defRPr sz="900" kern="1200"/>
+  </cs:valueAxis>
+  <cs:wall>
+    <cs:lnRef idx="0"/>
+    <cs:fillRef idx="0"/>
+    <cs:effectRef idx="0"/>
+    <cs:fontRef idx="minor">
+      <a:schemeClr val="tx1"/>
+    </cs:fontRef>
+    <cs:spPr>
+      <a:noFill/>
+      <a:ln>
+        <a:noFill/>
+      </a:ln>
+    </cs:spPr>
+  </cs:wall>
+</cs:chartStyle>
+</file>
+
+<file path=ppt/charts/style2.xml><?xml version="1.0" encoding="utf-8"?>
+<cs:chartStyle xmlns:cs="http://schemas.microsoft.com/office/drawing/2012/chartStyle" xmlns:a="http://schemas.openxmlformats.org/drawingml/2006/main" id="227">
+  <cs:axisTitle>
+    <cs:lnRef idx="0"/>
+    <cs:fillRef idx="0"/>
+    <cs:effectRef idx="0"/>
+    <cs:fontRef idx="minor">
+      <a:schemeClr val="tx1">
+        <a:lumMod val="65000"/>
+        <a:lumOff val="35000"/>
+      </a:schemeClr>
+    </cs:fontRef>
+    <cs:defRPr sz="1000" kern="1200"/>
+  </cs:axisTitle>
+  <cs:categoryAxis>
+    <cs:lnRef idx="0"/>
+    <cs:fillRef idx="0"/>
+    <cs:effectRef idx="0"/>
+    <cs:fontRef idx="minor">
+      <a:schemeClr val="tx1">
+        <a:lumMod val="65000"/>
+        <a:lumOff val="35000"/>
+      </a:schemeClr>
+    </cs:fontRef>
+    <cs:spPr>
+      <a:ln w="9525" cap="flat" cmpd="sng" algn="ctr">
+        <a:solidFill>
+          <a:schemeClr val="tx1">
+            <a:lumMod val="15000"/>
+            <a:lumOff val="85000"/>
+          </a:schemeClr>
+        </a:solidFill>
+        <a:round/>
+      </a:ln>
+    </cs:spPr>
+    <cs:defRPr sz="900" kern="1200"/>
+  </cs:categoryAxis>
+  <cs:chartArea mods="allowNoFillOverride allowNoLineOverride">
+    <cs:lnRef idx="0"/>
+    <cs:fillRef idx="0"/>
+    <cs:effectRef idx="0"/>
+    <cs:fontRef idx="minor">
+      <a:schemeClr val="tx1"/>
+    </cs:fontRef>
+    <cs:spPr>
+      <a:solidFill>
+        <a:schemeClr val="bg1"/>
+      </a:solidFill>
+      <a:ln w="9525" cap="flat" cmpd="sng" algn="ctr">
+        <a:solidFill>
+          <a:schemeClr val="tx1">
+            <a:lumMod val="15000"/>
+            <a:lumOff val="85000"/>
+          </a:schemeClr>
+        </a:solidFill>
+        <a:round/>
+      </a:ln>
+    </cs:spPr>
+    <cs:defRPr sz="1000" kern="1200"/>
+  </cs:chartArea>
+  <cs:dataLabel>
+    <cs:lnRef idx="0"/>
+    <cs:fillRef idx="0"/>
+    <cs:effectRef idx="0"/>
+    <cs:fontRef idx="minor">
+      <a:schemeClr val="tx1">
+        <a:lumMod val="75000"/>
+        <a:lumOff val="25000"/>
+      </a:schemeClr>
+    </cs:fontRef>
+    <cs:defRPr sz="900" kern="1200"/>
+  </cs:dataLabel>
+  <cs:dataLabelCallout>
+    <cs:lnRef idx="0"/>
+    <cs:fillRef idx="0"/>
+    <cs:effectRef idx="0"/>
+    <cs:fontRef idx="minor">
+      <a:schemeClr val="dk1">
+        <a:lumMod val="65000"/>
+        <a:lumOff val="35000"/>
+      </a:schemeClr>
+    </cs:fontRef>
+    <cs:spPr>
+      <a:solidFill>
+        <a:schemeClr val="lt1"/>
+      </a:solidFill>
+      <a:ln>
+        <a:solidFill>
+          <a:schemeClr val="dk1">
+            <a:lumMod val="25000"/>
+            <a:lumOff val="75000"/>
+          </a:schemeClr>
+        </a:solidFill>
+      </a:ln>
+    </cs:spPr>
+    <cs:defRPr sz="900" kern="1200"/>
+    <cs:bodyPr rot="0" spcFirstLastPara="1" vertOverflow="clip" horzOverflow="clip" vert="horz" wrap="square" lIns="36576" tIns="18288" rIns="36576" bIns="18288" anchor="ctr" anchorCtr="1">
+      <a:spAutoFit/>
+    </cs:bodyPr>
+  </cs:dataLabelCallout>
+  <cs:dataPoint>
+    <cs:lnRef idx="0"/>
+    <cs:fillRef idx="1">
+      <cs:styleClr val="auto"/>
+    </cs:fillRef>
+    <cs:effectRef idx="0"/>
+    <cs:fontRef idx="minor">
+      <a:schemeClr val="tx1"/>
+    </cs:fontRef>
+    <cs:spPr>
+      <a:solidFill>
+        <a:schemeClr val="phClr"/>
+      </a:solidFill>
+    </cs:spPr>
+  </cs:dataPoint>
+  <cs:dataPoint3D>
+    <cs:lnRef idx="0"/>
+    <cs:fillRef idx="1">
+      <cs:styleClr val="auto"/>
+    </cs:fillRef>
+    <cs:effectRef idx="0"/>
+    <cs:fontRef idx="minor">
+      <a:schemeClr val="tx1"/>
+    </cs:fontRef>
+    <cs:spPr>
+      <a:solidFill>
+        <a:schemeClr val="phClr"/>
+      </a:solidFill>
+    </cs:spPr>
+  </cs:dataPoint3D>
+  <cs:dataPointLine>
+    <cs:lnRef idx="0">
+      <cs:styleClr val="auto"/>
+    </cs:lnRef>
+    <cs:fillRef idx="1"/>
+    <cs:effectRef idx="0"/>
+    <cs:fontRef idx="minor">
+      <a:schemeClr val="tx1"/>
+    </cs:fontRef>
+    <cs:spPr>
+      <a:ln w="28575" cap="rnd">
+        <a:solidFill>
+          <a:schemeClr val="phClr"/>
+        </a:solidFill>
+        <a:round/>
+      </a:ln>
+    </cs:spPr>
+  </cs:dataPointLine>
+  <cs:dataPointMarker>
+    <cs:lnRef idx="0">
+      <cs:styleClr val="auto"/>
+    </cs:lnRef>
+    <cs:fillRef idx="1">
+      <cs:styleClr val="auto"/>
+    </cs:fillRef>
+    <cs:effectRef idx="0"/>
+    <cs:fontRef idx="minor">
+      <a:schemeClr val="tx1"/>
+    </cs:fontRef>
+    <cs:spPr>
+      <a:solidFill>
+        <a:schemeClr val="phClr"/>
+      </a:solidFill>
+      <a:ln w="9525">
+        <a:solidFill>
+          <a:schemeClr val="phClr"/>
+        </a:solidFill>
+      </a:ln>
+    </cs:spPr>
+  </cs:dataPointMarker>
+  <cs:dataPointMarkerLayout symbol="circle" size="5"/>
+  <cs:dataPointWireframe>
+    <cs:lnRef idx="0">
+      <cs:styleClr val="auto"/>
+    </cs:lnRef>
+    <cs:fillRef idx="1"/>
+    <cs:effectRef idx="0"/>
+    <cs:fontRef idx="minor">
+      <a:schemeClr val="tx1"/>
+    </cs:fontRef>
+    <cs:spPr>
+      <a:ln w="9525" cap="rnd">
+        <a:solidFill>
+          <a:schemeClr val="phClr"/>
+        </a:solidFill>
+        <a:round/>
+      </a:ln>
+    </cs:spPr>
+  </cs:dataPointWireframe>
+  <cs:dataTable>
+    <cs:lnRef idx="0"/>
+    <cs:fillRef idx="0"/>
+    <cs:effectRef idx="0"/>
+    <cs:fontRef idx="minor">
+      <a:schemeClr val="tx1">
+        <a:lumMod val="65000"/>
+        <a:lumOff val="35000"/>
+      </a:schemeClr>
+    </cs:fontRef>
+    <cs:spPr>
+      <a:noFill/>
+      <a:ln w="9525" cap="flat" cmpd="sng" algn="ctr">
+        <a:solidFill>
+          <a:schemeClr val="tx1">
+            <a:lumMod val="15000"/>
+            <a:lumOff val="85000"/>
+          </a:schemeClr>
+        </a:solidFill>
+        <a:round/>
+      </a:ln>
+    </cs:spPr>
+    <cs:defRPr sz="900" kern="1200"/>
+  </cs:dataTable>
+  <cs:downBar>
+    <cs:lnRef idx="0"/>
+    <cs:fillRef idx="0"/>
+    <cs:effectRef idx="0"/>
+    <cs:fontRef idx="minor">
+      <a:schemeClr val="dk1"/>
+    </cs:fontRef>
+    <cs:spPr>
+      <a:solidFill>
+        <a:schemeClr val="dk1">
+          <a:lumMod val="65000"/>
+          <a:lumOff val="35000"/>
+        </a:schemeClr>
+      </a:solidFill>
+      <a:ln w="9525">
+        <a:solidFill>
+          <a:schemeClr val="tx1">
+            <a:lumMod val="65000"/>
+            <a:lumOff val="35000"/>
+          </a:schemeClr>
+        </a:solidFill>
+      </a:ln>
+    </cs:spPr>
+  </cs:downBar>
+  <cs:dropLine>
+    <cs:lnRef idx="0"/>
+    <cs:fillRef idx="0"/>
+    <cs:effectRef idx="0"/>
+    <cs:fontRef idx="minor">
+      <a:schemeClr val="tx1"/>
+    </cs:fontRef>
+    <cs:spPr>
+      <a:ln w="9525" cap="flat" cmpd="sng" algn="ctr">
+        <a:solidFill>
+          <a:schemeClr val="tx1">
+            <a:lumMod val="35000"/>
+            <a:lumOff val="65000"/>
+          </a:schemeClr>
+        </a:solidFill>
+        <a:round/>
+      </a:ln>
+    </cs:spPr>
+  </cs:dropLine>
+  <cs:errorBar>
+    <cs:lnRef idx="0"/>
+    <cs:fillRef idx="0"/>
+    <cs:effectRef idx="0"/>
+    <cs:fontRef idx="minor">
+      <a:schemeClr val="tx1"/>
+    </cs:fontRef>
+    <cs:spPr>
+      <a:ln w="9525" cap="flat" cmpd="sng" algn="ctr">
+        <a:solidFill>
+          <a:schemeClr val="tx1">
+            <a:lumMod val="65000"/>
+            <a:lumOff val="35000"/>
+          </a:schemeClr>
+        </a:solidFill>
+        <a:round/>
+      </a:ln>
+    </cs:spPr>
+  </cs:errorBar>
+  <cs:floor>
+    <cs:lnRef idx="0"/>
+    <cs:fillRef idx="0"/>
+    <cs:effectRef idx="0"/>
+    <cs:fontRef idx="minor">
+      <a:schemeClr val="tx1"/>
+    </cs:fontRef>
+    <cs:spPr>
+      <a:noFill/>
+      <a:ln>
+        <a:noFill/>
+      </a:ln>
+    </cs:spPr>
+  </cs:floor>
+  <cs:gridlineMajor>
+    <cs:lnRef idx="0"/>
+    <cs:fillRef idx="0"/>
+    <cs:effectRef idx="0"/>
+    <cs:fontRef idx="minor">
+      <a:schemeClr val="tx1"/>
+    </cs:fontRef>
+    <cs:spPr>
+      <a:ln w="9525" cap="flat" cmpd="sng" algn="ctr">
+        <a:solidFill>
+          <a:schemeClr val="tx1">
+            <a:lumMod val="15000"/>
+            <a:lumOff val="85000"/>
+          </a:schemeClr>
+        </a:solidFill>
+        <a:round/>
+      </a:ln>
+    </cs:spPr>
+  </cs:gridlineMajor>
+  <cs:gridlineMinor>
+    <cs:lnRef idx="0"/>
+    <cs:fillRef idx="0"/>
+    <cs:effectRef idx="0"/>
+    <cs:fontRef idx="minor">
+      <a:schemeClr val="tx1"/>
+    </cs:fontRef>
+    <cs:spPr>
+      <a:ln w="9525" cap="flat" cmpd="sng" algn="ctr">
+        <a:solidFill>
+          <a:schemeClr val="tx1">
+            <a:lumMod val="5000"/>
+            <a:lumOff val="95000"/>
+          </a:schemeClr>
+        </a:solidFill>
+        <a:round/>
+      </a:ln>
+    </cs:spPr>
+  </cs:gridlineMinor>
+  <cs:hiLoLine>
+    <cs:lnRef idx="0"/>
+    <cs:fillRef idx="0"/>
+    <cs:effectRef idx="0"/>
+    <cs:fontRef idx="minor">
+      <a:schemeClr val="tx1"/>
+    </cs:fontRef>
+    <cs:spPr>
+      <a:ln w="9525" cap="flat" cmpd="sng" algn="ctr">
+        <a:solidFill>
+          <a:schemeClr val="tx1">
+            <a:lumMod val="75000"/>
+            <a:lumOff val="25000"/>
+          </a:schemeClr>
+        </a:solidFill>
+        <a:round/>
+      </a:ln>
+    </cs:spPr>
+  </cs:hiLoLine>
+  <cs:leaderLine>
+    <cs:lnRef idx="0"/>
+    <cs:fillRef idx="0"/>
+    <cs:effectRef idx="0"/>
+    <cs:fontRef idx="minor">
+      <a:schemeClr val="tx1"/>
+    </cs:fontRef>
+    <cs:spPr>
+      <a:ln w="9525" cap="flat" cmpd="sng" algn="ctr">
+        <a:solidFill>
+          <a:schemeClr val="tx1">
+            <a:lumMod val="35000"/>
+            <a:lumOff val="65000"/>
+          </a:schemeClr>
+        </a:solidFill>
+        <a:round/>
+      </a:ln>
+    </cs:spPr>
+  </cs:leaderLine>
+  <cs:legend>
+    <cs:lnRef idx="0"/>
+    <cs:fillRef idx="0"/>
+    <cs:effectRef idx="0"/>
+    <cs:fontRef idx="minor">
+      <a:schemeClr val="tx1">
+        <a:lumMod val="65000"/>
+        <a:lumOff val="35000"/>
+      </a:schemeClr>
+    </cs:fontRef>
+    <cs:defRPr sz="900" kern="1200"/>
+  </cs:legend>
+  <cs:plotArea mods="allowNoFillOverride allowNoLineOverride">
+    <cs:lnRef idx="0"/>
+    <cs:fillRef idx="0"/>
+    <cs:effectRef idx="0"/>
+    <cs:fontRef idx="minor">
+      <a:schemeClr val="tx1"/>
+    </cs:fontRef>
+  </cs:plotArea>
+  <cs:plotArea3D mods="allowNoFillOverride allowNoLineOverride">
+    <cs:lnRef idx="0"/>
+    <cs:fillRef idx="0"/>
+    <cs:effectRef idx="0"/>
+    <cs:fontRef idx="minor">
+      <a:schemeClr val="tx1"/>
+    </cs:fontRef>
+  </cs:plotArea3D>
+  <cs:seriesAxis>
+    <cs:lnRef idx="0"/>
+    <cs:fillRef idx="0"/>
+    <cs:effectRef idx="0"/>
+    <cs:fontRef idx="minor">
+      <a:schemeClr val="tx1">
+        <a:lumMod val="65000"/>
+        <a:lumOff val="35000"/>
+      </a:schemeClr>
+    </cs:fontRef>
+    <cs:defRPr sz="900" kern="1200"/>
+  </cs:seriesAxis>
+  <cs:seriesLine>
+    <cs:lnRef idx="0"/>
+    <cs:fillRef idx="0"/>
+    <cs:effectRef idx="0"/>
+    <cs:fontRef idx="minor">
+      <a:schemeClr val="tx1"/>
+    </cs:fontRef>
+    <cs:spPr>
+      <a:ln w="9525" cap="flat" cmpd="sng" algn="ctr">
+        <a:solidFill>
+          <a:schemeClr val="tx1">
+            <a:lumMod val="35000"/>
+            <a:lumOff val="65000"/>
+          </a:schemeClr>
+        </a:solidFill>
+        <a:round/>
+      </a:ln>
+    </cs:spPr>
+  </cs:seriesLine>
+  <cs:title>
+    <cs:lnRef idx="0"/>
+    <cs:fillRef idx="0"/>
+    <cs:effectRef idx="0"/>
+    <cs:fontRef idx="minor">
+      <a:schemeClr val="tx1">
+        <a:lumMod val="65000"/>
+        <a:lumOff val="35000"/>
+      </a:schemeClr>
+    </cs:fontRef>
+    <cs:defRPr sz="1400" b="0" kern="1200" spc="0" baseline="0"/>
+  </cs:title>
+  <cs:trendline>
+    <cs:lnRef idx="0">
+      <cs:styleClr val="auto"/>
+    </cs:lnRef>
+    <cs:fillRef idx="0"/>
+    <cs:effectRef idx="0"/>
+    <cs:fontRef idx="minor">
+      <a:schemeClr val="tx1"/>
+    </cs:fontRef>
+    <cs:spPr>
+      <a:ln w="19050" cap="rnd">
+        <a:solidFill>
+          <a:schemeClr val="phClr"/>
+        </a:solidFill>
+        <a:prstDash val="sysDot"/>
+      </a:ln>
+    </cs:spPr>
+  </cs:trendline>
+  <cs:trendlineLabel>
+    <cs:lnRef idx="0"/>
+    <cs:fillRef idx="0"/>
+    <cs:effectRef idx="0"/>
+    <cs:fontRef idx="minor">
+      <a:schemeClr val="tx1">
+        <a:lumMod val="65000"/>
+        <a:lumOff val="35000"/>
+      </a:schemeClr>
+    </cs:fontRef>
+    <cs:defRPr sz="900" kern="1200"/>
+  </cs:trendlineLabel>
+  <cs:upBar>
+    <cs:lnRef idx="0"/>
+    <cs:fillRef idx="0"/>
+    <cs:effectRef idx="0"/>
+    <cs:fontRef idx="minor">
+      <a:schemeClr val="dk1"/>
+    </cs:fontRef>
+    <cs:spPr>
+      <a:solidFill>
+        <a:schemeClr val="lt1"/>
+      </a:solidFill>
+      <a:ln w="9525">
+        <a:solidFill>
+          <a:schemeClr val="tx1">
+            <a:lumMod val="15000"/>
+            <a:lumOff val="85000"/>
+          </a:schemeClr>
+        </a:solidFill>
+      </a:ln>
+    </cs:spPr>
+  </cs:upBar>
+  <cs:valueAxis>
+    <cs:lnRef idx="0"/>
+    <cs:fillRef idx="0"/>
+    <cs:effectRef idx="0"/>
+    <cs:fontRef idx="minor">
+      <a:schemeClr val="tx1">
+        <a:lumMod val="65000"/>
+        <a:lumOff val="35000"/>
+      </a:schemeClr>
+    </cs:fontRef>
+    <cs:defRPr sz="900" kern="1200"/>
+  </cs:valueAxis>
+  <cs:wall>
+    <cs:lnRef idx="0"/>
+    <cs:fillRef idx="0"/>
+    <cs:effectRef idx="0"/>
+    <cs:fontRef idx="minor">
+      <a:schemeClr val="tx1"/>
+    </cs:fontRef>
+    <cs:spPr>
+      <a:noFill/>
+      <a:ln>
+        <a:noFill/>
+      </a:ln>
+    </cs:spPr>
+  </cs:wall>
+</cs:chartStyle>
+</file>
+
+<file path=ppt/drawings/drawing1.xml><?xml version="1.0" encoding="utf-8"?>
+<c:userShapes xmlns:c="http://schemas.openxmlformats.org/drawingml/2006/chart">
+  <cdr:relSizeAnchor xmlns:cdr="http://schemas.openxmlformats.org/drawingml/2006/chartDrawing">
+    <cdr:from>
+      <cdr:x>1.47451E-17</cdr:x>
+      <cdr:y>0.92052</cdr:y>
+    </cdr:from>
+    <cdr:to>
+      <cdr:x>1</cdr:x>
+      <cdr:y>1</cdr:y>
+    </cdr:to>
+    <cdr:grpSp>
+      <cdr:nvGrpSpPr>
+        <cdr:cNvPr id="2" name="Group 1">
+          <a:extLst xmlns:a="http://schemas.openxmlformats.org/drawingml/2006/main">
+            <a:ext uri="{FF2B5EF4-FFF2-40B4-BE49-F238E27FC236}">
+              <a16:creationId xmlns:a16="http://schemas.microsoft.com/office/drawing/2014/main" id="{FCD53832-6FFD-4E3D-AF3F-A28B182EC66C}"/>
+            </a:ext>
+          </a:extLst>
+        </cdr:cNvPr>
+        <cdr:cNvGrpSpPr/>
+      </cdr:nvGrpSpPr>
+      <cdr:grpSpPr>
+        <a:xfrm xmlns:a="http://schemas.openxmlformats.org/drawingml/2006/main">
+          <a:off x="0" y="6312933"/>
+          <a:ext cx="12192000" cy="545067"/>
+          <a:chOff x="0" y="6312933"/>
+          <a:chExt cx="12192000" cy="545067"/>
+        </a:xfrm>
+      </cdr:grpSpPr>
+      <cdr:sp macro="" textlink="">
+        <cdr:nvSpPr>
+          <cdr:cNvPr id="3" name="Rectangle 2">
+            <a:extLst xmlns:a="http://schemas.openxmlformats.org/drawingml/2006/main">
+              <a:ext uri="{FF2B5EF4-FFF2-40B4-BE49-F238E27FC236}">
+                <a16:creationId xmlns:a16="http://schemas.microsoft.com/office/drawing/2014/main" id="{29F3BE63-A9DA-43CF-BF2D-10593C659256}"/>
+              </a:ext>
+            </a:extLst>
+          </cdr:cNvPr>
+          <cdr:cNvSpPr/>
+        </cdr:nvSpPr>
+        <cdr:spPr>
+          <a:xfrm xmlns:a="http://schemas.openxmlformats.org/drawingml/2006/main">
+            <a:off x="0" y="6786000"/>
+            <a:ext cx="12192000" cy="72000"/>
+          </a:xfrm>
+          <a:prstGeom xmlns:a="http://schemas.openxmlformats.org/drawingml/2006/main" prst="rect">
+            <a:avLst/>
+          </a:prstGeom>
+          <a:solidFill xmlns:a="http://schemas.openxmlformats.org/drawingml/2006/main">
+            <a:schemeClr val="accent4"/>
+          </a:solidFill>
+          <a:ln xmlns:a="http://schemas.openxmlformats.org/drawingml/2006/main">
+            <a:noFill/>
+          </a:ln>
+        </cdr:spPr>
+        <cdr:style>
+          <a:lnRef xmlns:a="http://schemas.openxmlformats.org/drawingml/2006/main" idx="2">
+            <a:schemeClr val="accent1">
+              <a:shade val="50000"/>
+            </a:schemeClr>
+          </a:lnRef>
+          <a:fillRef xmlns:a="http://schemas.openxmlformats.org/drawingml/2006/main" idx="1">
+            <a:schemeClr val="accent1"/>
+          </a:fillRef>
+          <a:effectRef xmlns:a="http://schemas.openxmlformats.org/drawingml/2006/main" idx="0">
+            <a:schemeClr val="accent1"/>
+          </a:effectRef>
+          <a:fontRef xmlns:a="http://schemas.openxmlformats.org/drawingml/2006/main" idx="minor">
+            <a:schemeClr val="lt1"/>
+          </a:fontRef>
+        </cdr:style>
+        <cdr:txBody>
+          <a:bodyPr xmlns:a="http://schemas.openxmlformats.org/drawingml/2006/main" rtlCol="0" anchor="ctr"/>
+          <a:lstStyle xmlns:a="http://schemas.openxmlformats.org/drawingml/2006/main">
+            <a:defPPr>
+              <a:defRPr lang="en-US"/>
+            </a:defPPr>
+            <a:lvl1pPr marL="0" algn="l" defTabSz="914400" rtl="0" eaLnBrk="1" latinLnBrk="0" hangingPunct="1">
+              <a:defRPr sz="1800" kern="1200">
+                <a:solidFill>
+                  <a:schemeClr val="lt1"/>
+                </a:solidFill>
+                <a:latin typeface="+mn-lt"/>
+                <a:ea typeface="+mn-ea"/>
+                <a:cs typeface="+mn-cs"/>
+              </a:defRPr>
+            </a:lvl1pPr>
+            <a:lvl2pPr marL="457200" algn="l" defTabSz="914400" rtl="0" eaLnBrk="1" latinLnBrk="0" hangingPunct="1">
+              <a:defRPr sz="1800" kern="1200">
+                <a:solidFill>
+                  <a:schemeClr val="lt1"/>
+                </a:solidFill>
+                <a:latin typeface="+mn-lt"/>
+                <a:ea typeface="+mn-ea"/>
+                <a:cs typeface="+mn-cs"/>
+              </a:defRPr>
+            </a:lvl2pPr>
+            <a:lvl3pPr marL="914400" algn="l" defTabSz="914400" rtl="0" eaLnBrk="1" latinLnBrk="0" hangingPunct="1">
+              <a:defRPr sz="1800" kern="1200">
+                <a:solidFill>
+                  <a:schemeClr val="lt1"/>
+                </a:solidFill>
+                <a:latin typeface="+mn-lt"/>
+                <a:ea typeface="+mn-ea"/>
+                <a:cs typeface="+mn-cs"/>
+              </a:defRPr>
+            </a:lvl3pPr>
+            <a:lvl4pPr marL="1371600" algn="l" defTabSz="914400" rtl="0" eaLnBrk="1" latinLnBrk="0" hangingPunct="1">
+              <a:defRPr sz="1800" kern="1200">
+                <a:solidFill>
+                  <a:schemeClr val="lt1"/>
+                </a:solidFill>
+                <a:latin typeface="+mn-lt"/>
+                <a:ea typeface="+mn-ea"/>
+                <a:cs typeface="+mn-cs"/>
+              </a:defRPr>
+            </a:lvl4pPr>
+            <a:lvl5pPr marL="1828800" algn="l" defTabSz="914400" rtl="0" eaLnBrk="1" latinLnBrk="0" hangingPunct="1">
+              <a:defRPr sz="1800" kern="1200">
+                <a:solidFill>
+                  <a:schemeClr val="lt1"/>
+                </a:solidFill>
+                <a:latin typeface="+mn-lt"/>
+                <a:ea typeface="+mn-ea"/>
+                <a:cs typeface="+mn-cs"/>
+              </a:defRPr>
+            </a:lvl5pPr>
+            <a:lvl6pPr marL="2286000" algn="l" defTabSz="914400" rtl="0" eaLnBrk="1" latinLnBrk="0" hangingPunct="1">
+              <a:defRPr sz="1800" kern="1200">
+                <a:solidFill>
+                  <a:schemeClr val="lt1"/>
+                </a:solidFill>
+                <a:latin typeface="+mn-lt"/>
+                <a:ea typeface="+mn-ea"/>
+                <a:cs typeface="+mn-cs"/>
+              </a:defRPr>
+            </a:lvl6pPr>
+            <a:lvl7pPr marL="2743200" algn="l" defTabSz="914400" rtl="0" eaLnBrk="1" latinLnBrk="0" hangingPunct="1">
+              <a:defRPr sz="1800" kern="1200">
+                <a:solidFill>
+                  <a:schemeClr val="lt1"/>
+                </a:solidFill>
+                <a:latin typeface="+mn-lt"/>
+                <a:ea typeface="+mn-ea"/>
+                <a:cs typeface="+mn-cs"/>
+              </a:defRPr>
+            </a:lvl7pPr>
+            <a:lvl8pPr marL="3200400" algn="l" defTabSz="914400" rtl="0" eaLnBrk="1" latinLnBrk="0" hangingPunct="1">
+              <a:defRPr sz="1800" kern="1200">
+                <a:solidFill>
+                  <a:schemeClr val="lt1"/>
+                </a:solidFill>
+                <a:latin typeface="+mn-lt"/>
+                <a:ea typeface="+mn-ea"/>
+                <a:cs typeface="+mn-cs"/>
+              </a:defRPr>
+            </a:lvl8pPr>
+            <a:lvl9pPr marL="3657600" algn="l" defTabSz="914400" rtl="0" eaLnBrk="1" latinLnBrk="0" hangingPunct="1">
+              <a:defRPr sz="1800" kern="1200">
+                <a:solidFill>
+                  <a:schemeClr val="lt1"/>
+                </a:solidFill>
+                <a:latin typeface="+mn-lt"/>
+                <a:ea typeface="+mn-ea"/>
+                <a:cs typeface="+mn-cs"/>
+              </a:defRPr>
+            </a:lvl9pPr>
+          </a:lstStyle>
+          <a:p xmlns:a="http://schemas.openxmlformats.org/drawingml/2006/main">
+            <a:pPr marL="0" marR="0" lvl="0" indent="0" algn="ctr" defTabSz="914400" rtl="0" eaLnBrk="1" fontAlgn="auto" latinLnBrk="0" hangingPunct="1">
+              <a:lnSpc>
+                <a:spcPct val="100000"/>
+              </a:lnSpc>
+              <a:spcBef>
+                <a:spcPts val="0"/>
+              </a:spcBef>
+              <a:spcAft>
+                <a:spcPts val="0"/>
+              </a:spcAft>
+              <a:buClrTx/>
+              <a:buSzTx/>
+              <a:buFontTx/>
+              <a:buNone/>
+              <a:tabLst/>
+              <a:defRPr/>
+            </a:pPr>
+            <a:endParaRPr kumimoji="0" lang="en-US" sz="1800" b="0" i="0" u="none" strike="noStrike" kern="1200" cap="none" spc="0" normalizeH="0" baseline="0" noProof="0">
+              <a:ln>
+                <a:noFill/>
+              </a:ln>
+              <a:solidFill>
+                <a:prstClr val="white"/>
+              </a:solidFill>
+              <a:effectLst/>
+              <a:uLnTx/>
+              <a:uFillTx/>
+              <a:latin typeface="Calibri" panose="020F0502020204030204"/>
+              <a:ea typeface="+mn-ea"/>
+              <a:cs typeface="+mn-cs"/>
+            </a:endParaRPr>
+          </a:p>
+        </cdr:txBody>
+      </cdr:sp>
+      <cdr:sp macro="" textlink="">
+        <cdr:nvSpPr>
+          <cdr:cNvPr id="4" name="Isosceles Triangle 24">
+            <a:extLst xmlns:a="http://schemas.openxmlformats.org/drawingml/2006/main">
+              <a:ext uri="{FF2B5EF4-FFF2-40B4-BE49-F238E27FC236}">
+                <a16:creationId xmlns:a16="http://schemas.microsoft.com/office/drawing/2014/main" id="{15F941FE-D8F0-4E75-8A38-2E33859126BC}"/>
+              </a:ext>
+            </a:extLst>
+          </cdr:cNvPr>
+          <cdr:cNvSpPr/>
+        </cdr:nvSpPr>
+        <cdr:spPr>
+          <a:xfrm xmlns:a="http://schemas.openxmlformats.org/drawingml/2006/main">
+            <a:off x="5272088" y="6312933"/>
+            <a:ext cx="1647825" cy="473067"/>
+          </a:xfrm>
+          <a:custGeom xmlns:a="http://schemas.openxmlformats.org/drawingml/2006/main">
+            <a:avLst/>
+            <a:gdLst>
+              <a:gd name="connsiteX0" fmla="*/ 0 w 943428"/>
+              <a:gd name="connsiteY0" fmla="*/ 510146 h 510146"/>
+              <a:gd name="connsiteX1" fmla="*/ 471714 w 943428"/>
+              <a:gd name="connsiteY1" fmla="*/ 0 h 510146"/>
+              <a:gd name="connsiteX2" fmla="*/ 943428 w 943428"/>
+              <a:gd name="connsiteY2" fmla="*/ 510146 h 510146"/>
+              <a:gd name="connsiteX3" fmla="*/ 0 w 943428"/>
+              <a:gd name="connsiteY3" fmla="*/ 510146 h 510146"/>
+              <a:gd name="connsiteX0" fmla="*/ 0 w 943428"/>
+              <a:gd name="connsiteY0" fmla="*/ 510146 h 510146"/>
+              <a:gd name="connsiteX1" fmla="*/ 471714 w 943428"/>
+              <a:gd name="connsiteY1" fmla="*/ 0 h 510146"/>
+              <a:gd name="connsiteX2" fmla="*/ 943428 w 943428"/>
+              <a:gd name="connsiteY2" fmla="*/ 510146 h 510146"/>
+              <a:gd name="connsiteX3" fmla="*/ 0 w 943428"/>
+              <a:gd name="connsiteY3" fmla="*/ 510146 h 510146"/>
+              <a:gd name="connsiteX0" fmla="*/ 0 w 943428"/>
+              <a:gd name="connsiteY0" fmla="*/ 510146 h 510146"/>
+              <a:gd name="connsiteX1" fmla="*/ 471714 w 943428"/>
+              <a:gd name="connsiteY1" fmla="*/ 0 h 510146"/>
+              <a:gd name="connsiteX2" fmla="*/ 943428 w 943428"/>
+              <a:gd name="connsiteY2" fmla="*/ 510146 h 510146"/>
+              <a:gd name="connsiteX3" fmla="*/ 0 w 943428"/>
+              <a:gd name="connsiteY3" fmla="*/ 510146 h 510146"/>
+              <a:gd name="connsiteX0" fmla="*/ 0 w 943428"/>
+              <a:gd name="connsiteY0" fmla="*/ 510146 h 510146"/>
+              <a:gd name="connsiteX1" fmla="*/ 471714 w 943428"/>
+              <a:gd name="connsiteY1" fmla="*/ 0 h 510146"/>
+              <a:gd name="connsiteX2" fmla="*/ 943428 w 943428"/>
+              <a:gd name="connsiteY2" fmla="*/ 510146 h 510146"/>
+              <a:gd name="connsiteX3" fmla="*/ 0 w 943428"/>
+              <a:gd name="connsiteY3" fmla="*/ 510146 h 510146"/>
+              <a:gd name="connsiteX0" fmla="*/ 0 w 943428"/>
+              <a:gd name="connsiteY0" fmla="*/ 510146 h 510146"/>
+              <a:gd name="connsiteX1" fmla="*/ 471714 w 943428"/>
+              <a:gd name="connsiteY1" fmla="*/ 0 h 510146"/>
+              <a:gd name="connsiteX2" fmla="*/ 943428 w 943428"/>
+              <a:gd name="connsiteY2" fmla="*/ 510146 h 510146"/>
+              <a:gd name="connsiteX3" fmla="*/ 0 w 943428"/>
+              <a:gd name="connsiteY3" fmla="*/ 510146 h 510146"/>
+              <a:gd name="connsiteX0" fmla="*/ 0 w 943428"/>
+              <a:gd name="connsiteY0" fmla="*/ 462521 h 462521"/>
+              <a:gd name="connsiteX1" fmla="*/ 471714 w 943428"/>
+              <a:gd name="connsiteY1" fmla="*/ 0 h 462521"/>
+              <a:gd name="connsiteX2" fmla="*/ 943428 w 943428"/>
+              <a:gd name="connsiteY2" fmla="*/ 462521 h 462521"/>
+              <a:gd name="connsiteX3" fmla="*/ 0 w 943428"/>
+              <a:gd name="connsiteY3" fmla="*/ 462521 h 462521"/>
+              <a:gd name="connsiteX0" fmla="*/ 0 w 943428"/>
+              <a:gd name="connsiteY0" fmla="*/ 399021 h 399021"/>
+              <a:gd name="connsiteX1" fmla="*/ 464828 w 943428"/>
+              <a:gd name="connsiteY1" fmla="*/ 0 h 399021"/>
+              <a:gd name="connsiteX2" fmla="*/ 943428 w 943428"/>
+              <a:gd name="connsiteY2" fmla="*/ 399021 h 399021"/>
+              <a:gd name="connsiteX3" fmla="*/ 0 w 943428"/>
+              <a:gd name="connsiteY3" fmla="*/ 399021 h 399021"/>
+              <a:gd name="connsiteX0" fmla="*/ 0 w 943428"/>
+              <a:gd name="connsiteY0" fmla="*/ 399021 h 399021"/>
+              <a:gd name="connsiteX1" fmla="*/ 464828 w 943428"/>
+              <a:gd name="connsiteY1" fmla="*/ 0 h 399021"/>
+              <a:gd name="connsiteX2" fmla="*/ 943428 w 943428"/>
+              <a:gd name="connsiteY2" fmla="*/ 399021 h 399021"/>
+              <a:gd name="connsiteX3" fmla="*/ 0 w 943428"/>
+              <a:gd name="connsiteY3" fmla="*/ 399021 h 399021"/>
+              <a:gd name="connsiteX0" fmla="*/ 0 w 943428"/>
+              <a:gd name="connsiteY0" fmla="*/ 399021 h 399021"/>
+              <a:gd name="connsiteX1" fmla="*/ 464828 w 943428"/>
+              <a:gd name="connsiteY1" fmla="*/ 0 h 399021"/>
+              <a:gd name="connsiteX2" fmla="*/ 943428 w 943428"/>
+              <a:gd name="connsiteY2" fmla="*/ 399021 h 399021"/>
+              <a:gd name="connsiteX3" fmla="*/ 0 w 943428"/>
+              <a:gd name="connsiteY3" fmla="*/ 399021 h 399021"/>
+              <a:gd name="connsiteX0" fmla="*/ 0 w 943428"/>
+              <a:gd name="connsiteY0" fmla="*/ 399021 h 399021"/>
+              <a:gd name="connsiteX1" fmla="*/ 464828 w 943428"/>
+              <a:gd name="connsiteY1" fmla="*/ 0 h 399021"/>
+              <a:gd name="connsiteX2" fmla="*/ 943428 w 943428"/>
+              <a:gd name="connsiteY2" fmla="*/ 399021 h 399021"/>
+              <a:gd name="connsiteX3" fmla="*/ 0 w 943428"/>
+              <a:gd name="connsiteY3" fmla="*/ 399021 h 399021"/>
+              <a:gd name="connsiteX0" fmla="*/ 0 w 943428"/>
+              <a:gd name="connsiteY0" fmla="*/ 399021 h 399021"/>
+              <a:gd name="connsiteX1" fmla="*/ 464828 w 943428"/>
+              <a:gd name="connsiteY1" fmla="*/ 0 h 399021"/>
+              <a:gd name="connsiteX2" fmla="*/ 943428 w 943428"/>
+              <a:gd name="connsiteY2" fmla="*/ 399021 h 399021"/>
+              <a:gd name="connsiteX3" fmla="*/ 0 w 943428"/>
+              <a:gd name="connsiteY3" fmla="*/ 399021 h 399021"/>
+              <a:gd name="connsiteX0" fmla="*/ 0 w 943428"/>
+              <a:gd name="connsiteY0" fmla="*/ 399021 h 399021"/>
+              <a:gd name="connsiteX1" fmla="*/ 464828 w 943428"/>
+              <a:gd name="connsiteY1" fmla="*/ 0 h 399021"/>
+              <a:gd name="connsiteX2" fmla="*/ 943428 w 943428"/>
+              <a:gd name="connsiteY2" fmla="*/ 399021 h 399021"/>
+              <a:gd name="connsiteX3" fmla="*/ 0 w 943428"/>
+              <a:gd name="connsiteY3" fmla="*/ 399021 h 399021"/>
+              <a:gd name="connsiteX0" fmla="*/ 0 w 943428"/>
+              <a:gd name="connsiteY0" fmla="*/ 399021 h 399021"/>
+              <a:gd name="connsiteX1" fmla="*/ 464828 w 943428"/>
+              <a:gd name="connsiteY1" fmla="*/ 0 h 399021"/>
+              <a:gd name="connsiteX2" fmla="*/ 943428 w 943428"/>
+              <a:gd name="connsiteY2" fmla="*/ 399021 h 399021"/>
+              <a:gd name="connsiteX3" fmla="*/ 0 w 943428"/>
+              <a:gd name="connsiteY3" fmla="*/ 399021 h 399021"/>
+              <a:gd name="connsiteX0" fmla="*/ 0 w 943428"/>
+              <a:gd name="connsiteY0" fmla="*/ 394012 h 394012"/>
+              <a:gd name="connsiteX1" fmla="*/ 464828 w 943428"/>
+              <a:gd name="connsiteY1" fmla="*/ 0 h 394012"/>
+              <a:gd name="connsiteX2" fmla="*/ 943428 w 943428"/>
+              <a:gd name="connsiteY2" fmla="*/ 394012 h 394012"/>
+              <a:gd name="connsiteX3" fmla="*/ 0 w 943428"/>
+              <a:gd name="connsiteY3" fmla="*/ 394012 h 394012"/>
+              <a:gd name="connsiteX0" fmla="*/ 0 w 943428"/>
+              <a:gd name="connsiteY0" fmla="*/ 394012 h 394012"/>
+              <a:gd name="connsiteX1" fmla="*/ 464828 w 943428"/>
+              <a:gd name="connsiteY1" fmla="*/ 0 h 394012"/>
+              <a:gd name="connsiteX2" fmla="*/ 943428 w 943428"/>
+              <a:gd name="connsiteY2" fmla="*/ 394012 h 394012"/>
+              <a:gd name="connsiteX3" fmla="*/ 0 w 943428"/>
+              <a:gd name="connsiteY3" fmla="*/ 394012 h 394012"/>
+              <a:gd name="connsiteX0" fmla="*/ 0 w 943428"/>
+              <a:gd name="connsiteY0" fmla="*/ 394012 h 394012"/>
+              <a:gd name="connsiteX1" fmla="*/ 464828 w 943428"/>
+              <a:gd name="connsiteY1" fmla="*/ 0 h 394012"/>
+              <a:gd name="connsiteX2" fmla="*/ 943428 w 943428"/>
+              <a:gd name="connsiteY2" fmla="*/ 394012 h 394012"/>
+              <a:gd name="connsiteX3" fmla="*/ 0 w 943428"/>
+              <a:gd name="connsiteY3" fmla="*/ 394012 h 394012"/>
+              <a:gd name="connsiteX0" fmla="*/ 0 w 943428"/>
+              <a:gd name="connsiteY0" fmla="*/ 394012 h 394012"/>
+              <a:gd name="connsiteX1" fmla="*/ 464828 w 943428"/>
+              <a:gd name="connsiteY1" fmla="*/ 0 h 394012"/>
+              <a:gd name="connsiteX2" fmla="*/ 943428 w 943428"/>
+              <a:gd name="connsiteY2" fmla="*/ 394012 h 394012"/>
+              <a:gd name="connsiteX3" fmla="*/ 0 w 943428"/>
+              <a:gd name="connsiteY3" fmla="*/ 394012 h 394012"/>
+              <a:gd name="connsiteX0" fmla="*/ 0 w 943428"/>
+              <a:gd name="connsiteY0" fmla="*/ 394012 h 394012"/>
+              <a:gd name="connsiteX1" fmla="*/ 464828 w 943428"/>
+              <a:gd name="connsiteY1" fmla="*/ 0 h 394012"/>
+              <a:gd name="connsiteX2" fmla="*/ 943428 w 943428"/>
+              <a:gd name="connsiteY2" fmla="*/ 394012 h 394012"/>
+              <a:gd name="connsiteX3" fmla="*/ 0 w 943428"/>
+              <a:gd name="connsiteY3" fmla="*/ 394012 h 394012"/>
+              <a:gd name="connsiteX0" fmla="*/ 0 w 943428"/>
+              <a:gd name="connsiteY0" fmla="*/ 394012 h 394012"/>
+              <a:gd name="connsiteX1" fmla="*/ 464828 w 943428"/>
+              <a:gd name="connsiteY1" fmla="*/ 0 h 394012"/>
+              <a:gd name="connsiteX2" fmla="*/ 943428 w 943428"/>
+              <a:gd name="connsiteY2" fmla="*/ 394012 h 394012"/>
+              <a:gd name="connsiteX3" fmla="*/ 0 w 943428"/>
+              <a:gd name="connsiteY3" fmla="*/ 394012 h 394012"/>
+              <a:gd name="connsiteX0" fmla="*/ 0 w 943428"/>
+              <a:gd name="connsiteY0" fmla="*/ 394012 h 394012"/>
+              <a:gd name="connsiteX1" fmla="*/ 464828 w 943428"/>
+              <a:gd name="connsiteY1" fmla="*/ 0 h 394012"/>
+              <a:gd name="connsiteX2" fmla="*/ 943428 w 943428"/>
+              <a:gd name="connsiteY2" fmla="*/ 394012 h 394012"/>
+              <a:gd name="connsiteX3" fmla="*/ 0 w 943428"/>
+              <a:gd name="connsiteY3" fmla="*/ 394012 h 394012"/>
+              <a:gd name="connsiteX0" fmla="*/ 0 w 943428"/>
+              <a:gd name="connsiteY0" fmla="*/ 394012 h 394012"/>
+              <a:gd name="connsiteX1" fmla="*/ 464828 w 943428"/>
+              <a:gd name="connsiteY1" fmla="*/ 0 h 394012"/>
+              <a:gd name="connsiteX2" fmla="*/ 943428 w 943428"/>
+              <a:gd name="connsiteY2" fmla="*/ 394012 h 394012"/>
+              <a:gd name="connsiteX3" fmla="*/ 0 w 943428"/>
+              <a:gd name="connsiteY3" fmla="*/ 394012 h 394012"/>
+              <a:gd name="connsiteX0" fmla="*/ 0 w 943428"/>
+              <a:gd name="connsiteY0" fmla="*/ 394012 h 394012"/>
+              <a:gd name="connsiteX1" fmla="*/ 464828 w 943428"/>
+              <a:gd name="connsiteY1" fmla="*/ 0 h 394012"/>
+              <a:gd name="connsiteX2" fmla="*/ 943428 w 943428"/>
+              <a:gd name="connsiteY2" fmla="*/ 394012 h 394012"/>
+              <a:gd name="connsiteX3" fmla="*/ 0 w 943428"/>
+              <a:gd name="connsiteY3" fmla="*/ 394012 h 394012"/>
+              <a:gd name="connsiteX0" fmla="*/ 0 w 943428"/>
+              <a:gd name="connsiteY0" fmla="*/ 394012 h 394012"/>
+              <a:gd name="connsiteX1" fmla="*/ 464828 w 943428"/>
+              <a:gd name="connsiteY1" fmla="*/ 0 h 394012"/>
+              <a:gd name="connsiteX2" fmla="*/ 943428 w 943428"/>
+              <a:gd name="connsiteY2" fmla="*/ 394012 h 394012"/>
+              <a:gd name="connsiteX3" fmla="*/ 0 w 943428"/>
+              <a:gd name="connsiteY3" fmla="*/ 394012 h 394012"/>
+              <a:gd name="connsiteX0" fmla="*/ 0 w 943428"/>
+              <a:gd name="connsiteY0" fmla="*/ 394012 h 394012"/>
+              <a:gd name="connsiteX1" fmla="*/ 464828 w 943428"/>
+              <a:gd name="connsiteY1" fmla="*/ 0 h 394012"/>
+              <a:gd name="connsiteX2" fmla="*/ 943428 w 943428"/>
+              <a:gd name="connsiteY2" fmla="*/ 394012 h 394012"/>
+              <a:gd name="connsiteX3" fmla="*/ 0 w 943428"/>
+              <a:gd name="connsiteY3" fmla="*/ 394012 h 394012"/>
+              <a:gd name="connsiteX0" fmla="*/ 0 w 943428"/>
+              <a:gd name="connsiteY0" fmla="*/ 394012 h 394012"/>
+              <a:gd name="connsiteX1" fmla="*/ 464828 w 943428"/>
+              <a:gd name="connsiteY1" fmla="*/ 0 h 394012"/>
+              <a:gd name="connsiteX2" fmla="*/ 943428 w 943428"/>
+              <a:gd name="connsiteY2" fmla="*/ 394012 h 394012"/>
+              <a:gd name="connsiteX3" fmla="*/ 0 w 943428"/>
+              <a:gd name="connsiteY3" fmla="*/ 394012 h 394012"/>
+              <a:gd name="connsiteX0" fmla="*/ 0 w 943428"/>
+              <a:gd name="connsiteY0" fmla="*/ 394012 h 394012"/>
+              <a:gd name="connsiteX1" fmla="*/ 464828 w 943428"/>
+              <a:gd name="connsiteY1" fmla="*/ 0 h 394012"/>
+              <a:gd name="connsiteX2" fmla="*/ 943428 w 943428"/>
+              <a:gd name="connsiteY2" fmla="*/ 394012 h 394012"/>
+              <a:gd name="connsiteX3" fmla="*/ 0 w 943428"/>
+              <a:gd name="connsiteY3" fmla="*/ 394012 h 394012"/>
+              <a:gd name="connsiteX0" fmla="*/ 0 w 943428"/>
+              <a:gd name="connsiteY0" fmla="*/ 394012 h 394012"/>
+              <a:gd name="connsiteX1" fmla="*/ 464828 w 943428"/>
+              <a:gd name="connsiteY1" fmla="*/ 0 h 394012"/>
+              <a:gd name="connsiteX2" fmla="*/ 943428 w 943428"/>
+              <a:gd name="connsiteY2" fmla="*/ 394012 h 394012"/>
+              <a:gd name="connsiteX3" fmla="*/ 0 w 943428"/>
+              <a:gd name="connsiteY3" fmla="*/ 394012 h 394012"/>
+            </a:gdLst>
+            <a:ahLst/>
+            <a:cxnLst>
+              <a:cxn ang="0">
+                <a:pos x="connsiteX0" y="connsiteY0"/>
+              </a:cxn>
+              <a:cxn ang="0">
+                <a:pos x="connsiteX1" y="connsiteY1"/>
+              </a:cxn>
+              <a:cxn ang="0">
+                <a:pos x="connsiteX2" y="connsiteY2"/>
+              </a:cxn>
+              <a:cxn ang="0">
+                <a:pos x="connsiteX3" y="connsiteY3"/>
+              </a:cxn>
+            </a:cxnLst>
+            <a:rect l="l" t="t" r="r" b="b"/>
+            <a:pathLst>
+              <a:path w="943428" h="394012">
+                <a:moveTo>
+                  <a:pt x="0" y="394012"/>
+                </a:moveTo>
+                <a:cubicBezTo>
+                  <a:pt x="255943" y="258464"/>
+                  <a:pt x="241729" y="9821"/>
+                  <a:pt x="464828" y="0"/>
+                </a:cubicBezTo>
+                <a:cubicBezTo>
+                  <a:pt x="682648" y="7384"/>
+                  <a:pt x="665172" y="266005"/>
+                  <a:pt x="943428" y="394012"/>
+                </a:cubicBezTo>
+                <a:lnTo>
+                  <a:pt x="0" y="394012"/>
+                </a:lnTo>
+                <a:close/>
+              </a:path>
+            </a:pathLst>
+          </a:custGeom>
+          <a:solidFill xmlns:a="http://schemas.openxmlformats.org/drawingml/2006/main">
+            <a:schemeClr val="accent4"/>
+          </a:solidFill>
+          <a:ln xmlns:a="http://schemas.openxmlformats.org/drawingml/2006/main">
+            <a:noFill/>
+          </a:ln>
+        </cdr:spPr>
+        <cdr:style>
+          <a:lnRef xmlns:a="http://schemas.openxmlformats.org/drawingml/2006/main" idx="2">
+            <a:schemeClr val="accent1">
+              <a:shade val="50000"/>
+            </a:schemeClr>
+          </a:lnRef>
+          <a:fillRef xmlns:a="http://schemas.openxmlformats.org/drawingml/2006/main" idx="1">
+            <a:schemeClr val="accent1"/>
+          </a:fillRef>
+          <a:effectRef xmlns:a="http://schemas.openxmlformats.org/drawingml/2006/main" idx="0">
+            <a:schemeClr val="accent1"/>
+          </a:effectRef>
+          <a:fontRef xmlns:a="http://schemas.openxmlformats.org/drawingml/2006/main" idx="minor">
+            <a:schemeClr val="lt1"/>
+          </a:fontRef>
+        </cdr:style>
+        <cdr:txBody>
+          <a:bodyPr xmlns:a="http://schemas.openxmlformats.org/drawingml/2006/main" rtlCol="0" anchor="ctr"/>
+          <a:lstStyle xmlns:a="http://schemas.openxmlformats.org/drawingml/2006/main">
+            <a:defPPr>
+              <a:defRPr lang="en-US"/>
+            </a:defPPr>
+            <a:lvl1pPr marL="0" algn="l" defTabSz="914400" rtl="0" eaLnBrk="1" latinLnBrk="0" hangingPunct="1">
+              <a:defRPr sz="1800" kern="1200">
+                <a:solidFill>
+                  <a:schemeClr val="lt1"/>
+                </a:solidFill>
+                <a:latin typeface="+mn-lt"/>
+                <a:ea typeface="+mn-ea"/>
+                <a:cs typeface="+mn-cs"/>
+              </a:defRPr>
+            </a:lvl1pPr>
+            <a:lvl2pPr marL="457200" algn="l" defTabSz="914400" rtl="0" eaLnBrk="1" latinLnBrk="0" hangingPunct="1">
+              <a:defRPr sz="1800" kern="1200">
+                <a:solidFill>
+                  <a:schemeClr val="lt1"/>
+                </a:solidFill>
+                <a:latin typeface="+mn-lt"/>
+                <a:ea typeface="+mn-ea"/>
+                <a:cs typeface="+mn-cs"/>
+              </a:defRPr>
+            </a:lvl2pPr>
+            <a:lvl3pPr marL="914400" algn="l" defTabSz="914400" rtl="0" eaLnBrk="1" latinLnBrk="0" hangingPunct="1">
+              <a:defRPr sz="1800" kern="1200">
+                <a:solidFill>
+                  <a:schemeClr val="lt1"/>
+                </a:solidFill>
+                <a:latin typeface="+mn-lt"/>
+                <a:ea typeface="+mn-ea"/>
+                <a:cs typeface="+mn-cs"/>
+              </a:defRPr>
+            </a:lvl3pPr>
+            <a:lvl4pPr marL="1371600" algn="l" defTabSz="914400" rtl="0" eaLnBrk="1" latinLnBrk="0" hangingPunct="1">
+              <a:defRPr sz="1800" kern="1200">
+                <a:solidFill>
+                  <a:schemeClr val="lt1"/>
+                </a:solidFill>
+                <a:latin typeface="+mn-lt"/>
+                <a:ea typeface="+mn-ea"/>
+                <a:cs typeface="+mn-cs"/>
+              </a:defRPr>
+            </a:lvl4pPr>
+            <a:lvl5pPr marL="1828800" algn="l" defTabSz="914400" rtl="0" eaLnBrk="1" latinLnBrk="0" hangingPunct="1">
+              <a:defRPr sz="1800" kern="1200">
+                <a:solidFill>
+                  <a:schemeClr val="lt1"/>
+                </a:solidFill>
+                <a:latin typeface="+mn-lt"/>
+                <a:ea typeface="+mn-ea"/>
+                <a:cs typeface="+mn-cs"/>
+              </a:defRPr>
+            </a:lvl5pPr>
+            <a:lvl6pPr marL="2286000" algn="l" defTabSz="914400" rtl="0" eaLnBrk="1" latinLnBrk="0" hangingPunct="1">
+              <a:defRPr sz="1800" kern="1200">
+                <a:solidFill>
+                  <a:schemeClr val="lt1"/>
+                </a:solidFill>
+                <a:latin typeface="+mn-lt"/>
+                <a:ea typeface="+mn-ea"/>
+                <a:cs typeface="+mn-cs"/>
+              </a:defRPr>
+            </a:lvl6pPr>
+            <a:lvl7pPr marL="2743200" algn="l" defTabSz="914400" rtl="0" eaLnBrk="1" latinLnBrk="0" hangingPunct="1">
+              <a:defRPr sz="1800" kern="1200">
+                <a:solidFill>
+                  <a:schemeClr val="lt1"/>
+                </a:solidFill>
+                <a:latin typeface="+mn-lt"/>
+                <a:ea typeface="+mn-ea"/>
+                <a:cs typeface="+mn-cs"/>
+              </a:defRPr>
+            </a:lvl7pPr>
+            <a:lvl8pPr marL="3200400" algn="l" defTabSz="914400" rtl="0" eaLnBrk="1" latinLnBrk="0" hangingPunct="1">
+              <a:defRPr sz="1800" kern="1200">
+                <a:solidFill>
+                  <a:schemeClr val="lt1"/>
+                </a:solidFill>
+                <a:latin typeface="+mn-lt"/>
+                <a:ea typeface="+mn-ea"/>
+                <a:cs typeface="+mn-cs"/>
+              </a:defRPr>
+            </a:lvl8pPr>
+            <a:lvl9pPr marL="3657600" algn="l" defTabSz="914400" rtl="0" eaLnBrk="1" latinLnBrk="0" hangingPunct="1">
+              <a:defRPr sz="1800" kern="1200">
+                <a:solidFill>
+                  <a:schemeClr val="lt1"/>
+                </a:solidFill>
+                <a:latin typeface="+mn-lt"/>
+                <a:ea typeface="+mn-ea"/>
+                <a:cs typeface="+mn-cs"/>
+              </a:defRPr>
+            </a:lvl9pPr>
+          </a:lstStyle>
+          <a:p xmlns:a="http://schemas.openxmlformats.org/drawingml/2006/main">
+            <a:pPr marL="0" marR="0" lvl="0" indent="0" algn="ctr" defTabSz="914400" rtl="0" eaLnBrk="1" fontAlgn="auto" latinLnBrk="0" hangingPunct="1">
+              <a:lnSpc>
+                <a:spcPct val="100000"/>
+              </a:lnSpc>
+              <a:spcBef>
+                <a:spcPts val="0"/>
+              </a:spcBef>
+              <a:spcAft>
+                <a:spcPts val="0"/>
+              </a:spcAft>
+              <a:buClrTx/>
+              <a:buSzTx/>
+              <a:buFontTx/>
+              <a:buNone/>
+              <a:tabLst/>
+              <a:defRPr/>
+            </a:pPr>
+            <a:endParaRPr kumimoji="0" lang="id-ID" sz="1800" b="0" i="0" u="none" strike="noStrike" kern="1200" cap="none" spc="0" normalizeH="0" baseline="0" noProof="0">
+              <a:ln>
+                <a:noFill/>
+              </a:ln>
+              <a:solidFill>
+                <a:prstClr val="white"/>
+              </a:solidFill>
+              <a:effectLst/>
+              <a:uLnTx/>
+              <a:uFillTx/>
+              <a:latin typeface="Calibri" panose="020F0502020204030204"/>
+              <a:ea typeface="+mn-ea"/>
+              <a:cs typeface="+mn-cs"/>
+            </a:endParaRPr>
+          </a:p>
+        </cdr:txBody>
+      </cdr:sp>
+      <cdr:pic>
+        <cdr:nvPicPr>
+          <cdr:cNvPr id="5" name="Graphic 57" descr="Fork and knife">
+            <a:extLst xmlns:a="http://schemas.openxmlformats.org/drawingml/2006/main">
+              <a:ext uri="{FF2B5EF4-FFF2-40B4-BE49-F238E27FC236}">
+                <a16:creationId xmlns:a16="http://schemas.microsoft.com/office/drawing/2014/main" id="{57519235-674B-46D2-AFA1-53C0DB190925}"/>
+              </a:ext>
+            </a:extLst>
+          </cdr:cNvPr>
+          <cdr:cNvPicPr>
+            <a:picLocks xmlns:a="http://schemas.openxmlformats.org/drawingml/2006/main" noChangeAspect="1"/>
+          </cdr:cNvPicPr>
+        </cdr:nvPicPr>
+        <cdr:blipFill>
+          <a:blip xmlns:a="http://schemas.openxmlformats.org/drawingml/2006/main" xmlns:r="http://schemas.openxmlformats.org/officeDocument/2006/relationships" r:embed="rId1" cstate="email">
+            <a:extLst>
+              <a:ext uri="{28A0092B-C50C-407E-A947-70E740481C1C}">
+                <a14:useLocalDpi xmlns:a14="http://schemas.microsoft.com/office/drawing/2010/main"/>
+              </a:ext>
+              <a:ext uri="{96DAC541-7B7A-43D3-8B79-37D633B846F1}">
+                <asvg:svgBlip xmlns:asvg="http://schemas.microsoft.com/office/drawing/2016/SVG/main" r:embed="rId2"/>
+              </a:ext>
+            </a:extLst>
+          </a:blip>
+          <a:stretch xmlns:a="http://schemas.openxmlformats.org/drawingml/2006/main">
+            <a:fillRect/>
+          </a:stretch>
+        </cdr:blipFill>
+        <cdr:spPr>
+          <a:xfrm xmlns:a="http://schemas.openxmlformats.org/drawingml/2006/main">
+            <a:off x="5867399" y="6354364"/>
+            <a:ext cx="457200" cy="457200"/>
+          </a:xfrm>
+          <a:prstGeom xmlns:a="http://schemas.openxmlformats.org/drawingml/2006/main" prst="rect">
+            <a:avLst/>
+          </a:prstGeom>
+        </cdr:spPr>
+      </cdr:pic>
+    </cdr:grpSp>
+  </cdr:relSizeAnchor>
+</c:userShapes>
+</file>
+
 <file path=ppt/notesMasters/notesMaster1.xml><?xml version="1.0" encoding="utf-8"?>
 <p:notesMaster xmlns:a="http://schemas.openxmlformats.org/drawingml/2006/main" xmlns:r="http://schemas.openxmlformats.org/officeDocument/2006/relationships" xmlns:p="http://schemas.openxmlformats.org/presentationml/2006/main">
   <p:cSld>
@@ -217,7 +4777,7 @@
           <a:p>
             <a:fld id="{24A646B8-8151-41BA-87A3-4FC3BF9DBE02}" type="datetimeFigureOut">
               <a:rPr lang="en-US" smtClean="0"/>
-              <a:t>6/19/2021</a:t>
+              <a:t>6/24/2021</a:t>
             </a:fld>
             <a:endParaRPr lang="en-US"/>
           </a:p>
@@ -4059,7 +8619,7 @@
           <a:p>
             <a:fld id="{CC675EAF-CD5D-444F-A0D2-2250F389893E}" type="datetimeFigureOut">
               <a:rPr lang="en-US" smtClean="0"/>
-              <a:t>6/19/2021</a:t>
+              <a:t>6/24/2021</a:t>
             </a:fld>
             <a:endParaRPr lang="en-US"/>
           </a:p>
@@ -4615,7 +9175,7 @@
         </p:nvSpPr>
         <p:spPr>
           <a:xfrm>
-            <a:off x="-279" y="0"/>
+            <a:off x="-280" y="0"/>
             <a:ext cx="12192000" cy="6858000"/>
           </a:xfrm>
           <a:prstGeom prst="rect">
@@ -4698,7 +9258,7 @@
         </p:nvSpPr>
         <p:spPr>
           <a:xfrm>
-            <a:off x="1724479" y="3010991"/>
+            <a:off x="1724478" y="1982450"/>
             <a:ext cx="8742485" cy="1446550"/>
           </a:xfrm>
           <a:prstGeom prst="rect">
@@ -4763,7 +9323,7 @@
         </p:nvSpPr>
         <p:spPr>
           <a:xfrm>
-            <a:off x="3216134" y="4613710"/>
+            <a:off x="3105834" y="3464966"/>
             <a:ext cx="5979772" cy="45720"/>
           </a:xfrm>
           <a:prstGeom prst="rect">
@@ -4861,7 +9421,7 @@
         </p:blipFill>
         <p:spPr>
           <a:xfrm>
-            <a:off x="5638800" y="2212956"/>
+            <a:off x="5638521" y="1082592"/>
             <a:ext cx="914400" cy="914400"/>
           </a:xfrm>
           <a:prstGeom prst="rect">
@@ -4871,10 +9431,10 @@
       </p:pic>
       <p:sp>
         <p:nvSpPr>
-          <p:cNvPr id="22" name="TextBox 21">
+          <p:cNvPr id="2" name="TextBox 1">
             <a:extLst>
               <a:ext uri="{FF2B5EF4-FFF2-40B4-BE49-F238E27FC236}">
-                <a16:creationId xmlns:a16="http://schemas.microsoft.com/office/drawing/2014/main" id="{6E2186E5-8029-47D6-AB99-DCEAB3FCF57F}"/>
+                <a16:creationId xmlns:a16="http://schemas.microsoft.com/office/drawing/2014/main" id="{2C38EE6A-0DDF-441F-8639-C15E9DE657A2}"/>
               </a:ext>
             </a:extLst>
           </p:cNvPr>
@@ -4883,8 +9443,8 @@
         </p:nvSpPr>
         <p:spPr>
           <a:xfrm>
-            <a:off x="4499656" y="2485490"/>
-            <a:ext cx="1177244" cy="369332"/>
+            <a:off x="3048571" y="3867193"/>
+            <a:ext cx="6094298" cy="461665"/>
           </a:xfrm>
           <a:prstGeom prst="rect">
             <a:avLst/>
@@ -4897,104 +9457,17 @@
           </a:bodyPr>
           <a:lstStyle/>
           <a:p>
-            <a:pPr marL="0" marR="0" lvl="0" indent="0" algn="r" defTabSz="914400" rtl="0" eaLnBrk="1" fontAlgn="auto" latinLnBrk="0" hangingPunct="1">
-              <a:lnSpc>
-                <a:spcPct val="100000"/>
-              </a:lnSpc>
-              <a:spcBef>
-                <a:spcPts val="0"/>
-              </a:spcBef>
-              <a:spcAft>
-                <a:spcPts val="0"/>
-              </a:spcAft>
-              <a:buClrTx/>
-              <a:buSzTx/>
-              <a:buFontTx/>
-              <a:buNone/>
-              <a:tabLst/>
-              <a:defRPr/>
-            </a:pPr>
+            <a:pPr algn="ctr"/>
             <a:r>
-              <a:rPr kumimoji="0" lang="en-US" sz="1800" b="0" i="0" u="none" strike="noStrike" kern="1200" cap="none" spc="0" normalizeH="0" baseline="0" noProof="0" dirty="0">
-                <a:ln>
-                  <a:noFill/>
-                </a:ln>
+              <a:rPr lang="en-US" sz="2400" b="1" dirty="0">
                 <a:solidFill>
-                  <a:prstClr val="white"/>
+                  <a:schemeClr val="accent4"/>
                 </a:solidFill>
-                <a:effectLst/>
-                <a:uLnTx/>
-                <a:uFillTx/>
                 <a:latin typeface="Open Sans" panose="020B0606030504020204" pitchFamily="34" charset="0"/>
                 <a:ea typeface="Open Sans" panose="020B0606030504020204" pitchFamily="34" charset="0"/>
                 <a:cs typeface="Open Sans" panose="020B0606030504020204" pitchFamily="34" charset="0"/>
               </a:rPr>
-              <a:t>Since</a:t>
-            </a:r>
-          </a:p>
-        </p:txBody>
-      </p:sp>
-      <p:sp>
-        <p:nvSpPr>
-          <p:cNvPr id="24" name="TextBox 23">
-            <a:extLst>
-              <a:ext uri="{FF2B5EF4-FFF2-40B4-BE49-F238E27FC236}">
-                <a16:creationId xmlns:a16="http://schemas.microsoft.com/office/drawing/2014/main" id="{00593C06-9E00-4A1A-B256-3CCA636D18FF}"/>
-              </a:ext>
-            </a:extLst>
-          </p:cNvPr>
-          <p:cNvSpPr txBox="1"/>
-          <p:nvPr/>
-        </p:nvSpPr>
-        <p:spPr>
-          <a:xfrm>
-            <a:off x="6515100" y="2485490"/>
-            <a:ext cx="1177244" cy="369332"/>
-          </a:xfrm>
-          <a:prstGeom prst="rect">
-            <a:avLst/>
-          </a:prstGeom>
-          <a:noFill/>
-        </p:spPr>
-        <p:txBody>
-          <a:bodyPr wrap="square" rtlCol="0">
-            <a:spAutoFit/>
-          </a:bodyPr>
-          <a:lstStyle/>
-          <a:p>
-            <a:pPr marL="0" marR="0" lvl="0" indent="0" algn="l" defTabSz="914400" rtl="0" eaLnBrk="1" fontAlgn="auto" latinLnBrk="0" hangingPunct="1">
-              <a:lnSpc>
-                <a:spcPct val="100000"/>
-              </a:lnSpc>
-              <a:spcBef>
-                <a:spcPts val="0"/>
-              </a:spcBef>
-              <a:spcAft>
-                <a:spcPts val="0"/>
-              </a:spcAft>
-              <a:buClrTx/>
-              <a:buSzTx/>
-              <a:buFontTx/>
-              <a:buNone/>
-              <a:tabLst/>
-              <a:defRPr/>
-            </a:pPr>
-            <a:r>
-              <a:rPr kumimoji="0" lang="en-US" sz="1800" b="0" i="0" u="none" strike="noStrike" kern="1200" cap="none" spc="0" normalizeH="0" baseline="0" noProof="0" dirty="0">
-                <a:ln>
-                  <a:noFill/>
-                </a:ln>
-                <a:solidFill>
-                  <a:prstClr val="white"/>
-                </a:solidFill>
-                <a:effectLst/>
-                <a:uLnTx/>
-                <a:uFillTx/>
-                <a:latin typeface="Open Sans" panose="020B0606030504020204" pitchFamily="34" charset="0"/>
-                <a:ea typeface="Open Sans" panose="020B0606030504020204" pitchFamily="34" charset="0"/>
-                <a:cs typeface="Open Sans" panose="020B0606030504020204" pitchFamily="34" charset="0"/>
-              </a:rPr>
-              <a:t>2019</a:t>
+              <a:t>By: Ryan Grant </a:t>
             </a:r>
           </a:p>
         </p:txBody>
@@ -5340,136 +9813,6 @@
           </a:prstGeom>
         </p:spPr>
       </p:pic>
-      <p:sp>
-        <p:nvSpPr>
-          <p:cNvPr id="22" name="TextBox 21">
-            <a:extLst>
-              <a:ext uri="{FF2B5EF4-FFF2-40B4-BE49-F238E27FC236}">
-                <a16:creationId xmlns:a16="http://schemas.microsoft.com/office/drawing/2014/main" id="{6E2186E5-8029-47D6-AB99-DCEAB3FCF57F}"/>
-              </a:ext>
-            </a:extLst>
-          </p:cNvPr>
-          <p:cNvSpPr txBox="1"/>
-          <p:nvPr/>
-        </p:nvSpPr>
-        <p:spPr>
-          <a:xfrm>
-            <a:off x="4499656" y="2485490"/>
-            <a:ext cx="1177244" cy="369332"/>
-          </a:xfrm>
-          <a:prstGeom prst="rect">
-            <a:avLst/>
-          </a:prstGeom>
-          <a:noFill/>
-        </p:spPr>
-        <p:txBody>
-          <a:bodyPr wrap="square" rtlCol="0">
-            <a:spAutoFit/>
-          </a:bodyPr>
-          <a:lstStyle/>
-          <a:p>
-            <a:pPr marL="0" marR="0" lvl="0" indent="0" algn="r" defTabSz="914400" rtl="0" eaLnBrk="1" fontAlgn="auto" latinLnBrk="0" hangingPunct="1">
-              <a:lnSpc>
-                <a:spcPct val="100000"/>
-              </a:lnSpc>
-              <a:spcBef>
-                <a:spcPts val="0"/>
-              </a:spcBef>
-              <a:spcAft>
-                <a:spcPts val="0"/>
-              </a:spcAft>
-              <a:buClrTx/>
-              <a:buSzTx/>
-              <a:buFontTx/>
-              <a:buNone/>
-              <a:tabLst/>
-              <a:defRPr/>
-            </a:pPr>
-            <a:r>
-              <a:rPr kumimoji="0" lang="en-US" sz="1800" b="0" i="0" u="none" strike="noStrike" kern="1200" cap="none" spc="0" normalizeH="0" baseline="0" noProof="0" dirty="0">
-                <a:ln>
-                  <a:noFill/>
-                </a:ln>
-                <a:solidFill>
-                  <a:prstClr val="white"/>
-                </a:solidFill>
-                <a:effectLst/>
-                <a:uLnTx/>
-                <a:uFillTx/>
-                <a:latin typeface="Open Sans" panose="020B0606030504020204" pitchFamily="34" charset="0"/>
-                <a:ea typeface="Open Sans" panose="020B0606030504020204" pitchFamily="34" charset="0"/>
-                <a:cs typeface="Open Sans" panose="020B0606030504020204" pitchFamily="34" charset="0"/>
-              </a:rPr>
-              <a:t>Since</a:t>
-            </a:r>
-          </a:p>
-        </p:txBody>
-      </p:sp>
-      <p:sp>
-        <p:nvSpPr>
-          <p:cNvPr id="24" name="TextBox 23">
-            <a:extLst>
-              <a:ext uri="{FF2B5EF4-FFF2-40B4-BE49-F238E27FC236}">
-                <a16:creationId xmlns:a16="http://schemas.microsoft.com/office/drawing/2014/main" id="{00593C06-9E00-4A1A-B256-3CCA636D18FF}"/>
-              </a:ext>
-            </a:extLst>
-          </p:cNvPr>
-          <p:cNvSpPr txBox="1"/>
-          <p:nvPr/>
-        </p:nvSpPr>
-        <p:spPr>
-          <a:xfrm>
-            <a:off x="6520769" y="2485490"/>
-            <a:ext cx="1177244" cy="369332"/>
-          </a:xfrm>
-          <a:prstGeom prst="rect">
-            <a:avLst/>
-          </a:prstGeom>
-          <a:noFill/>
-        </p:spPr>
-        <p:txBody>
-          <a:bodyPr wrap="square" rtlCol="0">
-            <a:spAutoFit/>
-          </a:bodyPr>
-          <a:lstStyle/>
-          <a:p>
-            <a:pPr marL="0" marR="0" lvl="0" indent="0" algn="l" defTabSz="914400" rtl="0" eaLnBrk="1" fontAlgn="auto" latinLnBrk="0" hangingPunct="1">
-              <a:lnSpc>
-                <a:spcPct val="100000"/>
-              </a:lnSpc>
-              <a:spcBef>
-                <a:spcPts val="0"/>
-              </a:spcBef>
-              <a:spcAft>
-                <a:spcPts val="0"/>
-              </a:spcAft>
-              <a:buClrTx/>
-              <a:buSzTx/>
-              <a:buFontTx/>
-              <a:buNone/>
-              <a:tabLst/>
-              <a:defRPr/>
-            </a:pPr>
-            <a:r>
-              <a:rPr kumimoji="0" lang="en-US" sz="1800" b="0" i="0" u="none" strike="noStrike" kern="1200" cap="none" spc="0" normalizeH="0" baseline="0" noProof="0" dirty="0">
-                <a:ln>
-                  <a:noFill/>
-                </a:ln>
-                <a:solidFill>
-                  <a:prstClr val="white"/>
-                </a:solidFill>
-                <a:effectLst/>
-                <a:uLnTx/>
-                <a:uFillTx/>
-                <a:latin typeface="Open Sans" panose="020B0606030504020204" pitchFamily="34" charset="0"/>
-                <a:ea typeface="Open Sans" panose="020B0606030504020204" pitchFamily="34" charset="0"/>
-                <a:cs typeface="Open Sans" panose="020B0606030504020204" pitchFamily="34" charset="0"/>
-              </a:rPr>
-              <a:t>2021</a:t>
-            </a:r>
-          </a:p>
-        </p:txBody>
-      </p:sp>
     </p:spTree>
     <p:extLst>
       <p:ext uri="{BB962C8B-B14F-4D97-AF65-F5344CB8AC3E}">
@@ -5557,7 +9900,7 @@
         </p:nvSpPr>
         <p:spPr>
           <a:xfrm>
-            <a:off x="-1" y="0"/>
+            <a:off x="0" y="0"/>
             <a:ext cx="12192000" cy="6858000"/>
           </a:xfrm>
           <a:prstGeom prst="rect">
@@ -5565,15 +9908,15 @@
           </a:prstGeom>
           <a:gradFill flip="none" rotWithShape="1">
             <a:gsLst>
-              <a:gs pos="0">
+              <a:gs pos="6000">
                 <a:schemeClr val="accent1"/>
               </a:gs>
-              <a:gs pos="50000">
+              <a:gs pos="83000">
                 <a:schemeClr val="accent1">
                   <a:alpha val="80000"/>
                 </a:schemeClr>
               </a:gs>
-              <a:gs pos="33000">
+              <a:gs pos="40000">
                 <a:schemeClr val="accent1"/>
               </a:gs>
               <a:gs pos="100000">
@@ -5636,9 +9979,9 @@
               <a:effectLst/>
               <a:uLnTx/>
               <a:uFillTx/>
-              <a:latin typeface="Calibri" panose="020F0502020204030204"/>
-              <a:ea typeface="+mn-ea"/>
-              <a:cs typeface="+mn-cs"/>
+              <a:latin typeface="Open Sans" panose="020B0606030504020204" pitchFamily="34" charset="0"/>
+              <a:ea typeface="Open Sans" panose="020B0606030504020204" pitchFamily="34" charset="0"/>
+              <a:cs typeface="Open Sans" panose="020B0606030504020204" pitchFamily="34" charset="0"/>
             </a:endParaRPr>
           </a:p>
         </p:txBody>
@@ -6150,8 +10493,8 @@
           </a:stretch>
         </p:blipFill>
         <p:spPr>
-          <a:xfrm>
-            <a:off x="1706880" y="1647763"/>
+          <a:xfrm rot="19820580">
+            <a:off x="170230" y="958517"/>
             <a:ext cx="548640" cy="548640"/>
           </a:xfrm>
           <a:prstGeom prst="rect">
@@ -6159,6 +10502,170 @@
           </a:prstGeom>
         </p:spPr>
       </p:pic>
+      <p:sp>
+        <p:nvSpPr>
+          <p:cNvPr id="3" name="TextBox 2">
+            <a:extLst>
+              <a:ext uri="{FF2B5EF4-FFF2-40B4-BE49-F238E27FC236}">
+                <a16:creationId xmlns:a16="http://schemas.microsoft.com/office/drawing/2014/main" id="{7DF0419D-3E7D-47A5-B8A8-7E99BD1861A8}"/>
+              </a:ext>
+            </a:extLst>
+          </p:cNvPr>
+          <p:cNvSpPr txBox="1"/>
+          <p:nvPr/>
+        </p:nvSpPr>
+        <p:spPr>
+          <a:xfrm>
+            <a:off x="444550" y="1936736"/>
+            <a:ext cx="6046987" cy="2585323"/>
+          </a:xfrm>
+          <a:prstGeom prst="rect">
+            <a:avLst/>
+          </a:prstGeom>
+          <a:noFill/>
+        </p:spPr>
+        <p:txBody>
+          <a:bodyPr wrap="square" rtlCol="0">
+            <a:spAutoFit/>
+          </a:bodyPr>
+          <a:lstStyle/>
+          <a:p>
+            <a:pPr marL="285750" indent="-285750">
+              <a:buFont typeface="Courier New" panose="02070309020205020404" pitchFamily="49" charset="0"/>
+              <a:buChar char="o"/>
+            </a:pPr>
+            <a:r>
+              <a:rPr lang="en-US" dirty="0">
+                <a:solidFill>
+                  <a:schemeClr val="accent4"/>
+                </a:solidFill>
+                <a:latin typeface="Open Sans" panose="020B0606030504020204" pitchFamily="34" charset="0"/>
+                <a:ea typeface="Open Sans" panose="020B0606030504020204" pitchFamily="34" charset="0"/>
+                <a:cs typeface="Open Sans" panose="020B0606030504020204" pitchFamily="34" charset="0"/>
+              </a:rPr>
+              <a:t>More than 110.000 restaurants and bars closed, either temporarily or Permanently.</a:t>
+            </a:r>
+          </a:p>
+          <a:p>
+            <a:pPr marL="285750" indent="-285750">
+              <a:buFont typeface="Courier New" panose="02070309020205020404" pitchFamily="49" charset="0"/>
+              <a:buChar char="o"/>
+            </a:pPr>
+            <a:endParaRPr lang="en-US" dirty="0">
+              <a:solidFill>
+                <a:schemeClr val="accent4"/>
+              </a:solidFill>
+              <a:latin typeface="Open Sans" panose="020B0606030504020204" pitchFamily="34" charset="0"/>
+              <a:ea typeface="Open Sans" panose="020B0606030504020204" pitchFamily="34" charset="0"/>
+              <a:cs typeface="Open Sans" panose="020B0606030504020204" pitchFamily="34" charset="0"/>
+            </a:endParaRPr>
+          </a:p>
+          <a:p>
+            <a:pPr marL="285750" indent="-285750">
+              <a:buFont typeface="Courier New" panose="02070309020205020404" pitchFamily="49" charset="0"/>
+              <a:buChar char="o"/>
+            </a:pPr>
+            <a:r>
+              <a:rPr lang="en-US" dirty="0">
+                <a:solidFill>
+                  <a:schemeClr val="accent4"/>
+                </a:solidFill>
+                <a:latin typeface="Open Sans" panose="020B0606030504020204" pitchFamily="34" charset="0"/>
+                <a:ea typeface="Open Sans" panose="020B0606030504020204" pitchFamily="34" charset="0"/>
+                <a:cs typeface="Open Sans" panose="020B0606030504020204" pitchFamily="34" charset="0"/>
+              </a:rPr>
+              <a:t>2.5 Million jobs erased compared to pre-pandemic levels</a:t>
+            </a:r>
+          </a:p>
+          <a:p>
+            <a:pPr marL="285750" indent="-285750">
+              <a:buFont typeface="Courier New" panose="02070309020205020404" pitchFamily="49" charset="0"/>
+              <a:buChar char="o"/>
+            </a:pPr>
+            <a:endParaRPr lang="en-US" dirty="0">
+              <a:solidFill>
+                <a:schemeClr val="accent4"/>
+              </a:solidFill>
+              <a:latin typeface="Open Sans" panose="020B0606030504020204" pitchFamily="34" charset="0"/>
+              <a:ea typeface="Open Sans" panose="020B0606030504020204" pitchFamily="34" charset="0"/>
+              <a:cs typeface="Open Sans" panose="020B0606030504020204" pitchFamily="34" charset="0"/>
+            </a:endParaRPr>
+          </a:p>
+          <a:p>
+            <a:pPr marL="285750" indent="-285750">
+              <a:buFont typeface="Courier New" panose="02070309020205020404" pitchFamily="49" charset="0"/>
+              <a:buChar char="o"/>
+            </a:pPr>
+            <a:r>
+              <a:rPr lang="en-US" dirty="0">
+                <a:solidFill>
+                  <a:schemeClr val="accent4"/>
+                </a:solidFill>
+                <a:latin typeface="Open Sans" panose="020B0606030504020204" pitchFamily="34" charset="0"/>
+                <a:ea typeface="Open Sans" panose="020B0606030504020204" pitchFamily="34" charset="0"/>
+                <a:cs typeface="Open Sans" panose="020B0606030504020204" pitchFamily="34" charset="0"/>
+              </a:rPr>
+              <a:t>Foodservice industry sales in 2020 fell by $240 billion from an expected $899 billion.</a:t>
+            </a:r>
+          </a:p>
+          <a:p>
+            <a:pPr marL="742950" lvl="1" indent="-285750">
+              <a:buFont typeface="Courier New" panose="02070309020205020404" pitchFamily="49" charset="0"/>
+              <a:buChar char="o"/>
+            </a:pPr>
+            <a:endParaRPr lang="en-US" dirty="0">
+              <a:solidFill>
+                <a:schemeClr val="accent4"/>
+              </a:solidFill>
+              <a:latin typeface="Open Sans" panose="020B0606030504020204" pitchFamily="34" charset="0"/>
+              <a:ea typeface="Open Sans" panose="020B0606030504020204" pitchFamily="34" charset="0"/>
+              <a:cs typeface="Open Sans" panose="020B0606030504020204" pitchFamily="34" charset="0"/>
+            </a:endParaRPr>
+          </a:p>
+        </p:txBody>
+      </p:sp>
+      <p:sp>
+        <p:nvSpPr>
+          <p:cNvPr id="4" name="TextBox 3">
+            <a:extLst>
+              <a:ext uri="{FF2B5EF4-FFF2-40B4-BE49-F238E27FC236}">
+                <a16:creationId xmlns:a16="http://schemas.microsoft.com/office/drawing/2014/main" id="{4451D694-BD82-42A7-BA38-2CF317967D67}"/>
+              </a:ext>
+            </a:extLst>
+          </p:cNvPr>
+          <p:cNvSpPr txBox="1"/>
+          <p:nvPr/>
+        </p:nvSpPr>
+        <p:spPr>
+          <a:xfrm>
+            <a:off x="889101" y="1002004"/>
+            <a:ext cx="4199807" cy="461665"/>
+          </a:xfrm>
+          <a:prstGeom prst="rect">
+            <a:avLst/>
+          </a:prstGeom>
+          <a:noFill/>
+        </p:spPr>
+        <p:txBody>
+          <a:bodyPr wrap="square" rtlCol="0">
+            <a:spAutoFit/>
+          </a:bodyPr>
+          <a:lstStyle/>
+          <a:p>
+            <a:r>
+              <a:rPr lang="en-US" sz="2400" b="1" dirty="0">
+                <a:solidFill>
+                  <a:schemeClr val="accent4"/>
+                </a:solidFill>
+                <a:latin typeface="Open Sans" panose="020B0606030504020204" pitchFamily="34" charset="0"/>
+                <a:ea typeface="Open Sans" panose="020B0606030504020204" pitchFamily="34" charset="0"/>
+                <a:cs typeface="Open Sans" panose="020B0606030504020204" pitchFamily="34" charset="0"/>
+              </a:rPr>
+              <a:t>The State of the Industry </a:t>
+            </a:r>
+          </a:p>
+        </p:txBody>
+      </p:sp>
     </p:spTree>
     <p:extLst>
       <p:ext uri="{BB962C8B-B14F-4D97-AF65-F5344CB8AC3E}">
@@ -7020,142 +11527,42 @@
           </a:p>
         </p:txBody>
       </p:sp>
-      <p:pic>
-        <p:nvPicPr>
-          <p:cNvPr id="9" name="Graphic 8" descr="Fork and knife">
+      <p:graphicFrame>
+        <p:nvGraphicFramePr>
+          <p:cNvPr id="6" name="Chart 5">
             <a:extLst>
               <a:ext uri="{FF2B5EF4-FFF2-40B4-BE49-F238E27FC236}">
-                <a16:creationId xmlns:a16="http://schemas.microsoft.com/office/drawing/2014/main" id="{3649B673-3127-4D30-8B88-07159E0F8948}"/>
+                <a16:creationId xmlns:a16="http://schemas.microsoft.com/office/drawing/2014/main" id="{D9504F25-41CF-4926-9BBB-3EF37C426BB9}"/>
               </a:ext>
             </a:extLst>
           </p:cNvPr>
-          <p:cNvPicPr>
-            <a:picLocks noChangeAspect="1"/>
-          </p:cNvPicPr>
-          <p:nvPr/>
-        </p:nvPicPr>
-        <p:blipFill>
-          <a:blip r:embed="rId3" cstate="email">
-            <a:extLst>
-              <a:ext uri="{28A0092B-C50C-407E-A947-70E740481C1C}">
-                <a14:useLocalDpi xmlns:a14="http://schemas.microsoft.com/office/drawing/2010/main"/>
-              </a:ext>
-              <a:ext uri="{96DAC541-7B7A-43D3-8B79-37D633B846F1}">
-                <asvg:svgBlip xmlns:asvg="http://schemas.microsoft.com/office/drawing/2016/SVG/main" r:embed="rId4"/>
-              </a:ext>
-            </a:extLst>
-          </a:blip>
-          <a:stretch>
-            <a:fillRect/>
-          </a:stretch>
-        </p:blipFill>
-        <p:spPr>
-          <a:xfrm>
-            <a:off x="11615053" y="6354364"/>
-            <a:ext cx="457200" cy="457200"/>
-          </a:xfrm>
-          <a:prstGeom prst="rect">
-            <a:avLst/>
-          </a:prstGeom>
-        </p:spPr>
-      </p:pic>
-      <p:pic>
-        <p:nvPicPr>
-          <p:cNvPr id="2" name="Picture 1" descr="E:\websites\free-power-point-templates\2012\logos.png">
+          <p:cNvGraphicFramePr>
+            <a:graphicFrameLocks/>
+          </p:cNvGraphicFramePr>
+          <p:nvPr>
+            <p:extLst>
+              <p:ext uri="{D42A27DB-BD31-4B8C-83A1-F6EECF244321}">
+                <p14:modId xmlns:p14="http://schemas.microsoft.com/office/powerpoint/2010/main" val="901795657"/>
+              </p:ext>
+            </p:extLst>
+          </p:nvPr>
+        </p:nvGraphicFramePr>
+        <p:xfrm>
+          <a:off x="80908" y="99641"/>
+          <a:ext cx="11709798" cy="6265300"/>
+        </p:xfrm>
+        <a:graphic>
+          <a:graphicData uri="http://schemas.openxmlformats.org/drawingml/2006/chart">
+            <c:chart xmlns:c="http://schemas.openxmlformats.org/drawingml/2006/chart" xmlns:r="http://schemas.openxmlformats.org/officeDocument/2006/relationships" r:id="rId3"/>
+          </a:graphicData>
+        </a:graphic>
+      </p:graphicFrame>
+      <p:grpSp>
+        <p:nvGrpSpPr>
+          <p:cNvPr id="7" name="Group 6">
             <a:extLst>
               <a:ext uri="{FF2B5EF4-FFF2-40B4-BE49-F238E27FC236}">
-                <a16:creationId xmlns:a16="http://schemas.microsoft.com/office/drawing/2014/main" id="{B0FD2E76-EC6B-42CA-8CFA-D861EAA4D5E2}"/>
-              </a:ext>
-            </a:extLst>
-          </p:cNvPr>
-          <p:cNvPicPr>
-            <a:picLocks noChangeAspect="1" noChangeArrowheads="1"/>
-          </p:cNvPicPr>
-          <p:nvPr/>
-        </p:nvPicPr>
-        <p:blipFill>
-          <a:blip r:embed="rId5" cstate="email">
-            <a:extLst>
-              <a:ext uri="{28A0092B-C50C-407E-A947-70E740481C1C}">
-                <a14:useLocalDpi xmlns:a14="http://schemas.microsoft.com/office/drawing/2010/main"/>
-              </a:ext>
-            </a:extLst>
-          </a:blip>
-          <a:stretch>
-            <a:fillRect/>
-          </a:stretch>
-        </p:blipFill>
-        <p:spPr bwMode="auto">
-          <a:xfrm>
-            <a:off x="10691221" y="6459699"/>
-            <a:ext cx="804085" cy="289470"/>
-          </a:xfrm>
-          <a:prstGeom prst="rect">
-            <a:avLst/>
-          </a:prstGeom>
-          <a:noFill/>
-          <a:ln>
-            <a:noFill/>
-          </a:ln>
-          <a:extLst>
-            <a:ext uri="{909E8E84-426E-40dd-AFC4-6F175D3DCCD1}">
-              <a14:hiddenFill xmlns="" xmlns:a14="http://schemas.microsoft.com/office/drawing/2010/main">
-                <a:solidFill>
-                  <a:srgbClr val="FFFFFF"/>
-                </a:solidFill>
-              </a14:hiddenFill>
-            </a:ext>
-          </a:extLst>
-        </p:spPr>
-      </p:pic>
-    </p:spTree>
-    <p:extLst>
-      <p:ext uri="{BB962C8B-B14F-4D97-AF65-F5344CB8AC3E}">
-        <p14:creationId xmlns:p14="http://schemas.microsoft.com/office/powerpoint/2010/main" val="1927227926"/>
-      </p:ext>
-    </p:extLst>
-  </p:cSld>
-  <p:clrMapOvr>
-    <a:masterClrMapping/>
-  </p:clrMapOvr>
-  <mc:AlternateContent xmlns:mc="http://schemas.openxmlformats.org/markup-compatibility/2006" xmlns:p159="http://schemas.microsoft.com/office/powerpoint/2015/09/main">
-    <mc:Choice Requires="p159">
-      <p:transition xmlns:p14="http://schemas.microsoft.com/office/powerpoint/2010/main" spd="slow" p14:dur="2000">
-        <p159:morph option="byObject"/>
-      </p:transition>
-    </mc:Choice>
-    <mc:Fallback xmlns="">
-      <p:transition spd="slow">
-        <p:fade/>
-      </p:transition>
-    </mc:Fallback>
-  </mc:AlternateContent>
-</p:sld>
-</file>
-
-<file path=ppt/slides/slide5.xml><?xml version="1.0" encoding="utf-8"?>
-<p:sld xmlns:a="http://schemas.openxmlformats.org/drawingml/2006/main" xmlns:r="http://schemas.openxmlformats.org/officeDocument/2006/relationships" xmlns:p="http://schemas.openxmlformats.org/presentationml/2006/main">
-  <p:cSld>
-    <p:spTree>
-      <p:nvGrpSpPr>
-        <p:cNvPr id="1" name=""/>
-        <p:cNvGrpSpPr/>
-        <p:nvPr/>
-      </p:nvGrpSpPr>
-      <p:grpSpPr>
-        <a:xfrm>
-          <a:off x="0" y="0"/>
-          <a:ext cx="0" cy="0"/>
-          <a:chOff x="0" y="0"/>
-          <a:chExt cx="0" cy="0"/>
-        </a:xfrm>
-      </p:grpSpPr>
-      <p:grpSp>
-        <p:nvGrpSpPr>
-          <p:cNvPr id="141" name="Group 140">
-            <a:extLst>
-              <a:ext uri="{FF2B5EF4-FFF2-40B4-BE49-F238E27FC236}">
-                <a16:creationId xmlns:a16="http://schemas.microsoft.com/office/drawing/2014/main" id="{38DC59C1-B8CE-44B2-A714-D67DBA18C6CA}"/>
+                <a16:creationId xmlns:a16="http://schemas.microsoft.com/office/drawing/2014/main" id="{EAB92E98-5E96-415F-B8E0-C8B27D19F338}"/>
               </a:ext>
             </a:extLst>
           </p:cNvPr>
@@ -7172,10 +11579,10 @@
         </p:grpSpPr>
         <p:sp>
           <p:nvSpPr>
-            <p:cNvPr id="142" name="Rectangle 141">
+            <p:cNvPr id="8" name="Rectangle 7">
               <a:extLst>
                 <a:ext uri="{FF2B5EF4-FFF2-40B4-BE49-F238E27FC236}">
-                  <a16:creationId xmlns:a16="http://schemas.microsoft.com/office/drawing/2014/main" id="{D5B86724-AF25-4942-9AE6-77FE780A174D}"/>
+                  <a16:creationId xmlns:a16="http://schemas.microsoft.com/office/drawing/2014/main" id="{0226232B-2CA4-46AC-B134-296545D2CB2C}"/>
                 </a:ext>
               </a:extLst>
             </p:cNvPr>
@@ -7253,10 +11660,10 @@
         </p:sp>
         <p:sp>
           <p:nvSpPr>
-            <p:cNvPr id="143" name="Isosceles Triangle 24">
+            <p:cNvPr id="10" name="Isosceles Triangle 24">
               <a:extLst>
                 <a:ext uri="{FF2B5EF4-FFF2-40B4-BE49-F238E27FC236}">
-                  <a16:creationId xmlns:a16="http://schemas.microsoft.com/office/drawing/2014/main" id="{CB271765-881B-4A33-B828-52B7D5321F55}"/>
+                  <a16:creationId xmlns:a16="http://schemas.microsoft.com/office/drawing/2014/main" id="{E35DBB00-CC4F-44F5-8C35-8BAF41A44AA2}"/>
                 </a:ext>
               </a:extLst>
             </p:cNvPr>
@@ -7589,10 +11996,10 @@
         </p:sp>
         <p:pic>
           <p:nvPicPr>
-            <p:cNvPr id="144" name="Graphic 143" descr="Fork and knife">
+            <p:cNvPr id="11" name="Graphic 10" descr="Fork and knife">
               <a:extLst>
                 <a:ext uri="{FF2B5EF4-FFF2-40B4-BE49-F238E27FC236}">
-                  <a16:creationId xmlns:a16="http://schemas.microsoft.com/office/drawing/2014/main" id="{3D901E65-21A9-4A49-BC7E-6121E2737D22}"/>
+                  <a16:creationId xmlns:a16="http://schemas.microsoft.com/office/drawing/2014/main" id="{2C01BC3D-EC84-4204-AE87-FBB35D8E33CB}"/>
                 </a:ext>
               </a:extLst>
             </p:cNvPr>
@@ -7602,13 +12009,13 @@
             <p:nvPr/>
           </p:nvPicPr>
           <p:blipFill>
-            <a:blip r:embed="rId3" cstate="email">
+            <a:blip r:embed="rId4" cstate="email">
               <a:extLst>
                 <a:ext uri="{28A0092B-C50C-407E-A947-70E740481C1C}">
                   <a14:useLocalDpi xmlns:a14="http://schemas.microsoft.com/office/drawing/2010/main"/>
                 </a:ext>
                 <a:ext uri="{96DAC541-7B7A-43D3-8B79-37D633B846F1}">
-                  <asvg:svgBlip xmlns:asvg="http://schemas.microsoft.com/office/drawing/2016/SVG/main" r:embed="rId4"/>
+                  <asvg:svgBlip xmlns:asvg="http://schemas.microsoft.com/office/drawing/2016/SVG/main" r:embed="rId5"/>
                 </a:ext>
               </a:extLst>
             </a:blip>
@@ -7627,6 +12034,78 @@
           </p:spPr>
         </p:pic>
       </p:grpSp>
+    </p:spTree>
+    <p:extLst>
+      <p:ext uri="{BB962C8B-B14F-4D97-AF65-F5344CB8AC3E}">
+        <p14:creationId xmlns:p14="http://schemas.microsoft.com/office/powerpoint/2010/main" val="1927227926"/>
+      </p:ext>
+    </p:extLst>
+  </p:cSld>
+  <p:clrMapOvr>
+    <a:masterClrMapping/>
+  </p:clrMapOvr>
+  <mc:AlternateContent xmlns:mc="http://schemas.openxmlformats.org/markup-compatibility/2006" xmlns:p159="http://schemas.microsoft.com/office/powerpoint/2015/09/main">
+    <mc:Choice Requires="p159">
+      <p:transition xmlns:p14="http://schemas.microsoft.com/office/powerpoint/2010/main" spd="slow" p14:dur="2000">
+        <p159:morph option="byObject"/>
+      </p:transition>
+    </mc:Choice>
+    <mc:Fallback xmlns="">
+      <p:transition spd="slow">
+        <p:fade/>
+      </p:transition>
+    </mc:Fallback>
+  </mc:AlternateContent>
+</p:sld>
+</file>
+
+<file path=ppt/slides/slide5.xml><?xml version="1.0" encoding="utf-8"?>
+<p:sld xmlns:a="http://schemas.openxmlformats.org/drawingml/2006/main" xmlns:r="http://schemas.openxmlformats.org/officeDocument/2006/relationships" xmlns:p="http://schemas.openxmlformats.org/presentationml/2006/main">
+  <p:cSld>
+    <p:spTree>
+      <p:nvGrpSpPr>
+        <p:cNvPr id="1" name=""/>
+        <p:cNvGrpSpPr/>
+        <p:nvPr/>
+      </p:nvGrpSpPr>
+      <p:grpSpPr>
+        <a:xfrm>
+          <a:off x="0" y="0"/>
+          <a:ext cx="0" cy="0"/>
+          <a:chOff x="0" y="0"/>
+          <a:chExt cx="0" cy="0"/>
+        </a:xfrm>
+      </p:grpSpPr>
+      <p:graphicFrame>
+        <p:nvGraphicFramePr>
+          <p:cNvPr id="7" name="Chart 6">
+            <a:extLst>
+              <a:ext uri="{FF2B5EF4-FFF2-40B4-BE49-F238E27FC236}">
+                <a16:creationId xmlns:a16="http://schemas.microsoft.com/office/drawing/2014/main" id="{3DE95FC3-08AC-40CF-A6A4-4E5EBE8352D1}"/>
+              </a:ext>
+            </a:extLst>
+          </p:cNvPr>
+          <p:cNvGraphicFramePr>
+            <a:graphicFrameLocks/>
+          </p:cNvGraphicFramePr>
+          <p:nvPr>
+            <p:extLst>
+              <p:ext uri="{D42A27DB-BD31-4B8C-83A1-F6EECF244321}">
+                <p14:modId xmlns:p14="http://schemas.microsoft.com/office/powerpoint/2010/main" val="4018133759"/>
+              </p:ext>
+            </p:extLst>
+          </p:nvPr>
+        </p:nvGraphicFramePr>
+        <p:xfrm>
+          <a:off x="0" y="0"/>
+          <a:ext cx="12192000" cy="6858000"/>
+        </p:xfrm>
+        <a:graphic>
+          <a:graphicData uri="http://schemas.openxmlformats.org/drawingml/2006/chart">
+            <c:chart xmlns:c="http://schemas.openxmlformats.org/drawingml/2006/chart" xmlns:r="http://schemas.openxmlformats.org/officeDocument/2006/relationships" r:id="rId3"/>
+          </a:graphicData>
+        </a:graphic>
+      </p:graphicFrame>
     </p:spTree>
     <p:extLst>
       <p:ext uri="{BB962C8B-B14F-4D97-AF65-F5344CB8AC3E}">
@@ -9262,7 +13741,7 @@
           </a:ln>
           <a:extLst>
             <a:ext uri="{909E8E84-426E-40dd-AFC4-6F175D3DCCD1}">
-              <a14:hiddenFill xmlns:a14="http://schemas.microsoft.com/office/drawing/2010/main" xmlns="">
+              <a14:hiddenFill xmlns="" xmlns:a14="http://schemas.microsoft.com/office/drawing/2010/main">
                 <a:solidFill>
                   <a:srgbClr val="FFFFFF"/>
                 </a:solidFill>
@@ -9830,7 +14309,7 @@
           </a:ln>
           <a:extLst>
             <a:ext uri="{909E8E84-426E-40dd-AFC4-6F175D3DCCD1}">
-              <a14:hiddenFill xmlns:a14="http://schemas.microsoft.com/office/drawing/2010/main" xmlns="">
+              <a14:hiddenFill xmlns="" xmlns:a14="http://schemas.microsoft.com/office/drawing/2010/main">
                 <a:solidFill>
                   <a:srgbClr val="FFFFFF"/>
                 </a:solidFill>
@@ -10398,7 +14877,7 @@
           </a:ln>
           <a:extLst>
             <a:ext uri="{909E8E84-426E-40dd-AFC4-6F175D3DCCD1}">
-              <a14:hiddenFill xmlns:a14="http://schemas.microsoft.com/office/drawing/2010/main" xmlns="">
+              <a14:hiddenFill xmlns="" xmlns:a14="http://schemas.microsoft.com/office/drawing/2010/main">
                 <a:solidFill>
                   <a:srgbClr val="FFFFFF"/>
                 </a:solidFill>
@@ -11020,4 +15499,576 @@
     </a:ext>
   </a:extLst>
 </a:theme>
+</file>
+
+<file path=ppt/theme/themeOverride1.xml><?xml version="1.0" encoding="utf-8"?>
+<a:themeOverride xmlns:a="http://schemas.openxmlformats.org/drawingml/2006/main">
+  <a:clrScheme name="Office">
+    <a:dk1>
+      <a:sysClr val="windowText" lastClr="000000"/>
+    </a:dk1>
+    <a:lt1>
+      <a:sysClr val="window" lastClr="FFFFFF"/>
+    </a:lt1>
+    <a:dk2>
+      <a:srgbClr val="44546A"/>
+    </a:dk2>
+    <a:lt2>
+      <a:srgbClr val="E7E6E6"/>
+    </a:lt2>
+    <a:accent1>
+      <a:srgbClr val="4472C4"/>
+    </a:accent1>
+    <a:accent2>
+      <a:srgbClr val="ED7D31"/>
+    </a:accent2>
+    <a:accent3>
+      <a:srgbClr val="A5A5A5"/>
+    </a:accent3>
+    <a:accent4>
+      <a:srgbClr val="FFC000"/>
+    </a:accent4>
+    <a:accent5>
+      <a:srgbClr val="5B9BD5"/>
+    </a:accent5>
+    <a:accent6>
+      <a:srgbClr val="70AD47"/>
+    </a:accent6>
+    <a:hlink>
+      <a:srgbClr val="0563C1"/>
+    </a:hlink>
+    <a:folHlink>
+      <a:srgbClr val="954F72"/>
+    </a:folHlink>
+  </a:clrScheme>
+  <a:fontScheme name="Office">
+    <a:majorFont>
+      <a:latin typeface="Calibri Light" panose="020F0302020204030204"/>
+      <a:ea typeface=""/>
+      <a:cs typeface=""/>
+      <a:font script="Jpan" typeface="游ゴシック Light"/>
+      <a:font script="Hang" typeface="맑은 고딕"/>
+      <a:font script="Hans" typeface="等线 Light"/>
+      <a:font script="Hant" typeface="新細明體"/>
+      <a:font script="Arab" typeface="Times New Roman"/>
+      <a:font script="Hebr" typeface="Times New Roman"/>
+      <a:font script="Thai" typeface="Tahoma"/>
+      <a:font script="Ethi" typeface="Nyala"/>
+      <a:font script="Beng" typeface="Vrinda"/>
+      <a:font script="Gujr" typeface="Shruti"/>
+      <a:font script="Khmr" typeface="MoolBoran"/>
+      <a:font script="Knda" typeface="Tunga"/>
+      <a:font script="Guru" typeface="Raavi"/>
+      <a:font script="Cans" typeface="Euphemia"/>
+      <a:font script="Cher" typeface="Plantagenet Cherokee"/>
+      <a:font script="Yiii" typeface="Microsoft Yi Baiti"/>
+      <a:font script="Tibt" typeface="Microsoft Himalaya"/>
+      <a:font script="Thaa" typeface="MV Boli"/>
+      <a:font script="Deva" typeface="Mangal"/>
+      <a:font script="Telu" typeface="Gautami"/>
+      <a:font script="Taml" typeface="Latha"/>
+      <a:font script="Syrc" typeface="Estrangelo Edessa"/>
+      <a:font script="Orya" typeface="Kalinga"/>
+      <a:font script="Mlym" typeface="Kartika"/>
+      <a:font script="Laoo" typeface="DokChampa"/>
+      <a:font script="Sinh" typeface="Iskoola Pota"/>
+      <a:font script="Mong" typeface="Mongolian Baiti"/>
+      <a:font script="Viet" typeface="Times New Roman"/>
+      <a:font script="Uigh" typeface="Microsoft Uighur"/>
+      <a:font script="Geor" typeface="Sylfaen"/>
+      <a:font script="Armn" typeface="Arial"/>
+      <a:font script="Bugi" typeface="Leelawadee UI"/>
+      <a:font script="Bopo" typeface="Microsoft JhengHei"/>
+      <a:font script="Java" typeface="Javanese Text"/>
+      <a:font script="Lisu" typeface="Segoe UI"/>
+      <a:font script="Mymr" typeface="Myanmar Text"/>
+      <a:font script="Nkoo" typeface="Ebrima"/>
+      <a:font script="Olck" typeface="Nirmala UI"/>
+      <a:font script="Osma" typeface="Ebrima"/>
+      <a:font script="Phag" typeface="Phagspa"/>
+      <a:font script="Syrn" typeface="Estrangelo Edessa"/>
+      <a:font script="Syrj" typeface="Estrangelo Edessa"/>
+      <a:font script="Syre" typeface="Estrangelo Edessa"/>
+      <a:font script="Sora" typeface="Nirmala UI"/>
+      <a:font script="Tale" typeface="Microsoft Tai Le"/>
+      <a:font script="Talu" typeface="Microsoft New Tai Lue"/>
+      <a:font script="Tfng" typeface="Ebrima"/>
+    </a:majorFont>
+    <a:minorFont>
+      <a:latin typeface="Calibri" panose="020F0502020204030204"/>
+      <a:ea typeface=""/>
+      <a:cs typeface=""/>
+      <a:font script="Jpan" typeface="游ゴシック"/>
+      <a:font script="Hang" typeface="맑은 고딕"/>
+      <a:font script="Hans" typeface="等线"/>
+      <a:font script="Hant" typeface="新細明體"/>
+      <a:font script="Arab" typeface="Arial"/>
+      <a:font script="Hebr" typeface="Arial"/>
+      <a:font script="Thai" typeface="Tahoma"/>
+      <a:font script="Ethi" typeface="Nyala"/>
+      <a:font script="Beng" typeface="Vrinda"/>
+      <a:font script="Gujr" typeface="Shruti"/>
+      <a:font script="Khmr" typeface="DaunPenh"/>
+      <a:font script="Knda" typeface="Tunga"/>
+      <a:font script="Guru" typeface="Raavi"/>
+      <a:font script="Cans" typeface="Euphemia"/>
+      <a:font script="Cher" typeface="Plantagenet Cherokee"/>
+      <a:font script="Yiii" typeface="Microsoft Yi Baiti"/>
+      <a:font script="Tibt" typeface="Microsoft Himalaya"/>
+      <a:font script="Thaa" typeface="MV Boli"/>
+      <a:font script="Deva" typeface="Mangal"/>
+      <a:font script="Telu" typeface="Gautami"/>
+      <a:font script="Taml" typeface="Latha"/>
+      <a:font script="Syrc" typeface="Estrangelo Edessa"/>
+      <a:font script="Orya" typeface="Kalinga"/>
+      <a:font script="Mlym" typeface="Kartika"/>
+      <a:font script="Laoo" typeface="DokChampa"/>
+      <a:font script="Sinh" typeface="Iskoola Pota"/>
+      <a:font script="Mong" typeface="Mongolian Baiti"/>
+      <a:font script="Viet" typeface="Arial"/>
+      <a:font script="Uigh" typeface="Microsoft Uighur"/>
+      <a:font script="Geor" typeface="Sylfaen"/>
+      <a:font script="Armn" typeface="Arial"/>
+      <a:font script="Bugi" typeface="Leelawadee UI"/>
+      <a:font script="Bopo" typeface="Microsoft JhengHei"/>
+      <a:font script="Java" typeface="Javanese Text"/>
+      <a:font script="Lisu" typeface="Segoe UI"/>
+      <a:font script="Mymr" typeface="Myanmar Text"/>
+      <a:font script="Nkoo" typeface="Ebrima"/>
+      <a:font script="Olck" typeface="Nirmala UI"/>
+      <a:font script="Osma" typeface="Ebrima"/>
+      <a:font script="Phag" typeface="Phagspa"/>
+      <a:font script="Syrn" typeface="Estrangelo Edessa"/>
+      <a:font script="Syrj" typeface="Estrangelo Edessa"/>
+      <a:font script="Syre" typeface="Estrangelo Edessa"/>
+      <a:font script="Sora" typeface="Nirmala UI"/>
+      <a:font script="Tale" typeface="Microsoft Tai Le"/>
+      <a:font script="Talu" typeface="Microsoft New Tai Lue"/>
+      <a:font script="Tfng" typeface="Ebrima"/>
+    </a:minorFont>
+  </a:fontScheme>
+  <a:fmtScheme name="Office">
+    <a:fillStyleLst>
+      <a:solidFill>
+        <a:schemeClr val="phClr"/>
+      </a:solidFill>
+      <a:gradFill rotWithShape="1">
+        <a:gsLst>
+          <a:gs pos="0">
+            <a:schemeClr val="phClr">
+              <a:lumMod val="110000"/>
+              <a:satMod val="105000"/>
+              <a:tint val="67000"/>
+            </a:schemeClr>
+          </a:gs>
+          <a:gs pos="50000">
+            <a:schemeClr val="phClr">
+              <a:lumMod val="105000"/>
+              <a:satMod val="103000"/>
+              <a:tint val="73000"/>
+            </a:schemeClr>
+          </a:gs>
+          <a:gs pos="100000">
+            <a:schemeClr val="phClr">
+              <a:lumMod val="105000"/>
+              <a:satMod val="109000"/>
+              <a:tint val="81000"/>
+            </a:schemeClr>
+          </a:gs>
+        </a:gsLst>
+        <a:lin ang="5400000" scaled="0"/>
+      </a:gradFill>
+      <a:gradFill rotWithShape="1">
+        <a:gsLst>
+          <a:gs pos="0">
+            <a:schemeClr val="phClr">
+              <a:satMod val="103000"/>
+              <a:lumMod val="102000"/>
+              <a:tint val="94000"/>
+            </a:schemeClr>
+          </a:gs>
+          <a:gs pos="50000">
+            <a:schemeClr val="phClr">
+              <a:satMod val="110000"/>
+              <a:lumMod val="100000"/>
+              <a:shade val="100000"/>
+            </a:schemeClr>
+          </a:gs>
+          <a:gs pos="100000">
+            <a:schemeClr val="phClr">
+              <a:lumMod val="99000"/>
+              <a:satMod val="120000"/>
+              <a:shade val="78000"/>
+            </a:schemeClr>
+          </a:gs>
+        </a:gsLst>
+        <a:lin ang="5400000" scaled="0"/>
+      </a:gradFill>
+    </a:fillStyleLst>
+    <a:lnStyleLst>
+      <a:ln w="6350" cap="flat" cmpd="sng" algn="ctr">
+        <a:solidFill>
+          <a:schemeClr val="phClr"/>
+        </a:solidFill>
+        <a:prstDash val="solid"/>
+        <a:miter lim="800000"/>
+      </a:ln>
+      <a:ln w="12700" cap="flat" cmpd="sng" algn="ctr">
+        <a:solidFill>
+          <a:schemeClr val="phClr"/>
+        </a:solidFill>
+        <a:prstDash val="solid"/>
+        <a:miter lim="800000"/>
+      </a:ln>
+      <a:ln w="19050" cap="flat" cmpd="sng" algn="ctr">
+        <a:solidFill>
+          <a:schemeClr val="phClr"/>
+        </a:solidFill>
+        <a:prstDash val="solid"/>
+        <a:miter lim="800000"/>
+      </a:ln>
+    </a:lnStyleLst>
+    <a:effectStyleLst>
+      <a:effectStyle>
+        <a:effectLst/>
+      </a:effectStyle>
+      <a:effectStyle>
+        <a:effectLst/>
+      </a:effectStyle>
+      <a:effectStyle>
+        <a:effectLst>
+          <a:outerShdw blurRad="57150" dist="19050" dir="5400000" algn="ctr" rotWithShape="0">
+            <a:srgbClr val="000000">
+              <a:alpha val="63000"/>
+            </a:srgbClr>
+          </a:outerShdw>
+        </a:effectLst>
+      </a:effectStyle>
+    </a:effectStyleLst>
+    <a:bgFillStyleLst>
+      <a:solidFill>
+        <a:schemeClr val="phClr"/>
+      </a:solidFill>
+      <a:solidFill>
+        <a:schemeClr val="phClr">
+          <a:tint val="95000"/>
+          <a:satMod val="170000"/>
+        </a:schemeClr>
+      </a:solidFill>
+      <a:gradFill rotWithShape="1">
+        <a:gsLst>
+          <a:gs pos="0">
+            <a:schemeClr val="phClr">
+              <a:tint val="93000"/>
+              <a:satMod val="150000"/>
+              <a:shade val="98000"/>
+              <a:lumMod val="102000"/>
+            </a:schemeClr>
+          </a:gs>
+          <a:gs pos="50000">
+            <a:schemeClr val="phClr">
+              <a:tint val="98000"/>
+              <a:satMod val="130000"/>
+              <a:shade val="90000"/>
+              <a:lumMod val="103000"/>
+            </a:schemeClr>
+          </a:gs>
+          <a:gs pos="100000">
+            <a:schemeClr val="phClr">
+              <a:shade val="63000"/>
+              <a:satMod val="120000"/>
+            </a:schemeClr>
+          </a:gs>
+        </a:gsLst>
+        <a:lin ang="5400000" scaled="0"/>
+      </a:gradFill>
+    </a:bgFillStyleLst>
+  </a:fmtScheme>
+</a:themeOverride>
+</file>
+
+<file path=ppt/theme/themeOverride2.xml><?xml version="1.0" encoding="utf-8"?>
+<a:themeOverride xmlns:a="http://schemas.openxmlformats.org/drawingml/2006/main">
+  <a:clrScheme name="Office">
+    <a:dk1>
+      <a:sysClr val="windowText" lastClr="000000"/>
+    </a:dk1>
+    <a:lt1>
+      <a:sysClr val="window" lastClr="FFFFFF"/>
+    </a:lt1>
+    <a:dk2>
+      <a:srgbClr val="44546A"/>
+    </a:dk2>
+    <a:lt2>
+      <a:srgbClr val="E7E6E6"/>
+    </a:lt2>
+    <a:accent1>
+      <a:srgbClr val="4472C4"/>
+    </a:accent1>
+    <a:accent2>
+      <a:srgbClr val="ED7D31"/>
+    </a:accent2>
+    <a:accent3>
+      <a:srgbClr val="A5A5A5"/>
+    </a:accent3>
+    <a:accent4>
+      <a:srgbClr val="FFC000"/>
+    </a:accent4>
+    <a:accent5>
+      <a:srgbClr val="5B9BD5"/>
+    </a:accent5>
+    <a:accent6>
+      <a:srgbClr val="70AD47"/>
+    </a:accent6>
+    <a:hlink>
+      <a:srgbClr val="0563C1"/>
+    </a:hlink>
+    <a:folHlink>
+      <a:srgbClr val="954F72"/>
+    </a:folHlink>
+  </a:clrScheme>
+  <a:fontScheme name="Office">
+    <a:majorFont>
+      <a:latin typeface="Calibri Light" panose="020F0302020204030204"/>
+      <a:ea typeface=""/>
+      <a:cs typeface=""/>
+      <a:font script="Jpan" typeface="游ゴシック Light"/>
+      <a:font script="Hang" typeface="맑은 고딕"/>
+      <a:font script="Hans" typeface="等线 Light"/>
+      <a:font script="Hant" typeface="新細明體"/>
+      <a:font script="Arab" typeface="Times New Roman"/>
+      <a:font script="Hebr" typeface="Times New Roman"/>
+      <a:font script="Thai" typeface="Tahoma"/>
+      <a:font script="Ethi" typeface="Nyala"/>
+      <a:font script="Beng" typeface="Vrinda"/>
+      <a:font script="Gujr" typeface="Shruti"/>
+      <a:font script="Khmr" typeface="MoolBoran"/>
+      <a:font script="Knda" typeface="Tunga"/>
+      <a:font script="Guru" typeface="Raavi"/>
+      <a:font script="Cans" typeface="Euphemia"/>
+      <a:font script="Cher" typeface="Plantagenet Cherokee"/>
+      <a:font script="Yiii" typeface="Microsoft Yi Baiti"/>
+      <a:font script="Tibt" typeface="Microsoft Himalaya"/>
+      <a:font script="Thaa" typeface="MV Boli"/>
+      <a:font script="Deva" typeface="Mangal"/>
+      <a:font script="Telu" typeface="Gautami"/>
+      <a:font script="Taml" typeface="Latha"/>
+      <a:font script="Syrc" typeface="Estrangelo Edessa"/>
+      <a:font script="Orya" typeface="Kalinga"/>
+      <a:font script="Mlym" typeface="Kartika"/>
+      <a:font script="Laoo" typeface="DokChampa"/>
+      <a:font script="Sinh" typeface="Iskoola Pota"/>
+      <a:font script="Mong" typeface="Mongolian Baiti"/>
+      <a:font script="Viet" typeface="Times New Roman"/>
+      <a:font script="Uigh" typeface="Microsoft Uighur"/>
+      <a:font script="Geor" typeface="Sylfaen"/>
+      <a:font script="Armn" typeface="Arial"/>
+      <a:font script="Bugi" typeface="Leelawadee UI"/>
+      <a:font script="Bopo" typeface="Microsoft JhengHei"/>
+      <a:font script="Java" typeface="Javanese Text"/>
+      <a:font script="Lisu" typeface="Segoe UI"/>
+      <a:font script="Mymr" typeface="Myanmar Text"/>
+      <a:font script="Nkoo" typeface="Ebrima"/>
+      <a:font script="Olck" typeface="Nirmala UI"/>
+      <a:font script="Osma" typeface="Ebrima"/>
+      <a:font script="Phag" typeface="Phagspa"/>
+      <a:font script="Syrn" typeface="Estrangelo Edessa"/>
+      <a:font script="Syrj" typeface="Estrangelo Edessa"/>
+      <a:font script="Syre" typeface="Estrangelo Edessa"/>
+      <a:font script="Sora" typeface="Nirmala UI"/>
+      <a:font script="Tale" typeface="Microsoft Tai Le"/>
+      <a:font script="Talu" typeface="Microsoft New Tai Lue"/>
+      <a:font script="Tfng" typeface="Ebrima"/>
+    </a:majorFont>
+    <a:minorFont>
+      <a:latin typeface="Calibri" panose="020F0502020204030204"/>
+      <a:ea typeface=""/>
+      <a:cs typeface=""/>
+      <a:font script="Jpan" typeface="游ゴシック"/>
+      <a:font script="Hang" typeface="맑은 고딕"/>
+      <a:font script="Hans" typeface="等线"/>
+      <a:font script="Hant" typeface="新細明體"/>
+      <a:font script="Arab" typeface="Arial"/>
+      <a:font script="Hebr" typeface="Arial"/>
+      <a:font script="Thai" typeface="Tahoma"/>
+      <a:font script="Ethi" typeface="Nyala"/>
+      <a:font script="Beng" typeface="Vrinda"/>
+      <a:font script="Gujr" typeface="Shruti"/>
+      <a:font script="Khmr" typeface="DaunPenh"/>
+      <a:font script="Knda" typeface="Tunga"/>
+      <a:font script="Guru" typeface="Raavi"/>
+      <a:font script="Cans" typeface="Euphemia"/>
+      <a:font script="Cher" typeface="Plantagenet Cherokee"/>
+      <a:font script="Yiii" typeface="Microsoft Yi Baiti"/>
+      <a:font script="Tibt" typeface="Microsoft Himalaya"/>
+      <a:font script="Thaa" typeface="MV Boli"/>
+      <a:font script="Deva" typeface="Mangal"/>
+      <a:font script="Telu" typeface="Gautami"/>
+      <a:font script="Taml" typeface="Latha"/>
+      <a:font script="Syrc" typeface="Estrangelo Edessa"/>
+      <a:font script="Orya" typeface="Kalinga"/>
+      <a:font script="Mlym" typeface="Kartika"/>
+      <a:font script="Laoo" typeface="DokChampa"/>
+      <a:font script="Sinh" typeface="Iskoola Pota"/>
+      <a:font script="Mong" typeface="Mongolian Baiti"/>
+      <a:font script="Viet" typeface="Arial"/>
+      <a:font script="Uigh" typeface="Microsoft Uighur"/>
+      <a:font script="Geor" typeface="Sylfaen"/>
+      <a:font script="Armn" typeface="Arial"/>
+      <a:font script="Bugi" typeface="Leelawadee UI"/>
+      <a:font script="Bopo" typeface="Microsoft JhengHei"/>
+      <a:font script="Java" typeface="Javanese Text"/>
+      <a:font script="Lisu" typeface="Segoe UI"/>
+      <a:font script="Mymr" typeface="Myanmar Text"/>
+      <a:font script="Nkoo" typeface="Ebrima"/>
+      <a:font script="Olck" typeface="Nirmala UI"/>
+      <a:font script="Osma" typeface="Ebrima"/>
+      <a:font script="Phag" typeface="Phagspa"/>
+      <a:font script="Syrn" typeface="Estrangelo Edessa"/>
+      <a:font script="Syrj" typeface="Estrangelo Edessa"/>
+      <a:font script="Syre" typeface="Estrangelo Edessa"/>
+      <a:font script="Sora" typeface="Nirmala UI"/>
+      <a:font script="Tale" typeface="Microsoft Tai Le"/>
+      <a:font script="Talu" typeface="Microsoft New Tai Lue"/>
+      <a:font script="Tfng" typeface="Ebrima"/>
+    </a:minorFont>
+  </a:fontScheme>
+  <a:fmtScheme name="Office">
+    <a:fillStyleLst>
+      <a:solidFill>
+        <a:schemeClr val="phClr"/>
+      </a:solidFill>
+      <a:gradFill rotWithShape="1">
+        <a:gsLst>
+          <a:gs pos="0">
+            <a:schemeClr val="phClr">
+              <a:lumMod val="110000"/>
+              <a:satMod val="105000"/>
+              <a:tint val="67000"/>
+            </a:schemeClr>
+          </a:gs>
+          <a:gs pos="50000">
+            <a:schemeClr val="phClr">
+              <a:lumMod val="105000"/>
+              <a:satMod val="103000"/>
+              <a:tint val="73000"/>
+            </a:schemeClr>
+          </a:gs>
+          <a:gs pos="100000">
+            <a:schemeClr val="phClr">
+              <a:lumMod val="105000"/>
+              <a:satMod val="109000"/>
+              <a:tint val="81000"/>
+            </a:schemeClr>
+          </a:gs>
+        </a:gsLst>
+        <a:lin ang="5400000" scaled="0"/>
+      </a:gradFill>
+      <a:gradFill rotWithShape="1">
+        <a:gsLst>
+          <a:gs pos="0">
+            <a:schemeClr val="phClr">
+              <a:satMod val="103000"/>
+              <a:lumMod val="102000"/>
+              <a:tint val="94000"/>
+            </a:schemeClr>
+          </a:gs>
+          <a:gs pos="50000">
+            <a:schemeClr val="phClr">
+              <a:satMod val="110000"/>
+              <a:lumMod val="100000"/>
+              <a:shade val="100000"/>
+            </a:schemeClr>
+          </a:gs>
+          <a:gs pos="100000">
+            <a:schemeClr val="phClr">
+              <a:lumMod val="99000"/>
+              <a:satMod val="120000"/>
+              <a:shade val="78000"/>
+            </a:schemeClr>
+          </a:gs>
+        </a:gsLst>
+        <a:lin ang="5400000" scaled="0"/>
+      </a:gradFill>
+    </a:fillStyleLst>
+    <a:lnStyleLst>
+      <a:ln w="6350" cap="flat" cmpd="sng" algn="ctr">
+        <a:solidFill>
+          <a:schemeClr val="phClr"/>
+        </a:solidFill>
+        <a:prstDash val="solid"/>
+        <a:miter lim="800000"/>
+      </a:ln>
+      <a:ln w="12700" cap="flat" cmpd="sng" algn="ctr">
+        <a:solidFill>
+          <a:schemeClr val="phClr"/>
+        </a:solidFill>
+        <a:prstDash val="solid"/>
+        <a:miter lim="800000"/>
+      </a:ln>
+      <a:ln w="19050" cap="flat" cmpd="sng" algn="ctr">
+        <a:solidFill>
+          <a:schemeClr val="phClr"/>
+        </a:solidFill>
+        <a:prstDash val="solid"/>
+        <a:miter lim="800000"/>
+      </a:ln>
+    </a:lnStyleLst>
+    <a:effectStyleLst>
+      <a:effectStyle>
+        <a:effectLst/>
+      </a:effectStyle>
+      <a:effectStyle>
+        <a:effectLst/>
+      </a:effectStyle>
+      <a:effectStyle>
+        <a:effectLst>
+          <a:outerShdw blurRad="57150" dist="19050" dir="5400000" algn="ctr" rotWithShape="0">
+            <a:srgbClr val="000000">
+              <a:alpha val="63000"/>
+            </a:srgbClr>
+          </a:outerShdw>
+        </a:effectLst>
+      </a:effectStyle>
+    </a:effectStyleLst>
+    <a:bgFillStyleLst>
+      <a:solidFill>
+        <a:schemeClr val="phClr"/>
+      </a:solidFill>
+      <a:solidFill>
+        <a:schemeClr val="phClr">
+          <a:tint val="95000"/>
+          <a:satMod val="170000"/>
+        </a:schemeClr>
+      </a:solidFill>
+      <a:gradFill rotWithShape="1">
+        <a:gsLst>
+          <a:gs pos="0">
+            <a:schemeClr val="phClr">
+              <a:tint val="93000"/>
+              <a:satMod val="150000"/>
+              <a:shade val="98000"/>
+              <a:lumMod val="102000"/>
+            </a:schemeClr>
+          </a:gs>
+          <a:gs pos="50000">
+            <a:schemeClr val="phClr">
+              <a:tint val="98000"/>
+              <a:satMod val="130000"/>
+              <a:shade val="90000"/>
+              <a:lumMod val="103000"/>
+            </a:schemeClr>
+          </a:gs>
+          <a:gs pos="100000">
+            <a:schemeClr val="phClr">
+              <a:shade val="63000"/>
+              <a:satMod val="120000"/>
+            </a:schemeClr>
+          </a:gs>
+        </a:gsLst>
+        <a:lin ang="5400000" scaled="0"/>
+      </a:gradFill>
+    </a:bgFillStyleLst>
+  </a:fmtScheme>
+</a:themeOverride>
 </file>